--- a/PP/Master Discussion 14_may.pptx
+++ b/PP/Master Discussion 14_may.pptx
@@ -14,8 +14,9 @@
     <p:sldId id="260" r:id="rId8"/>
     <p:sldId id="263" r:id="rId9"/>
     <p:sldId id="264" r:id="rId10"/>
-    <p:sldId id="265" r:id="rId11"/>
-    <p:sldId id="266" r:id="rId12"/>
+    <p:sldId id="267" r:id="rId11"/>
+    <p:sldId id="265" r:id="rId12"/>
+    <p:sldId id="266" r:id="rId13"/>
   </p:sldIdLst>
   <p:sldSz cx="12192000" cy="6858000"/>
   <p:notesSz cx="6858000" cy="9144000"/>
@@ -132,11 +133,15 @@
             <p14:sldId id="260"/>
             <p14:sldId id="263"/>
             <p14:sldId id="264"/>
+            <p14:sldId id="267"/>
             <p14:sldId id="265"/>
             <p14:sldId id="266"/>
           </p14:sldIdLst>
         </p14:section>
       </p14:sectionLst>
+    </p:ext>
+    <p:ext uri="{EFAFB233-063F-42B5-8137-9DF3F51BA10A}">
+      <p15:sldGuideLst xmlns:p15="http://schemas.microsoft.com/office/powerpoint/2012/main"/>
     </p:ext>
   </p:extLst>
 </p:presentation>
@@ -145,7 +150,7 @@
 <file path=ppt/revisionInfo.xml><?xml version="1.0" encoding="utf-8"?>
 <p1510:revInfo xmlns:a="http://schemas.openxmlformats.org/drawingml/2006/main" xmlns:r="http://schemas.openxmlformats.org/officeDocument/2006/relationships" xmlns:p1510="http://schemas.microsoft.com/office/powerpoint/2015/10/main">
   <p1510:revLst>
-    <p1510:client id="{8B2FBA32-CEF5-4480-9AF0-F662507A973F}" v="4495" dt="2018-05-13T18:28:46.749"/>
+    <p1510:client id="{8B2FBA32-CEF5-4480-9AF0-F662507A973F}" v="5235" dt="2018-05-13T20:33:30.898"/>
   </p1510:revLst>
 </p1510:revInfo>
 </file>
@@ -155,10 +160,25 @@
   <pc:docChgLst>
     <pc:chgData name="Bendik Witzoe" userId="ce85cca2b8f8d616" providerId="LiveId" clId="{8B2FBA32-CEF5-4480-9AF0-F662507A973F}"/>
     <pc:docChg chg="undo custSel addSld modSld">
-      <pc:chgData name="Bendik Witzoe" userId="ce85cca2b8f8d616" providerId="LiveId" clId="{8B2FBA32-CEF5-4480-9AF0-F662507A973F}" dt="2018-05-13T18:28:46.749" v="4486" actId="6549"/>
+      <pc:chgData name="Bendik Witzoe" userId="ce85cca2b8f8d616" providerId="LiveId" clId="{8B2FBA32-CEF5-4480-9AF0-F662507A973F}" dt="2018-05-13T20:33:30.898" v="5226" actId="114"/>
       <pc:docMkLst>
         <pc:docMk/>
       </pc:docMkLst>
+      <pc:sldChg chg="modSp">
+        <pc:chgData name="Bendik Witzoe" userId="ce85cca2b8f8d616" providerId="LiveId" clId="{8B2FBA32-CEF5-4480-9AF0-F662507A973F}" dt="2018-05-13T18:38:08.051" v="4492" actId="5793"/>
+        <pc:sldMkLst>
+          <pc:docMk/>
+          <pc:sldMk cId="158366554" sldId="257"/>
+        </pc:sldMkLst>
+        <pc:spChg chg="mod">
+          <ac:chgData name="Bendik Witzoe" userId="ce85cca2b8f8d616" providerId="LiveId" clId="{8B2FBA32-CEF5-4480-9AF0-F662507A973F}" dt="2018-05-13T18:38:08.051" v="4492" actId="5793"/>
+          <ac:spMkLst>
+            <pc:docMk/>
+            <pc:sldMk cId="158366554" sldId="257"/>
+            <ac:spMk id="3" creationId="{63F4A9D8-0A15-4CA8-B38E-C73B2272D49F}"/>
+          </ac:spMkLst>
+        </pc:spChg>
+      </pc:sldChg>
       <pc:sldChg chg="modSp">
         <pc:chgData name="Bendik Witzoe" userId="ce85cca2b8f8d616" providerId="LiveId" clId="{8B2FBA32-CEF5-4480-9AF0-F662507A973F}" dt="2018-05-13T18:05:25.581" v="3988" actId="20577"/>
         <pc:sldMkLst>
@@ -175,7 +195,7 @@
         </pc:spChg>
       </pc:sldChg>
       <pc:sldChg chg="addSp delSp modSp add">
-        <pc:chgData name="Bendik Witzoe" userId="ce85cca2b8f8d616" providerId="LiveId" clId="{8B2FBA32-CEF5-4480-9AF0-F662507A973F}" dt="2018-05-13T18:11:59.415" v="4370" actId="20577"/>
+        <pc:chgData name="Bendik Witzoe" userId="ce85cca2b8f8d616" providerId="LiveId" clId="{8B2FBA32-CEF5-4480-9AF0-F662507A973F}" dt="2018-05-13T18:32:29.393" v="4488" actId="5793"/>
         <pc:sldMkLst>
           <pc:docMk/>
           <pc:sldMk cId="1709566904" sldId="259"/>
@@ -197,7 +217,7 @@
           </ac:spMkLst>
         </pc:spChg>
         <pc:spChg chg="add mod">
-          <ac:chgData name="Bendik Witzoe" userId="ce85cca2b8f8d616" providerId="LiveId" clId="{8B2FBA32-CEF5-4480-9AF0-F662507A973F}" dt="2018-05-13T18:11:59.415" v="4370" actId="20577"/>
+          <ac:chgData name="Bendik Witzoe" userId="ce85cca2b8f8d616" providerId="LiveId" clId="{8B2FBA32-CEF5-4480-9AF0-F662507A973F}" dt="2018-05-13T18:32:29.393" v="4488" actId="5793"/>
           <ac:spMkLst>
             <pc:docMk/>
             <pc:sldMk cId="1709566904" sldId="259"/>
@@ -267,7 +287,7 @@
         </pc:spChg>
       </pc:sldChg>
       <pc:sldChg chg="addSp delSp modSp add">
-        <pc:chgData name="Bendik Witzoe" userId="ce85cca2b8f8d616" providerId="LiveId" clId="{8B2FBA32-CEF5-4480-9AF0-F662507A973F}" dt="2018-05-13T18:08:09.296" v="4010" actId="5793"/>
+        <pc:chgData name="Bendik Witzoe" userId="ce85cca2b8f8d616" providerId="LiveId" clId="{8B2FBA32-CEF5-4480-9AF0-F662507A973F}" dt="2018-05-13T20:18:22.733" v="4543" actId="20577"/>
         <pc:sldMkLst>
           <pc:docMk/>
           <pc:sldMk cId="691255855" sldId="263"/>
@@ -281,7 +301,7 @@
           </ac:spMkLst>
         </pc:spChg>
         <pc:spChg chg="add del mod">
-          <ac:chgData name="Bendik Witzoe" userId="ce85cca2b8f8d616" providerId="LiveId" clId="{8B2FBA32-CEF5-4480-9AF0-F662507A973F}" dt="2018-05-13T18:08:09.296" v="4010" actId="5793"/>
+          <ac:chgData name="Bendik Witzoe" userId="ce85cca2b8f8d616" providerId="LiveId" clId="{8B2FBA32-CEF5-4480-9AF0-F662507A973F}" dt="2018-05-13T20:18:22.733" v="4543" actId="20577"/>
           <ac:spMkLst>
             <pc:docMk/>
             <pc:sldMk cId="691255855" sldId="263"/>
@@ -298,13 +318,13 @@
         </pc:spChg>
       </pc:sldChg>
       <pc:sldChg chg="modSp add">
-        <pc:chgData name="Bendik Witzoe" userId="ce85cca2b8f8d616" providerId="LiveId" clId="{8B2FBA32-CEF5-4480-9AF0-F662507A973F}" dt="2018-05-13T18:09:04.121" v="4019" actId="20577"/>
+        <pc:chgData name="Bendik Witzoe" userId="ce85cca2b8f8d616" providerId="LiveId" clId="{8B2FBA32-CEF5-4480-9AF0-F662507A973F}" dt="2018-05-13T20:32:54.387" v="5225" actId="27636"/>
         <pc:sldMkLst>
           <pc:docMk/>
           <pc:sldMk cId="3025541893" sldId="264"/>
         </pc:sldMkLst>
         <pc:spChg chg="mod">
-          <ac:chgData name="Bendik Witzoe" userId="ce85cca2b8f8d616" providerId="LiveId" clId="{8B2FBA32-CEF5-4480-9AF0-F662507A973F}" dt="2018-05-13T17:39:37.858" v="3183"/>
+          <ac:chgData name="Bendik Witzoe" userId="ce85cca2b8f8d616" providerId="LiveId" clId="{8B2FBA32-CEF5-4480-9AF0-F662507A973F}" dt="2018-05-13T17:39:37.858" v="3183" actId="20577"/>
           <ac:spMkLst>
             <pc:docMk/>
             <pc:sldMk cId="3025541893" sldId="264"/>
@@ -312,7 +332,7 @@
           </ac:spMkLst>
         </pc:spChg>
         <pc:spChg chg="mod">
-          <ac:chgData name="Bendik Witzoe" userId="ce85cca2b8f8d616" providerId="LiveId" clId="{8B2FBA32-CEF5-4480-9AF0-F662507A973F}" dt="2018-05-13T18:09:04.121" v="4019" actId="20577"/>
+          <ac:chgData name="Bendik Witzoe" userId="ce85cca2b8f8d616" providerId="LiveId" clId="{8B2FBA32-CEF5-4480-9AF0-F662507A973F}" dt="2018-05-13T20:32:54.387" v="5225" actId="27636"/>
           <ac:spMkLst>
             <pc:docMk/>
             <pc:sldMk cId="3025541893" sldId="264"/>
@@ -336,7 +356,7 @@
         </pc:spChg>
       </pc:sldChg>
       <pc:sldChg chg="modSp add">
-        <pc:chgData name="Bendik Witzoe" userId="ce85cca2b8f8d616" providerId="LiveId" clId="{8B2FBA32-CEF5-4480-9AF0-F662507A973F}" dt="2018-05-13T18:27:54.975" v="4478" actId="20577"/>
+        <pc:chgData name="Bendik Witzoe" userId="ce85cca2b8f8d616" providerId="LiveId" clId="{8B2FBA32-CEF5-4480-9AF0-F662507A973F}" dt="2018-05-13T20:29:17.386" v="5210" actId="20577"/>
         <pc:sldMkLst>
           <pc:docMk/>
           <pc:sldMk cId="2863017654" sldId="266"/>
@@ -350,11 +370,34 @@
           </ac:spMkLst>
         </pc:spChg>
         <pc:spChg chg="mod">
-          <ac:chgData name="Bendik Witzoe" userId="ce85cca2b8f8d616" providerId="LiveId" clId="{8B2FBA32-CEF5-4480-9AF0-F662507A973F}" dt="2018-05-13T18:27:54.975" v="4478" actId="20577"/>
+          <ac:chgData name="Bendik Witzoe" userId="ce85cca2b8f8d616" providerId="LiveId" clId="{8B2FBA32-CEF5-4480-9AF0-F662507A973F}" dt="2018-05-13T20:29:17.386" v="5210" actId="20577"/>
           <ac:spMkLst>
             <pc:docMk/>
             <pc:sldMk cId="2863017654" sldId="266"/>
             <ac:spMk id="3" creationId="{FB5D6B7E-E0FB-4D4C-BB55-55C40E09AE07}"/>
+          </ac:spMkLst>
+        </pc:spChg>
+      </pc:sldChg>
+      <pc:sldChg chg="modSp add">
+        <pc:chgData name="Bendik Witzoe" userId="ce85cca2b8f8d616" providerId="LiveId" clId="{8B2FBA32-CEF5-4480-9AF0-F662507A973F}" dt="2018-05-13T20:33:30.898" v="5226" actId="114"/>
+        <pc:sldMkLst>
+          <pc:docMk/>
+          <pc:sldMk cId="4131434647" sldId="267"/>
+        </pc:sldMkLst>
+        <pc:spChg chg="mod">
+          <ac:chgData name="Bendik Witzoe" userId="ce85cca2b8f8d616" providerId="LiveId" clId="{8B2FBA32-CEF5-4480-9AF0-F662507A973F}" dt="2018-05-13T20:19:15.837" v="4551"/>
+          <ac:spMkLst>
+            <pc:docMk/>
+            <pc:sldMk cId="4131434647" sldId="267"/>
+            <ac:spMk id="2" creationId="{FB09AFF7-A25C-49DA-8B4E-0E93C498AC7E}"/>
+          </ac:spMkLst>
+        </pc:spChg>
+        <pc:spChg chg="mod">
+          <ac:chgData name="Bendik Witzoe" userId="ce85cca2b8f8d616" providerId="LiveId" clId="{8B2FBA32-CEF5-4480-9AF0-F662507A973F}" dt="2018-05-13T20:33:30.898" v="5226" actId="114"/>
+          <ac:spMkLst>
+            <pc:docMk/>
+            <pc:sldMk cId="4131434647" sldId="267"/>
+            <ac:spMk id="3" creationId="{3D27D892-7B03-4D1B-A6A1-3D00D684D463}"/>
           </ac:spMkLst>
         </pc:spChg>
       </pc:sldChg>
@@ -3676,7 +3719,7 @@
           <p:cNvPr id="2" name="Title 1">
             <a:extLst>
               <a:ext uri="{FF2B5EF4-FFF2-40B4-BE49-F238E27FC236}">
-                <a16:creationId xmlns:a16="http://schemas.microsoft.com/office/drawing/2014/main" id="{D367E34D-2B47-4228-9F6F-9CB2130093AB}"/>
+                <a16:creationId xmlns:a16="http://schemas.microsoft.com/office/drawing/2014/main" id="{FB09AFF7-A25C-49DA-8B4E-0E93C498AC7E}"/>
               </a:ext>
             </a:extLst>
           </p:cNvPr>
@@ -3694,41 +3737,247 @@
           <a:p>
             <a:r>
               <a:rPr lang="nb-NO" dirty="0"/>
-              <a:t>Scenario Generation Model - Results</a:t>
+              <a:t>New Scenario Generation Model</a:t>
             </a:r>
             <a:endParaRPr lang="en-US" dirty="0"/>
           </a:p>
         </p:txBody>
       </p:sp>
-      <p:sp>
-        <p:nvSpPr>
-          <p:cNvPr id="3" name="Content Placeholder 2">
-            <a:extLst>
-              <a:ext uri="{FF2B5EF4-FFF2-40B4-BE49-F238E27FC236}">
-                <a16:creationId xmlns:a16="http://schemas.microsoft.com/office/drawing/2014/main" id="{1D202977-9BBB-46E1-A27D-21986A38D8B3}"/>
-              </a:ext>
-            </a:extLst>
-          </p:cNvPr>
-          <p:cNvSpPr>
-            <a:spLocks noGrp="1"/>
-          </p:cNvSpPr>
-          <p:nvPr>
-            <p:ph idx="1"/>
-          </p:nvPr>
-        </p:nvSpPr>
-        <p:spPr/>
-        <p:txBody>
-          <a:bodyPr/>
-          <a:lstStyle/>
-          <a:p>
-            <a:endParaRPr lang="en-US" dirty="0"/>
-          </a:p>
-        </p:txBody>
-      </p:sp>
+      <mc:AlternateContent xmlns:mc="http://schemas.openxmlformats.org/markup-compatibility/2006">
+        <mc:Choice xmlns:a14="http://schemas.microsoft.com/office/drawing/2010/main" Requires="a14">
+          <p:sp>
+            <p:nvSpPr>
+              <p:cNvPr id="3" name="Content Placeholder 2">
+                <a:extLst>
+                  <a:ext uri="{FF2B5EF4-FFF2-40B4-BE49-F238E27FC236}">
+                    <a16:creationId xmlns:a16="http://schemas.microsoft.com/office/drawing/2014/main" id="{3D27D892-7B03-4D1B-A6A1-3D00D684D463}"/>
+                  </a:ext>
+                </a:extLst>
+              </p:cNvPr>
+              <p:cNvSpPr>
+                <a:spLocks noGrp="1"/>
+              </p:cNvSpPr>
+              <p:nvPr>
+                <p:ph idx="1"/>
+              </p:nvPr>
+            </p:nvSpPr>
+            <p:spPr/>
+            <p:txBody>
+              <a:bodyPr/>
+              <a:lstStyle/>
+              <a:p>
+                <a:r>
+                  <a:rPr lang="nb-NO" dirty="0"/>
+                  <a:t>If we do not wish to specify an intersection point, we start the procedure by setting </a:t>
+                </a:r>
+                <a14:m>
+                  <m:oMath xmlns:m="http://schemas.openxmlformats.org/officeDocument/2006/math">
+                    <m:r>
+                      <a:rPr lang="nb-NO" i="1">
+                        <a:latin typeface="Cambria Math" panose="02040503050406030204" pitchFamily="18" charset="0"/>
+                      </a:rPr>
+                      <m:t>𝑦</m:t>
+                    </m:r>
+                    <m:d>
+                      <m:dPr>
+                        <m:ctrlPr>
+                          <a:rPr lang="nb-NO" i="1">
+                            <a:latin typeface="Cambria Math" panose="02040503050406030204" pitchFamily="18" charset="0"/>
+                          </a:rPr>
+                        </m:ctrlPr>
+                      </m:dPr>
+                      <m:e>
+                        <m:r>
+                          <a:rPr lang="nb-NO" b="0" i="1" smtClean="0">
+                            <a:latin typeface="Cambria Math" panose="02040503050406030204" pitchFamily="18" charset="0"/>
+                          </a:rPr>
+                          <m:t>0</m:t>
+                        </m:r>
+                      </m:e>
+                    </m:d>
+                  </m:oMath>
+                </a14:m>
+                <a:r>
+                  <a:rPr lang="en-US" dirty="0"/>
+                  <a:t> = </a:t>
+                </a:r>
+                <a14:m>
+                  <m:oMath xmlns:m="http://schemas.openxmlformats.org/officeDocument/2006/math">
+                    <m:r>
+                      <a:rPr lang="nb-NO" i="1">
+                        <a:latin typeface="Cambria Math" panose="02040503050406030204" pitchFamily="18" charset="0"/>
+                      </a:rPr>
+                      <m:t>Ñ</m:t>
+                    </m:r>
+                    <m:d>
+                      <m:dPr>
+                        <m:ctrlPr>
+                          <a:rPr lang="nb-NO" i="1" dirty="0">
+                            <a:latin typeface="Cambria Math" panose="02040503050406030204" pitchFamily="18" charset="0"/>
+                          </a:rPr>
+                        </m:ctrlPr>
+                      </m:dPr>
+                      <m:e>
+                        <m:r>
+                          <a:rPr lang="nb-NO" i="1">
+                            <a:latin typeface="Cambria Math" panose="02040503050406030204" pitchFamily="18" charset="0"/>
+                          </a:rPr>
+                          <m:t>−4, 4,</m:t>
+                        </m:r>
+                        <m:r>
+                          <m:rPr>
+                            <m:nor/>
+                          </m:rPr>
+                          <a:rPr lang="nb-NO" i="1" dirty="0"/>
+                          <m:t>μ</m:t>
+                        </m:r>
+                        <m:r>
+                          <m:rPr>
+                            <m:nor/>
+                          </m:rPr>
+                          <a:rPr lang="nb-NO" i="1" dirty="0"/>
+                          <m:t>(</m:t>
+                        </m:r>
+                        <m:r>
+                          <m:rPr>
+                            <m:nor/>
+                          </m:rPr>
+                          <a:rPr lang="nb-NO" i="1" dirty="0"/>
+                          <m:t>x</m:t>
+                        </m:r>
+                        <m:r>
+                          <m:rPr>
+                            <m:nor/>
+                          </m:rPr>
+                          <a:rPr lang="nb-NO" i="1" dirty="0"/>
+                          <m:t>),</m:t>
+                        </m:r>
+                        <m:r>
+                          <m:rPr>
+                            <m:nor/>
+                          </m:rPr>
+                          <a:rPr lang="el-GR" i="1" dirty="0"/>
+                          <m:t>σ</m:t>
+                        </m:r>
+                        <m:r>
+                          <m:rPr>
+                            <m:nor/>
+                          </m:rPr>
+                          <a:rPr lang="nb-NO" i="1" dirty="0"/>
+                          <m:t>(</m:t>
+                        </m:r>
+                        <m:r>
+                          <m:rPr>
+                            <m:nor/>
+                          </m:rPr>
+                          <a:rPr lang="nb-NO" i="1" dirty="0"/>
+                          <m:t>x</m:t>
+                        </m:r>
+                        <m:r>
+                          <m:rPr>
+                            <m:nor/>
+                          </m:rPr>
+                          <a:rPr lang="nb-NO" i="1" dirty="0"/>
+                          <m:t>)</m:t>
+                        </m:r>
+                      </m:e>
+                    </m:d>
+                  </m:oMath>
+                </a14:m>
+                <a:r>
+                  <a:rPr lang="en-US" dirty="0"/>
+                  <a:t> and then continue for choke values 1,2,…,100</a:t>
+                </a:r>
+              </a:p>
+              <a:p>
+                <a:endParaRPr lang="nb-NO" dirty="0"/>
+              </a:p>
+              <a:p>
+                <a:r>
+                  <a:rPr lang="nb-NO" dirty="0"/>
+                  <a:t>I</a:t>
+                </a:r>
+                <a:r>
+                  <a:rPr lang="en-US" dirty="0"/>
+                  <a:t>f we specify a point (x*</a:t>
+                </a:r>
+                <a:r>
+                  <a:rPr lang="en-US" i="1" dirty="0"/>
+                  <a:t>, y*) </a:t>
+                </a:r>
+                <a:r>
+                  <a:rPr lang="en-US" dirty="0"/>
+                  <a:t>corresponding to current choke and output rate, we generate points as described previously in both directions from </a:t>
+                </a:r>
+                <a:r>
+                  <a:rPr lang="en-US" i="1" dirty="0"/>
+                  <a:t>x*, i.e. x*-1,…,0 and x*+1,…,100 </a:t>
+                </a:r>
+              </a:p>
+              <a:p>
+                <a:endParaRPr lang="nb-NO" i="1" dirty="0"/>
+              </a:p>
+              <a:p>
+                <a:r>
+                  <a:rPr lang="nb-NO" dirty="0"/>
+                  <a:t>T</a:t>
+                </a:r>
+                <a:r>
+                  <a:rPr lang="en-US" dirty="0" err="1"/>
+                  <a:t>hus</a:t>
+                </a:r>
+                <a:r>
+                  <a:rPr lang="en-US" dirty="0"/>
+                  <a:t> both our desired properties are present</a:t>
+                </a:r>
+              </a:p>
+            </p:txBody>
+          </p:sp>
+        </mc:Choice>
+        <mc:Fallback>
+          <p:sp>
+            <p:nvSpPr>
+              <p:cNvPr id="3" name="Content Placeholder 2">
+                <a:extLst>
+                  <a:ext uri="{FF2B5EF4-FFF2-40B4-BE49-F238E27FC236}">
+                    <a16:creationId xmlns:a16="http://schemas.microsoft.com/office/drawing/2014/main" id="{3D27D892-7B03-4D1B-A6A1-3D00D684D463}"/>
+                  </a:ext>
+                </a:extLst>
+              </p:cNvPr>
+              <p:cNvSpPr>
+                <a:spLocks noGrp="1" noRot="1" noChangeAspect="1" noMove="1" noResize="1" noEditPoints="1" noAdjustHandles="1" noChangeArrowheads="1" noChangeShapeType="1" noTextEdit="1"/>
+              </p:cNvSpPr>
+              <p:nvPr>
+                <p:ph idx="1"/>
+              </p:nvPr>
+            </p:nvSpPr>
+            <p:spPr>
+              <a:blipFill>
+                <a:blip r:embed="rId2"/>
+                <a:stretch>
+                  <a:fillRect l="-1043" t="-2241" r="-812"/>
+                </a:stretch>
+              </a:blipFill>
+            </p:spPr>
+            <p:txBody>
+              <a:bodyPr/>
+              <a:lstStyle/>
+              <a:p>
+                <a:r>
+                  <a:rPr lang="en-US">
+                    <a:noFill/>
+                  </a:rPr>
+                  <a:t> </a:t>
+                </a:r>
+              </a:p>
+            </p:txBody>
+          </p:sp>
+        </mc:Fallback>
+      </mc:AlternateContent>
     </p:spTree>
     <p:extLst>
       <p:ext uri="{BB962C8B-B14F-4D97-AF65-F5344CB8AC3E}">
-        <p14:creationId xmlns:p14="http://schemas.microsoft.com/office/powerpoint/2010/main" val="3344552362"/>
+        <p14:creationId xmlns:p14="http://schemas.microsoft.com/office/powerpoint/2010/main" val="4131434647"/>
       </p:ext>
     </p:extLst>
   </p:cSld>
@@ -3760,6 +4009,90 @@
           <p:cNvPr id="2" name="Title 1">
             <a:extLst>
               <a:ext uri="{FF2B5EF4-FFF2-40B4-BE49-F238E27FC236}">
+                <a16:creationId xmlns:a16="http://schemas.microsoft.com/office/drawing/2014/main" id="{D367E34D-2B47-4228-9F6F-9CB2130093AB}"/>
+              </a:ext>
+            </a:extLst>
+          </p:cNvPr>
+          <p:cNvSpPr>
+            <a:spLocks noGrp="1"/>
+          </p:cNvSpPr>
+          <p:nvPr>
+            <p:ph type="title"/>
+          </p:nvPr>
+        </p:nvSpPr>
+        <p:spPr/>
+        <p:txBody>
+          <a:bodyPr/>
+          <a:lstStyle/>
+          <a:p>
+            <a:r>
+              <a:rPr lang="nb-NO" dirty="0"/>
+              <a:t>Scenario Generation Model - Results</a:t>
+            </a:r>
+            <a:endParaRPr lang="en-US" dirty="0"/>
+          </a:p>
+        </p:txBody>
+      </p:sp>
+      <p:sp>
+        <p:nvSpPr>
+          <p:cNvPr id="3" name="Content Placeholder 2">
+            <a:extLst>
+              <a:ext uri="{FF2B5EF4-FFF2-40B4-BE49-F238E27FC236}">
+                <a16:creationId xmlns:a16="http://schemas.microsoft.com/office/drawing/2014/main" id="{1D202977-9BBB-46E1-A27D-21986A38D8B3}"/>
+              </a:ext>
+            </a:extLst>
+          </p:cNvPr>
+          <p:cNvSpPr>
+            <a:spLocks noGrp="1"/>
+          </p:cNvSpPr>
+          <p:nvPr>
+            <p:ph idx="1"/>
+          </p:nvPr>
+        </p:nvSpPr>
+        <p:spPr/>
+        <p:txBody>
+          <a:bodyPr/>
+          <a:lstStyle/>
+          <a:p>
+            <a:endParaRPr lang="en-US" dirty="0"/>
+          </a:p>
+        </p:txBody>
+      </p:sp>
+    </p:spTree>
+    <p:extLst>
+      <p:ext uri="{BB962C8B-B14F-4D97-AF65-F5344CB8AC3E}">
+        <p14:creationId xmlns:p14="http://schemas.microsoft.com/office/powerpoint/2010/main" val="3344552362"/>
+      </p:ext>
+    </p:extLst>
+  </p:cSld>
+  <p:clrMapOvr>
+    <a:masterClrMapping/>
+  </p:clrMapOvr>
+</p:sld>
+</file>
+
+<file path=ppt/slides/slide12.xml><?xml version="1.0" encoding="utf-8"?>
+<p:sld xmlns:a="http://schemas.openxmlformats.org/drawingml/2006/main" xmlns:r="http://schemas.openxmlformats.org/officeDocument/2006/relationships" xmlns:p="http://schemas.openxmlformats.org/presentationml/2006/main">
+  <p:cSld>
+    <p:spTree>
+      <p:nvGrpSpPr>
+        <p:cNvPr id="1" name=""/>
+        <p:cNvGrpSpPr/>
+        <p:nvPr/>
+      </p:nvGrpSpPr>
+      <p:grpSpPr>
+        <a:xfrm>
+          <a:off x="0" y="0"/>
+          <a:ext cx="0" cy="0"/>
+          <a:chOff x="0" y="0"/>
+          <a:chExt cx="0" cy="0"/>
+        </a:xfrm>
+      </p:grpSpPr>
+      <p:sp>
+        <p:nvSpPr>
+          <p:cNvPr id="2" name="Title 1">
+            <a:extLst>
+              <a:ext uri="{FF2B5EF4-FFF2-40B4-BE49-F238E27FC236}">
                 <a16:creationId xmlns:a16="http://schemas.microsoft.com/office/drawing/2014/main" id="{59089C09-29BA-4299-9C59-855A4C970C72}"/>
               </a:ext>
             </a:extLst>
@@ -3825,7 +4158,7 @@
           <a:p>
             <a:r>
               <a:rPr lang="nb-NO" dirty="0"/>
-              <a:t>Feasibility study: How many scenarios are tractable?</a:t>
+              <a:t>Possible approach: Feasibility study, how does solution time scale with number of scenarios?</a:t>
             </a:r>
             <a:endParaRPr lang="en-US" dirty="0"/>
           </a:p>
@@ -3923,10 +4256,9 @@
             </a:r>
           </a:p>
           <a:p>
-            <a:r>
-              <a:rPr lang="nb-NO" dirty="0"/>
-              <a:t>Implementation/Writing</a:t>
-            </a:r>
+            <a:pPr marL="0" indent="0">
+              <a:buNone/>
+            </a:pPr>
             <a:endParaRPr lang="en-US" dirty="0"/>
           </a:p>
         </p:txBody>
@@ -4347,8 +4679,14 @@
               <a:t>	Current solution </a:t>
             </a:r>
             <a:r>
+              <a:rPr lang="nb-NO" dirty="0">
+                <a:sym typeface="Wingdings" panose="05000000000000000000" pitchFamily="2" charset="2"/>
+              </a:rPr>
+              <a:t></a:t>
+            </a:r>
+            <a:r>
               <a:rPr lang="nb-NO" dirty="0"/>
-              <a:t>&lt;- new solution</a:t>
+              <a:t> new solution</a:t>
             </a:r>
           </a:p>
           <a:p>
@@ -4795,7 +5133,7 @@
             </a:pPr>
             <a:r>
               <a:rPr lang="nb-NO" dirty="0"/>
-              <a:t>The scenario curve should be able to intersect a given (choke, output) point if specified, since we may know our current production rate for wells that are already producing</a:t>
+              <a:t>The scenario curve should be able to intersect a given (choke, output) point if specified, since we know our current production rate for wells that are already producing (but are uncertain about choke values)</a:t>
             </a:r>
           </a:p>
           <a:p>
@@ -4999,14 +5337,31 @@
                         <a:rPr lang="nb-NO" b="0" i="1" smtClean="0">
                           <a:latin typeface="Cambria Math" panose="02040503050406030204" pitchFamily="18" charset="0"/>
                         </a:rPr>
-                        <m:t>= </m:t>
+                        <m:t>=</m:t>
                       </m:r>
-                      <m:r>
-                        <a:rPr lang="nb-NO" b="0" i="1" smtClean="0">
-                          <a:latin typeface="Cambria Math" panose="02040503050406030204" pitchFamily="18" charset="0"/>
-                        </a:rPr>
-                        <m:t>𝑤</m:t>
-                      </m:r>
+                      <m:d>
+                        <m:dPr>
+                          <m:ctrlPr>
+                            <a:rPr lang="nb-NO" i="1">
+                              <a:latin typeface="Cambria Math" panose="02040503050406030204" pitchFamily="18" charset="0"/>
+                            </a:rPr>
+                          </m:ctrlPr>
+                        </m:dPr>
+                        <m:e>
+                          <m:r>
+                            <a:rPr lang="nb-NO" i="1">
+                              <a:latin typeface="Cambria Math" panose="02040503050406030204" pitchFamily="18" charset="0"/>
+                            </a:rPr>
+                            <m:t>1−</m:t>
+                          </m:r>
+                          <m:r>
+                            <a:rPr lang="nb-NO" i="1">
+                              <a:latin typeface="Cambria Math" panose="02040503050406030204" pitchFamily="18" charset="0"/>
+                            </a:rPr>
+                            <m:t>𝑤</m:t>
+                          </m:r>
+                        </m:e>
+                      </m:d>
                       <m:r>
                         <a:rPr lang="nb-NO" b="0" i="1" smtClean="0">
                           <a:latin typeface="Cambria Math" panose="02040503050406030204" pitchFamily="18" charset="0"/>
@@ -5221,29 +5576,12 @@
                         </a:rPr>
                         <m:t>+</m:t>
                       </m:r>
-                      <m:d>
-                        <m:dPr>
-                          <m:ctrlPr>
-                            <a:rPr lang="nb-NO" b="0" i="1" smtClean="0">
-                              <a:latin typeface="Cambria Math" panose="02040503050406030204" pitchFamily="18" charset="0"/>
-                            </a:rPr>
-                          </m:ctrlPr>
-                        </m:dPr>
-                        <m:e>
-                          <m:r>
-                            <a:rPr lang="nb-NO" b="0" i="1" smtClean="0">
-                              <a:latin typeface="Cambria Math" panose="02040503050406030204" pitchFamily="18" charset="0"/>
-                            </a:rPr>
-                            <m:t>1−</m:t>
-                          </m:r>
-                          <m:r>
-                            <a:rPr lang="nb-NO" b="0" i="1" smtClean="0">
-                              <a:latin typeface="Cambria Math" panose="02040503050406030204" pitchFamily="18" charset="0"/>
-                            </a:rPr>
-                            <m:t>𝑤</m:t>
-                          </m:r>
-                        </m:e>
-                      </m:d>
+                      <m:r>
+                        <a:rPr lang="nb-NO" b="0" i="1" smtClean="0">
+                          <a:latin typeface="Cambria Math" panose="02040503050406030204" pitchFamily="18" charset="0"/>
+                        </a:rPr>
+                        <m:t>𝑤</m:t>
+                      </m:r>
                       <m:r>
                         <a:rPr lang="nb-NO" b="0" i="1" smtClean="0">
                           <a:latin typeface="Cambria Math" panose="02040503050406030204" pitchFamily="18" charset="0"/>
@@ -5353,7 +5691,7 @@
                 </a:r>
                 <a:r>
                   <a:rPr lang="nb-NO" dirty="0"/>
-                  <a:t> &lt; 1 is the weighting choice</a:t>
+                  <a:t> &lt; 1 is the weighting variable.</a:t>
                 </a:r>
               </a:p>
             </p:txBody>

--- a/PP/Master Discussion 14_may.pptx
+++ b/PP/Master Discussion 14_may.pptx
@@ -16,7 +16,20 @@
     <p:sldId id="264" r:id="rId10"/>
     <p:sldId id="267" r:id="rId11"/>
     <p:sldId id="265" r:id="rId12"/>
-    <p:sldId id="266" r:id="rId13"/>
+    <p:sldId id="269" r:id="rId13"/>
+    <p:sldId id="270" r:id="rId14"/>
+    <p:sldId id="271" r:id="rId15"/>
+    <p:sldId id="272" r:id="rId16"/>
+    <p:sldId id="275" r:id="rId17"/>
+    <p:sldId id="274" r:id="rId18"/>
+    <p:sldId id="273" r:id="rId19"/>
+    <p:sldId id="280" r:id="rId20"/>
+    <p:sldId id="276" r:id="rId21"/>
+    <p:sldId id="277" r:id="rId22"/>
+    <p:sldId id="279" r:id="rId23"/>
+    <p:sldId id="281" r:id="rId24"/>
+    <p:sldId id="282" r:id="rId25"/>
+    <p:sldId id="266" r:id="rId26"/>
   </p:sldIdLst>
   <p:sldSz cx="12192000" cy="6858000"/>
   <p:notesSz cx="6858000" cy="9144000"/>
@@ -135,6 +148,19 @@
             <p14:sldId id="264"/>
             <p14:sldId id="267"/>
             <p14:sldId id="265"/>
+            <p14:sldId id="269"/>
+            <p14:sldId id="270"/>
+            <p14:sldId id="271"/>
+            <p14:sldId id="272"/>
+            <p14:sldId id="275"/>
+            <p14:sldId id="274"/>
+            <p14:sldId id="273"/>
+            <p14:sldId id="280"/>
+            <p14:sldId id="276"/>
+            <p14:sldId id="277"/>
+            <p14:sldId id="279"/>
+            <p14:sldId id="281"/>
+            <p14:sldId id="282"/>
             <p14:sldId id="266"/>
           </p14:sldIdLst>
         </p14:section>
@@ -150,7 +176,7 @@
 <file path=ppt/revisionInfo.xml><?xml version="1.0" encoding="utf-8"?>
 <p1510:revInfo xmlns:a="http://schemas.openxmlformats.org/drawingml/2006/main" xmlns:r="http://schemas.openxmlformats.org/officeDocument/2006/relationships" xmlns:p1510="http://schemas.microsoft.com/office/powerpoint/2015/10/main">
   <p1510:revLst>
-    <p1510:client id="{8B2FBA32-CEF5-4480-9AF0-F662507A973F}" v="5235" dt="2018-05-13T20:33:30.898"/>
+    <p1510:client id="{8B2FBA32-CEF5-4480-9AF0-F662507A973F}" v="8125" dt="2018-05-14T09:58:23.329"/>
   </p1510:revLst>
 </p1510:revInfo>
 </file>
@@ -159,8 +185,8 @@
 <pc:chgInfo xmlns:a="http://schemas.openxmlformats.org/drawingml/2006/main" xmlns:r="http://schemas.openxmlformats.org/officeDocument/2006/relationships" xmlns:ac="http://schemas.microsoft.com/office/drawing/2013/main/command" xmlns:pc="http://schemas.microsoft.com/office/powerpoint/2013/main/command">
   <pc:docChgLst>
     <pc:chgData name="Bendik Witzoe" userId="ce85cca2b8f8d616" providerId="LiveId" clId="{8B2FBA32-CEF5-4480-9AF0-F662507A973F}"/>
-    <pc:docChg chg="undo custSel addSld modSld">
-      <pc:chgData name="Bendik Witzoe" userId="ce85cca2b8f8d616" providerId="LiveId" clId="{8B2FBA32-CEF5-4480-9AF0-F662507A973F}" dt="2018-05-13T20:33:30.898" v="5226" actId="114"/>
+    <pc:docChg chg="undo custSel addSld delSld modSld sldOrd modSection">
+      <pc:chgData name="Bendik Witzoe" userId="ce85cca2b8f8d616" providerId="LiveId" clId="{8B2FBA32-CEF5-4480-9AF0-F662507A973F}" dt="2018-05-14T09:58:23.329" v="8116" actId="20577"/>
       <pc:docMkLst>
         <pc:docMk/>
       </pc:docMkLst>
@@ -226,7 +252,7 @@
         </pc:spChg>
       </pc:sldChg>
       <pc:sldChg chg="modSp add">
-        <pc:chgData name="Bendik Witzoe" userId="ce85cca2b8f8d616" providerId="LiveId" clId="{8B2FBA32-CEF5-4480-9AF0-F662507A973F}" dt="2018-05-13T18:28:46.749" v="4486" actId="6549"/>
+        <pc:chgData name="Bendik Witzoe" userId="ce85cca2b8f8d616" providerId="LiveId" clId="{8B2FBA32-CEF5-4480-9AF0-F662507A973F}" dt="2018-05-14T09:37:14.045" v="7233" actId="20577"/>
         <pc:sldMkLst>
           <pc:docMk/>
           <pc:sldMk cId="1351390352" sldId="260"/>
@@ -240,7 +266,7 @@
           </ac:spMkLst>
         </pc:spChg>
         <pc:spChg chg="mod">
-          <ac:chgData name="Bendik Witzoe" userId="ce85cca2b8f8d616" providerId="LiveId" clId="{8B2FBA32-CEF5-4480-9AF0-F662507A973F}" dt="2018-05-13T18:28:46.749" v="4486" actId="6549"/>
+          <ac:chgData name="Bendik Witzoe" userId="ce85cca2b8f8d616" providerId="LiveId" clId="{8B2FBA32-CEF5-4480-9AF0-F662507A973F}" dt="2018-05-14T09:37:14.045" v="7233" actId="20577"/>
           <ac:spMkLst>
             <pc:docMk/>
             <pc:sldMk cId="1351390352" sldId="260"/>
@@ -249,7 +275,7 @@
         </pc:spChg>
       </pc:sldChg>
       <pc:sldChg chg="modSp add">
-        <pc:chgData name="Bendik Witzoe" userId="ce85cca2b8f8d616" providerId="LiveId" clId="{8B2FBA32-CEF5-4480-9AF0-F662507A973F}" dt="2018-05-13T17:25:36.590" v="2475" actId="20577"/>
+        <pc:chgData name="Bendik Witzoe" userId="ce85cca2b8f8d616" providerId="LiveId" clId="{8B2FBA32-CEF5-4480-9AF0-F662507A973F}" dt="2018-05-14T09:51:58.433" v="7779" actId="20577"/>
         <pc:sldMkLst>
           <pc:docMk/>
           <pc:sldMk cId="136775090" sldId="261"/>
@@ -263,7 +289,7 @@
           </ac:spMkLst>
         </pc:spChg>
         <pc:spChg chg="mod">
-          <ac:chgData name="Bendik Witzoe" userId="ce85cca2b8f8d616" providerId="LiveId" clId="{8B2FBA32-CEF5-4480-9AF0-F662507A973F}" dt="2018-05-13T17:25:36.590" v="2475" actId="20577"/>
+          <ac:chgData name="Bendik Witzoe" userId="ce85cca2b8f8d616" providerId="LiveId" clId="{8B2FBA32-CEF5-4480-9AF0-F662507A973F}" dt="2018-05-14T09:51:58.433" v="7779" actId="20577"/>
           <ac:spMkLst>
             <pc:docMk/>
             <pc:sldMk cId="136775090" sldId="261"/>
@@ -271,8 +297,8 @@
           </ac:spMkLst>
         </pc:spChg>
       </pc:sldChg>
-      <pc:sldChg chg="modSp add">
-        <pc:chgData name="Bendik Witzoe" userId="ce85cca2b8f8d616" providerId="LiveId" clId="{8B2FBA32-CEF5-4480-9AF0-F662507A973F}" dt="2018-05-13T16:50:12.681" v="1862" actId="20577"/>
+      <pc:sldChg chg="addSp delSp modSp add">
+        <pc:chgData name="Bendik Witzoe" userId="ce85cca2b8f8d616" providerId="LiveId" clId="{8B2FBA32-CEF5-4480-9AF0-F662507A973F}" dt="2018-05-14T09:52:23.529" v="7834" actId="20577"/>
         <pc:sldMkLst>
           <pc:docMk/>
           <pc:sldMk cId="529388373" sldId="262"/>
@@ -285,9 +311,41 @@
             <ac:spMk id="2" creationId="{6529B464-6FCD-4DF7-9781-9CF31FF91AE4}"/>
           </ac:spMkLst>
         </pc:spChg>
+        <pc:spChg chg="mod">
+          <ac:chgData name="Bendik Witzoe" userId="ce85cca2b8f8d616" providerId="LiveId" clId="{8B2FBA32-CEF5-4480-9AF0-F662507A973F}" dt="2018-05-14T09:52:23.529" v="7834" actId="20577"/>
+          <ac:spMkLst>
+            <pc:docMk/>
+            <pc:sldMk cId="529388373" sldId="262"/>
+            <ac:spMk id="3" creationId="{0A76FB4C-BEDB-44D8-AB24-EE4821630404}"/>
+          </ac:spMkLst>
+        </pc:spChg>
+        <pc:spChg chg="add del">
+          <ac:chgData name="Bendik Witzoe" userId="ce85cca2b8f8d616" providerId="LiveId" clId="{8B2FBA32-CEF5-4480-9AF0-F662507A973F}" dt="2018-05-14T09:33:17.931" v="6662"/>
+          <ac:spMkLst>
+            <pc:docMk/>
+            <pc:sldMk cId="529388373" sldId="262"/>
+            <ac:spMk id="4" creationId="{E67FE61C-0EAE-4A70-BCD6-9E90D9FFF081}"/>
+          </ac:spMkLst>
+        </pc:spChg>
+        <pc:graphicFrameChg chg="add mod">
+          <ac:chgData name="Bendik Witzoe" userId="ce85cca2b8f8d616" providerId="LiveId" clId="{8B2FBA32-CEF5-4480-9AF0-F662507A973F}" dt="2018-05-14T09:33:45.262" v="6669" actId="1076"/>
+          <ac:graphicFrameMkLst>
+            <pc:docMk/>
+            <pc:sldMk cId="529388373" sldId="262"/>
+            <ac:graphicFrameMk id="5" creationId="{5A7CE7D5-E6D7-49FA-9B9D-8690F61F00FF}"/>
+          </ac:graphicFrameMkLst>
+        </pc:graphicFrameChg>
+        <pc:graphicFrameChg chg="add mod">
+          <ac:chgData name="Bendik Witzoe" userId="ce85cca2b8f8d616" providerId="LiveId" clId="{8B2FBA32-CEF5-4480-9AF0-F662507A973F}" dt="2018-05-14T09:33:49.922" v="6670" actId="1076"/>
+          <ac:graphicFrameMkLst>
+            <pc:docMk/>
+            <pc:sldMk cId="529388373" sldId="262"/>
+            <ac:graphicFrameMk id="6" creationId="{9678F944-B648-49F9-9D02-952529043F45}"/>
+          </ac:graphicFrameMkLst>
+        </pc:graphicFrameChg>
       </pc:sldChg>
       <pc:sldChg chg="addSp delSp modSp add">
-        <pc:chgData name="Bendik Witzoe" userId="ce85cca2b8f8d616" providerId="LiveId" clId="{8B2FBA32-CEF5-4480-9AF0-F662507A973F}" dt="2018-05-13T20:18:22.733" v="4543" actId="20577"/>
+        <pc:chgData name="Bendik Witzoe" userId="ce85cca2b8f8d616" providerId="LiveId" clId="{8B2FBA32-CEF5-4480-9AF0-F662507A973F}" dt="2018-05-14T09:51:11.939" v="7743" actId="20577"/>
         <pc:sldMkLst>
           <pc:docMk/>
           <pc:sldMk cId="691255855" sldId="263"/>
@@ -301,7 +359,7 @@
           </ac:spMkLst>
         </pc:spChg>
         <pc:spChg chg="add del mod">
-          <ac:chgData name="Bendik Witzoe" userId="ce85cca2b8f8d616" providerId="LiveId" clId="{8B2FBA32-CEF5-4480-9AF0-F662507A973F}" dt="2018-05-13T20:18:22.733" v="4543" actId="20577"/>
+          <ac:chgData name="Bendik Witzoe" userId="ce85cca2b8f8d616" providerId="LiveId" clId="{8B2FBA32-CEF5-4480-9AF0-F662507A973F}" dt="2018-05-14T09:51:11.939" v="7743" actId="20577"/>
           <ac:spMkLst>
             <pc:docMk/>
             <pc:sldMk cId="691255855" sldId="263"/>
@@ -340,8 +398,8 @@
           </ac:spMkLst>
         </pc:spChg>
       </pc:sldChg>
-      <pc:sldChg chg="modSp add">
-        <pc:chgData name="Bendik Witzoe" userId="ce85cca2b8f8d616" providerId="LiveId" clId="{8B2FBA32-CEF5-4480-9AF0-F662507A973F}" dt="2018-05-13T18:04:19.758" v="3987" actId="20577"/>
+      <pc:sldChg chg="addSp delSp modSp add">
+        <pc:chgData name="Bendik Witzoe" userId="ce85cca2b8f8d616" providerId="LiveId" clId="{8B2FBA32-CEF5-4480-9AF0-F662507A973F}" dt="2018-05-14T09:56:49.792" v="8048" actId="27636"/>
         <pc:sldMkLst>
           <pc:docMk/>
           <pc:sldMk cId="3344552362" sldId="265"/>
@@ -354,9 +412,57 @@
             <ac:spMk id="2" creationId="{D367E34D-2B47-4228-9F6F-9CB2130093AB}"/>
           </ac:spMkLst>
         </pc:spChg>
+        <pc:spChg chg="mod">
+          <ac:chgData name="Bendik Witzoe" userId="ce85cca2b8f8d616" providerId="LiveId" clId="{8B2FBA32-CEF5-4480-9AF0-F662507A973F}" dt="2018-05-14T09:56:49.792" v="8048" actId="27636"/>
+          <ac:spMkLst>
+            <pc:docMk/>
+            <pc:sldMk cId="3344552362" sldId="265"/>
+            <ac:spMk id="3" creationId="{1D202977-9BBB-46E1-A27D-21986A38D8B3}"/>
+          </ac:spMkLst>
+        </pc:spChg>
+        <pc:picChg chg="add del mod">
+          <ac:chgData name="Bendik Witzoe" userId="ce85cca2b8f8d616" providerId="LiveId" clId="{8B2FBA32-CEF5-4480-9AF0-F662507A973F}" dt="2018-05-14T08:40:04.025" v="5329" actId="27636"/>
+          <ac:picMkLst>
+            <pc:docMk/>
+            <pc:sldMk cId="3344552362" sldId="265"/>
+            <ac:picMk id="5" creationId="{7CBC0DD0-8016-4926-BF68-A9B21F19B520}"/>
+          </ac:picMkLst>
+        </pc:picChg>
+        <pc:picChg chg="add del mod">
+          <ac:chgData name="Bendik Witzoe" userId="ce85cca2b8f8d616" providerId="LiveId" clId="{8B2FBA32-CEF5-4480-9AF0-F662507A973F}" dt="2018-05-14T08:41:32.982" v="5497" actId="27636"/>
+          <ac:picMkLst>
+            <pc:docMk/>
+            <pc:sldMk cId="3344552362" sldId="265"/>
+            <ac:picMk id="7" creationId="{873F98AF-5A31-4F7F-80F2-C11DC2FABC92}"/>
+          </ac:picMkLst>
+        </pc:picChg>
+        <pc:picChg chg="add del mod">
+          <ac:chgData name="Bendik Witzoe" userId="ce85cca2b8f8d616" providerId="LiveId" clId="{8B2FBA32-CEF5-4480-9AF0-F662507A973F}" dt="2018-05-14T08:44:53.543" v="5504" actId="478"/>
+          <ac:picMkLst>
+            <pc:docMk/>
+            <pc:sldMk cId="3344552362" sldId="265"/>
+            <ac:picMk id="9" creationId="{61EA78E4-263E-437C-A21B-65CEF3689F3A}"/>
+          </ac:picMkLst>
+        </pc:picChg>
+        <pc:picChg chg="add del mod">
+          <ac:chgData name="Bendik Witzoe" userId="ce85cca2b8f8d616" providerId="LiveId" clId="{8B2FBA32-CEF5-4480-9AF0-F662507A973F}" dt="2018-05-14T08:44:53.543" v="5504" actId="478"/>
+          <ac:picMkLst>
+            <pc:docMk/>
+            <pc:sldMk cId="3344552362" sldId="265"/>
+            <ac:picMk id="11" creationId="{8B81B1DE-780B-4FFF-9490-582D50ADF500}"/>
+          </ac:picMkLst>
+        </pc:picChg>
+        <pc:picChg chg="add del mod">
+          <ac:chgData name="Bendik Witzoe" userId="ce85cca2b8f8d616" providerId="LiveId" clId="{8B2FBA32-CEF5-4480-9AF0-F662507A973F}" dt="2018-05-14T08:44:53.543" v="5504" actId="478"/>
+          <ac:picMkLst>
+            <pc:docMk/>
+            <pc:sldMk cId="3344552362" sldId="265"/>
+            <ac:picMk id="13" creationId="{EE1A6E5B-452C-4314-A4AA-FC3C479E1A83}"/>
+          </ac:picMkLst>
+        </pc:picChg>
       </pc:sldChg>
       <pc:sldChg chg="modSp add">
-        <pc:chgData name="Bendik Witzoe" userId="ce85cca2b8f8d616" providerId="LiveId" clId="{8B2FBA32-CEF5-4480-9AF0-F662507A973F}" dt="2018-05-13T20:29:17.386" v="5210" actId="20577"/>
+        <pc:chgData name="Bendik Witzoe" userId="ce85cca2b8f8d616" providerId="LiveId" clId="{8B2FBA32-CEF5-4480-9AF0-F662507A973F}" dt="2018-05-14T09:58:23.329" v="8116" actId="20577"/>
         <pc:sldMkLst>
           <pc:docMk/>
           <pc:sldMk cId="2863017654" sldId="266"/>
@@ -370,7 +476,7 @@
           </ac:spMkLst>
         </pc:spChg>
         <pc:spChg chg="mod">
-          <ac:chgData name="Bendik Witzoe" userId="ce85cca2b8f8d616" providerId="LiveId" clId="{8B2FBA32-CEF5-4480-9AF0-F662507A973F}" dt="2018-05-13T20:29:17.386" v="5210" actId="20577"/>
+          <ac:chgData name="Bendik Witzoe" userId="ce85cca2b8f8d616" providerId="LiveId" clId="{8B2FBA32-CEF5-4480-9AF0-F662507A973F}" dt="2018-05-14T09:58:23.329" v="8116" actId="20577"/>
           <ac:spMkLst>
             <pc:docMk/>
             <pc:sldMk cId="2863017654" sldId="266"/>
@@ -379,13 +485,13 @@
         </pc:spChg>
       </pc:sldChg>
       <pc:sldChg chg="modSp add">
-        <pc:chgData name="Bendik Witzoe" userId="ce85cca2b8f8d616" providerId="LiveId" clId="{8B2FBA32-CEF5-4480-9AF0-F662507A973F}" dt="2018-05-13T20:33:30.898" v="5226" actId="114"/>
+        <pc:chgData name="Bendik Witzoe" userId="ce85cca2b8f8d616" providerId="LiveId" clId="{8B2FBA32-CEF5-4480-9AF0-F662507A973F}" dt="2018-05-14T09:54:19.556" v="7949" actId="20577"/>
         <pc:sldMkLst>
           <pc:docMk/>
           <pc:sldMk cId="4131434647" sldId="267"/>
         </pc:sldMkLst>
         <pc:spChg chg="mod">
-          <ac:chgData name="Bendik Witzoe" userId="ce85cca2b8f8d616" providerId="LiveId" clId="{8B2FBA32-CEF5-4480-9AF0-F662507A973F}" dt="2018-05-13T20:19:15.837" v="4551"/>
+          <ac:chgData name="Bendik Witzoe" userId="ce85cca2b8f8d616" providerId="LiveId" clId="{8B2FBA32-CEF5-4480-9AF0-F662507A973F}" dt="2018-05-13T20:19:15.837" v="4551" actId="114"/>
           <ac:spMkLst>
             <pc:docMk/>
             <pc:sldMk cId="4131434647" sldId="267"/>
@@ -393,7 +499,7 @@
           </ac:spMkLst>
         </pc:spChg>
         <pc:spChg chg="mod">
-          <ac:chgData name="Bendik Witzoe" userId="ce85cca2b8f8d616" providerId="LiveId" clId="{8B2FBA32-CEF5-4480-9AF0-F662507A973F}" dt="2018-05-13T20:33:30.898" v="5226" actId="114"/>
+          <ac:chgData name="Bendik Witzoe" userId="ce85cca2b8f8d616" providerId="LiveId" clId="{8B2FBA32-CEF5-4480-9AF0-F662507A973F}" dt="2018-05-14T09:54:19.556" v="7949" actId="20577"/>
           <ac:spMkLst>
             <pc:docMk/>
             <pc:sldMk cId="4131434647" sldId="267"/>
@@ -401,9 +507,2461 @@
           </ac:spMkLst>
         </pc:spChg>
       </pc:sldChg>
+      <pc:sldChg chg="addSp modSp add del">
+        <pc:chgData name="Bendik Witzoe" userId="ce85cca2b8f8d616" providerId="LiveId" clId="{8B2FBA32-CEF5-4480-9AF0-F662507A973F}" dt="2018-05-14T08:44:49.687" v="5503" actId="2696"/>
+        <pc:sldMkLst>
+          <pc:docMk/>
+          <pc:sldMk cId="1745541593" sldId="268"/>
+        </pc:sldMkLst>
+        <pc:spChg chg="mod ord">
+          <ac:chgData name="Bendik Witzoe" userId="ce85cca2b8f8d616" providerId="LiveId" clId="{8B2FBA32-CEF5-4480-9AF0-F662507A973F}" dt="2018-05-14T08:40:44.116" v="5392" actId="20577"/>
+          <ac:spMkLst>
+            <pc:docMk/>
+            <pc:sldMk cId="1745541593" sldId="268"/>
+            <ac:spMk id="2" creationId="{3CF98400-8259-41EB-87B2-DC5787333C83}"/>
+          </ac:spMkLst>
+        </pc:spChg>
+        <pc:spChg chg="mod">
+          <ac:chgData name="Bendik Witzoe" userId="ce85cca2b8f8d616" providerId="LiveId" clId="{8B2FBA32-CEF5-4480-9AF0-F662507A973F}" dt="2018-05-14T08:41:17.773" v="5492" actId="14100"/>
+          <ac:spMkLst>
+            <pc:docMk/>
+            <pc:sldMk cId="1745541593" sldId="268"/>
+            <ac:spMk id="3" creationId="{B991C1B6-AFC2-46AB-A191-82D75A7B7A30}"/>
+          </ac:spMkLst>
+        </pc:spChg>
+        <pc:picChg chg="add mod">
+          <ac:chgData name="Bendik Witzoe" userId="ce85cca2b8f8d616" providerId="LiveId" clId="{8B2FBA32-CEF5-4480-9AF0-F662507A973F}" dt="2018-05-14T08:41:20.173" v="5493" actId="1076"/>
+          <ac:picMkLst>
+            <pc:docMk/>
+            <pc:sldMk cId="1745541593" sldId="268"/>
+            <ac:picMk id="4" creationId="{50F4B629-9322-44B6-B9B9-75CF2E904E80}"/>
+          </ac:picMkLst>
+        </pc:picChg>
+      </pc:sldChg>
+      <pc:sldChg chg="addSp delSp modSp add">
+        <pc:chgData name="Bendik Witzoe" userId="ce85cca2b8f8d616" providerId="LiveId" clId="{8B2FBA32-CEF5-4480-9AF0-F662507A973F}" dt="2018-05-14T09:04:46.899" v="6569" actId="14826"/>
+        <pc:sldMkLst>
+          <pc:docMk/>
+          <pc:sldMk cId="3112249150" sldId="269"/>
+        </pc:sldMkLst>
+        <pc:spChg chg="mod ord">
+          <ac:chgData name="Bendik Witzoe" userId="ce85cca2b8f8d616" providerId="LiveId" clId="{8B2FBA32-CEF5-4480-9AF0-F662507A973F}" dt="2018-05-14T08:47:05.192" v="5722" actId="20577"/>
+          <ac:spMkLst>
+            <pc:docMk/>
+            <pc:sldMk cId="3112249150" sldId="269"/>
+            <ac:spMk id="2" creationId="{DB8C7F42-D906-4F5E-90AE-8A2B9115A9E3}"/>
+          </ac:spMkLst>
+        </pc:spChg>
+        <pc:spChg chg="del">
+          <ac:chgData name="Bendik Witzoe" userId="ce85cca2b8f8d616" providerId="LiveId" clId="{8B2FBA32-CEF5-4480-9AF0-F662507A973F}" dt="2018-05-14T08:46:27.914" v="5707" actId="931"/>
+          <ac:spMkLst>
+            <pc:docMk/>
+            <pc:sldMk cId="3112249150" sldId="269"/>
+            <ac:spMk id="3" creationId="{390CD52A-C692-4F4B-9B67-A7E82C47928F}"/>
+          </ac:spMkLst>
+        </pc:spChg>
+        <pc:picChg chg="add del mod">
+          <ac:chgData name="Bendik Witzoe" userId="ce85cca2b8f8d616" providerId="LiveId" clId="{8B2FBA32-CEF5-4480-9AF0-F662507A973F}" dt="2018-05-14T08:44:48.120" v="5502" actId="478"/>
+          <ac:picMkLst>
+            <pc:docMk/>
+            <pc:sldMk cId="3112249150" sldId="269"/>
+            <ac:picMk id="4" creationId="{E05D8847-490E-403C-9D0C-79B1CCCEA5BA}"/>
+          </ac:picMkLst>
+        </pc:picChg>
+        <pc:picChg chg="add mod">
+          <ac:chgData name="Bendik Witzoe" userId="ce85cca2b8f8d616" providerId="LiveId" clId="{8B2FBA32-CEF5-4480-9AF0-F662507A973F}" dt="2018-05-14T09:04:46.899" v="6569" actId="14826"/>
+          <ac:picMkLst>
+            <pc:docMk/>
+            <pc:sldMk cId="3112249150" sldId="269"/>
+            <ac:picMk id="6" creationId="{B3635BDD-1842-46E8-A5A7-35D0CEF794BB}"/>
+          </ac:picMkLst>
+        </pc:picChg>
+      </pc:sldChg>
+      <pc:sldChg chg="add del">
+        <pc:chgData name="Bendik Witzoe" userId="ce85cca2b8f8d616" providerId="LiveId" clId="{8B2FBA32-CEF5-4480-9AF0-F662507A973F}" dt="2018-05-14T08:46:34.756" v="5709" actId="2696"/>
+        <pc:sldMkLst>
+          <pc:docMk/>
+          <pc:sldMk cId="1182612744" sldId="270"/>
+        </pc:sldMkLst>
+      </pc:sldChg>
+      <pc:sldChg chg="modSp add">
+        <pc:chgData name="Bendik Witzoe" userId="ce85cca2b8f8d616" providerId="LiveId" clId="{8B2FBA32-CEF5-4480-9AF0-F662507A973F}" dt="2018-05-14T09:05:04.754" v="6572" actId="20577"/>
+        <pc:sldMkLst>
+          <pc:docMk/>
+          <pc:sldMk cId="2719017998" sldId="270"/>
+        </pc:sldMkLst>
+        <pc:spChg chg="mod">
+          <ac:chgData name="Bendik Witzoe" userId="ce85cca2b8f8d616" providerId="LiveId" clId="{8B2FBA32-CEF5-4480-9AF0-F662507A973F}" dt="2018-05-14T09:05:04.754" v="6572" actId="20577"/>
+          <ac:spMkLst>
+            <pc:docMk/>
+            <pc:sldMk cId="2719017998" sldId="270"/>
+            <ac:spMk id="2" creationId="{DB8C7F42-D906-4F5E-90AE-8A2B9115A9E3}"/>
+          </ac:spMkLst>
+        </pc:spChg>
+        <pc:picChg chg="mod">
+          <ac:chgData name="Bendik Witzoe" userId="ce85cca2b8f8d616" providerId="LiveId" clId="{8B2FBA32-CEF5-4480-9AF0-F662507A973F}" dt="2018-05-14T09:05:02.814" v="6570" actId="14826"/>
+          <ac:picMkLst>
+            <pc:docMk/>
+            <pc:sldMk cId="2719017998" sldId="270"/>
+            <ac:picMk id="6" creationId="{B3635BDD-1842-46E8-A5A7-35D0CEF794BB}"/>
+          </ac:picMkLst>
+        </pc:picChg>
+      </pc:sldChg>
+      <pc:sldChg chg="modSp add">
+        <pc:chgData name="Bendik Witzoe" userId="ce85cca2b8f8d616" providerId="LiveId" clId="{8B2FBA32-CEF5-4480-9AF0-F662507A973F}" dt="2018-05-14T09:05:19.870" v="6575" actId="20577"/>
+        <pc:sldMkLst>
+          <pc:docMk/>
+          <pc:sldMk cId="2649271701" sldId="271"/>
+        </pc:sldMkLst>
+        <pc:spChg chg="mod">
+          <ac:chgData name="Bendik Witzoe" userId="ce85cca2b8f8d616" providerId="LiveId" clId="{8B2FBA32-CEF5-4480-9AF0-F662507A973F}" dt="2018-05-14T09:05:19.870" v="6575" actId="20577"/>
+          <ac:spMkLst>
+            <pc:docMk/>
+            <pc:sldMk cId="2649271701" sldId="271"/>
+            <ac:spMk id="2" creationId="{DB8C7F42-D906-4F5E-90AE-8A2B9115A9E3}"/>
+          </ac:spMkLst>
+        </pc:spChg>
+        <pc:picChg chg="mod">
+          <ac:chgData name="Bendik Witzoe" userId="ce85cca2b8f8d616" providerId="LiveId" clId="{8B2FBA32-CEF5-4480-9AF0-F662507A973F}" dt="2018-05-14T09:05:17.533" v="6573" actId="14826"/>
+          <ac:picMkLst>
+            <pc:docMk/>
+            <pc:sldMk cId="2649271701" sldId="271"/>
+            <ac:picMk id="6" creationId="{B3635BDD-1842-46E8-A5A7-35D0CEF794BB}"/>
+          </ac:picMkLst>
+        </pc:picChg>
+      </pc:sldChg>
+      <pc:sldChg chg="add del">
+        <pc:chgData name="Bendik Witzoe" userId="ce85cca2b8f8d616" providerId="LiveId" clId="{8B2FBA32-CEF5-4480-9AF0-F662507A973F}" dt="2018-05-14T08:46:33.680" v="5708" actId="2696"/>
+        <pc:sldMkLst>
+          <pc:docMk/>
+          <pc:sldMk cId="3571319983" sldId="271"/>
+        </pc:sldMkLst>
+      </pc:sldChg>
+      <pc:sldChg chg="modSp add">
+        <pc:chgData name="Bendik Witzoe" userId="ce85cca2b8f8d616" providerId="LiveId" clId="{8B2FBA32-CEF5-4480-9AF0-F662507A973F}" dt="2018-05-14T09:05:35.559" v="6578" actId="20577"/>
+        <pc:sldMkLst>
+          <pc:docMk/>
+          <pc:sldMk cId="3013284252" sldId="272"/>
+        </pc:sldMkLst>
+        <pc:spChg chg="mod">
+          <ac:chgData name="Bendik Witzoe" userId="ce85cca2b8f8d616" providerId="LiveId" clId="{8B2FBA32-CEF5-4480-9AF0-F662507A973F}" dt="2018-05-14T09:05:35.559" v="6578" actId="20577"/>
+          <ac:spMkLst>
+            <pc:docMk/>
+            <pc:sldMk cId="3013284252" sldId="272"/>
+            <ac:spMk id="2" creationId="{DB8C7F42-D906-4F5E-90AE-8A2B9115A9E3}"/>
+          </ac:spMkLst>
+        </pc:spChg>
+        <pc:picChg chg="mod">
+          <ac:chgData name="Bendik Witzoe" userId="ce85cca2b8f8d616" providerId="LiveId" clId="{8B2FBA32-CEF5-4480-9AF0-F662507A973F}" dt="2018-05-14T09:05:31.882" v="6576" actId="14826"/>
+          <ac:picMkLst>
+            <pc:docMk/>
+            <pc:sldMk cId="3013284252" sldId="272"/>
+            <ac:picMk id="6" creationId="{B3635BDD-1842-46E8-A5A7-35D0CEF794BB}"/>
+          </ac:picMkLst>
+        </pc:picChg>
+      </pc:sldChg>
+      <pc:sldChg chg="addSp delSp modSp add">
+        <pc:chgData name="Bendik Witzoe" userId="ce85cca2b8f8d616" providerId="LiveId" clId="{8B2FBA32-CEF5-4480-9AF0-F662507A973F}" dt="2018-05-14T08:56:49.250" v="6149"/>
+        <pc:sldMkLst>
+          <pc:docMk/>
+          <pc:sldMk cId="384358251" sldId="273"/>
+        </pc:sldMkLst>
+        <pc:spChg chg="mod">
+          <ac:chgData name="Bendik Witzoe" userId="ce85cca2b8f8d616" providerId="LiveId" clId="{8B2FBA32-CEF5-4480-9AF0-F662507A973F}" dt="2018-05-14T08:52:09.197" v="6143" actId="20577"/>
+          <ac:spMkLst>
+            <pc:docMk/>
+            <pc:sldMk cId="384358251" sldId="273"/>
+            <ac:spMk id="2" creationId="{DB8C7F42-D906-4F5E-90AE-8A2B9115A9E3}"/>
+          </ac:spMkLst>
+        </pc:spChg>
+        <pc:spChg chg="add del">
+          <ac:chgData name="Bendik Witzoe" userId="ce85cca2b8f8d616" providerId="LiveId" clId="{8B2FBA32-CEF5-4480-9AF0-F662507A973F}" dt="2018-05-14T08:56:49.250" v="6149"/>
+          <ac:spMkLst>
+            <pc:docMk/>
+            <pc:sldMk cId="384358251" sldId="273"/>
+            <ac:spMk id="3" creationId="{487ACFDB-CDF1-4535-AC03-634D3E2371CE}"/>
+          </ac:spMkLst>
+        </pc:spChg>
+        <pc:picChg chg="mod">
+          <ac:chgData name="Bendik Witzoe" userId="ce85cca2b8f8d616" providerId="LiveId" clId="{8B2FBA32-CEF5-4480-9AF0-F662507A973F}" dt="2018-05-14T08:56:36.511" v="6147" actId="14826"/>
+          <ac:picMkLst>
+            <pc:docMk/>
+            <pc:sldMk cId="384358251" sldId="273"/>
+            <ac:picMk id="6" creationId="{B3635BDD-1842-46E8-A5A7-35D0CEF794BB}"/>
+          </ac:picMkLst>
+        </pc:picChg>
+      </pc:sldChg>
+      <pc:sldChg chg="modSp add">
+        <pc:chgData name="Bendik Witzoe" userId="ce85cca2b8f8d616" providerId="LiveId" clId="{8B2FBA32-CEF5-4480-9AF0-F662507A973F}" dt="2018-05-14T08:51:53.878" v="6112" actId="5793"/>
+        <pc:sldMkLst>
+          <pc:docMk/>
+          <pc:sldMk cId="247376529" sldId="274"/>
+        </pc:sldMkLst>
+        <pc:spChg chg="mod">
+          <ac:chgData name="Bendik Witzoe" userId="ce85cca2b8f8d616" providerId="LiveId" clId="{8B2FBA32-CEF5-4480-9AF0-F662507A973F}" dt="2018-05-14T08:50:03.245" v="5777" actId="20577"/>
+          <ac:spMkLst>
+            <pc:docMk/>
+            <pc:sldMk cId="247376529" sldId="274"/>
+            <ac:spMk id="2" creationId="{156A6762-6E1D-4316-B416-5314EA8918DC}"/>
+          </ac:spMkLst>
+        </pc:spChg>
+        <pc:spChg chg="mod">
+          <ac:chgData name="Bendik Witzoe" userId="ce85cca2b8f8d616" providerId="LiveId" clId="{8B2FBA32-CEF5-4480-9AF0-F662507A973F}" dt="2018-05-14T08:51:53.878" v="6112" actId="5793"/>
+          <ac:spMkLst>
+            <pc:docMk/>
+            <pc:sldMk cId="247376529" sldId="274"/>
+            <ac:spMk id="3" creationId="{9575A4E6-B92C-4258-AD73-3215C7C152DC}"/>
+          </ac:spMkLst>
+        </pc:spChg>
+      </pc:sldChg>
+      <pc:sldChg chg="modSp add">
+        <pc:chgData name="Bendik Witzoe" userId="ce85cca2b8f8d616" providerId="LiveId" clId="{8B2FBA32-CEF5-4480-9AF0-F662507A973F}" dt="2018-05-14T09:07:18.544" v="6580" actId="14826"/>
+        <pc:sldMkLst>
+          <pc:docMk/>
+          <pc:sldMk cId="3443474125" sldId="275"/>
+        </pc:sldMkLst>
+        <pc:spChg chg="mod">
+          <ac:chgData name="Bendik Witzoe" userId="ce85cca2b8f8d616" providerId="LiveId" clId="{8B2FBA32-CEF5-4480-9AF0-F662507A973F}" dt="2018-05-14T08:51:20.568" v="5946" actId="20577"/>
+          <ac:spMkLst>
+            <pc:docMk/>
+            <pc:sldMk cId="3443474125" sldId="275"/>
+            <ac:spMk id="2" creationId="{DB8C7F42-D906-4F5E-90AE-8A2B9115A9E3}"/>
+          </ac:spMkLst>
+        </pc:spChg>
+        <pc:picChg chg="mod">
+          <ac:chgData name="Bendik Witzoe" userId="ce85cca2b8f8d616" providerId="LiveId" clId="{8B2FBA32-CEF5-4480-9AF0-F662507A973F}" dt="2018-05-14T09:07:18.544" v="6580" actId="14826"/>
+          <ac:picMkLst>
+            <pc:docMk/>
+            <pc:sldMk cId="3443474125" sldId="275"/>
+            <ac:picMk id="6" creationId="{B3635BDD-1842-46E8-A5A7-35D0CEF794BB}"/>
+          </ac:picMkLst>
+        </pc:picChg>
+      </pc:sldChg>
+      <pc:sldChg chg="addSp delSp modSp add">
+        <pc:chgData name="Bendik Witzoe" userId="ce85cca2b8f8d616" providerId="LiveId" clId="{8B2FBA32-CEF5-4480-9AF0-F662507A973F}" dt="2018-05-14T08:58:25.157" v="6160" actId="20577"/>
+        <pc:sldMkLst>
+          <pc:docMk/>
+          <pc:sldMk cId="2924728271" sldId="276"/>
+        </pc:sldMkLst>
+        <pc:spChg chg="mod">
+          <ac:chgData name="Bendik Witzoe" userId="ce85cca2b8f8d616" providerId="LiveId" clId="{8B2FBA32-CEF5-4480-9AF0-F662507A973F}" dt="2018-05-14T08:58:25.157" v="6160" actId="20577"/>
+          <ac:spMkLst>
+            <pc:docMk/>
+            <pc:sldMk cId="2924728271" sldId="276"/>
+            <ac:spMk id="2" creationId="{DB8C7F42-D906-4F5E-90AE-8A2B9115A9E3}"/>
+          </ac:spMkLst>
+        </pc:spChg>
+        <pc:spChg chg="add del mod">
+          <ac:chgData name="Bendik Witzoe" userId="ce85cca2b8f8d616" providerId="LiveId" clId="{8B2FBA32-CEF5-4480-9AF0-F662507A973F}" dt="2018-05-14T08:57:11.621" v="6153" actId="478"/>
+          <ac:spMkLst>
+            <pc:docMk/>
+            <pc:sldMk cId="2924728271" sldId="276"/>
+            <ac:spMk id="4" creationId="{EAA179E7-9FCF-408A-998A-AB752B3DD38A}"/>
+          </ac:spMkLst>
+        </pc:spChg>
+        <pc:picChg chg="add del mod">
+          <ac:chgData name="Bendik Witzoe" userId="ce85cca2b8f8d616" providerId="LiveId" clId="{8B2FBA32-CEF5-4480-9AF0-F662507A973F}" dt="2018-05-14T08:57:46.292" v="6154" actId="14826"/>
+          <ac:picMkLst>
+            <pc:docMk/>
+            <pc:sldMk cId="2924728271" sldId="276"/>
+            <ac:picMk id="6" creationId="{B3635BDD-1842-46E8-A5A7-35D0CEF794BB}"/>
+          </ac:picMkLst>
+        </pc:picChg>
+      </pc:sldChg>
+      <pc:sldChg chg="modSp add">
+        <pc:chgData name="Bendik Witzoe" userId="ce85cca2b8f8d616" providerId="LiveId" clId="{8B2FBA32-CEF5-4480-9AF0-F662507A973F}" dt="2018-05-14T08:58:29.846" v="6161" actId="20577"/>
+        <pc:sldMkLst>
+          <pc:docMk/>
+          <pc:sldMk cId="3771506423" sldId="277"/>
+        </pc:sldMkLst>
+        <pc:spChg chg="mod">
+          <ac:chgData name="Bendik Witzoe" userId="ce85cca2b8f8d616" providerId="LiveId" clId="{8B2FBA32-CEF5-4480-9AF0-F662507A973F}" dt="2018-05-14T08:58:29.846" v="6161" actId="20577"/>
+          <ac:spMkLst>
+            <pc:docMk/>
+            <pc:sldMk cId="3771506423" sldId="277"/>
+            <ac:spMk id="2" creationId="{DB8C7F42-D906-4F5E-90AE-8A2B9115A9E3}"/>
+          </ac:spMkLst>
+        </pc:spChg>
+        <pc:picChg chg="mod">
+          <ac:chgData name="Bendik Witzoe" userId="ce85cca2b8f8d616" providerId="LiveId" clId="{8B2FBA32-CEF5-4480-9AF0-F662507A973F}" dt="2018-05-14T08:57:56.486" v="6156" actId="14826"/>
+          <ac:picMkLst>
+            <pc:docMk/>
+            <pc:sldMk cId="3771506423" sldId="277"/>
+            <ac:picMk id="6" creationId="{B3635BDD-1842-46E8-A5A7-35D0CEF794BB}"/>
+          </ac:picMkLst>
+        </pc:picChg>
+      </pc:sldChg>
+      <pc:sldChg chg="add del">
+        <pc:chgData name="Bendik Witzoe" userId="ce85cca2b8f8d616" providerId="LiveId" clId="{8B2FBA32-CEF5-4480-9AF0-F662507A973F}" dt="2018-05-14T08:58:20.331" v="6159" actId="2696"/>
+        <pc:sldMkLst>
+          <pc:docMk/>
+          <pc:sldMk cId="1031130059" sldId="278"/>
+        </pc:sldMkLst>
+      </pc:sldChg>
+      <pc:sldChg chg="modSp add">
+        <pc:chgData name="Bendik Witzoe" userId="ce85cca2b8f8d616" providerId="LiveId" clId="{8B2FBA32-CEF5-4480-9AF0-F662507A973F}" dt="2018-05-14T09:07:53.063" v="6589" actId="20577"/>
+        <pc:sldMkLst>
+          <pc:docMk/>
+          <pc:sldMk cId="555580048" sldId="279"/>
+        </pc:sldMkLst>
+        <pc:spChg chg="mod">
+          <ac:chgData name="Bendik Witzoe" userId="ce85cca2b8f8d616" providerId="LiveId" clId="{8B2FBA32-CEF5-4480-9AF0-F662507A973F}" dt="2018-05-14T09:07:53.063" v="6589" actId="20577"/>
+          <ac:spMkLst>
+            <pc:docMk/>
+            <pc:sldMk cId="555580048" sldId="279"/>
+            <ac:spMk id="2" creationId="{DB8C7F42-D906-4F5E-90AE-8A2B9115A9E3}"/>
+          </ac:spMkLst>
+        </pc:spChg>
+        <pc:picChg chg="mod">
+          <ac:chgData name="Bendik Witzoe" userId="ce85cca2b8f8d616" providerId="LiveId" clId="{8B2FBA32-CEF5-4480-9AF0-F662507A973F}" dt="2018-05-14T08:58:39.975" v="6162" actId="14826"/>
+          <ac:picMkLst>
+            <pc:docMk/>
+            <pc:sldMk cId="555580048" sldId="279"/>
+            <ac:picMk id="6" creationId="{B3635BDD-1842-46E8-A5A7-35D0CEF794BB}"/>
+          </ac:picMkLst>
+        </pc:picChg>
+      </pc:sldChg>
+      <pc:sldChg chg="modSp add">
+        <pc:chgData name="Bendik Witzoe" userId="ce85cca2b8f8d616" providerId="LiveId" clId="{8B2FBA32-CEF5-4480-9AF0-F662507A973F}" dt="2018-05-14T09:07:40.616" v="6583" actId="20577"/>
+        <pc:sldMkLst>
+          <pc:docMk/>
+          <pc:sldMk cId="2132822157" sldId="280"/>
+        </pc:sldMkLst>
+        <pc:spChg chg="mod">
+          <ac:chgData name="Bendik Witzoe" userId="ce85cca2b8f8d616" providerId="LiveId" clId="{8B2FBA32-CEF5-4480-9AF0-F662507A973F}" dt="2018-05-14T09:07:40.616" v="6583" actId="20577"/>
+          <ac:spMkLst>
+            <pc:docMk/>
+            <pc:sldMk cId="2132822157" sldId="280"/>
+            <ac:spMk id="2" creationId="{DB8C7F42-D906-4F5E-90AE-8A2B9115A9E3}"/>
+          </ac:spMkLst>
+        </pc:spChg>
+        <pc:picChg chg="mod">
+          <ac:chgData name="Bendik Witzoe" userId="ce85cca2b8f8d616" providerId="LiveId" clId="{8B2FBA32-CEF5-4480-9AF0-F662507A973F}" dt="2018-05-14T08:59:02.310" v="6164" actId="14826"/>
+          <ac:picMkLst>
+            <pc:docMk/>
+            <pc:sldMk cId="2132822157" sldId="280"/>
+            <ac:picMk id="6" creationId="{B3635BDD-1842-46E8-A5A7-35D0CEF794BB}"/>
+          </ac:picMkLst>
+        </pc:picChg>
+      </pc:sldChg>
+      <pc:sldChg chg="modSp add">
+        <pc:chgData name="Bendik Witzoe" userId="ce85cca2b8f8d616" providerId="LiveId" clId="{8B2FBA32-CEF5-4480-9AF0-F662507A973F}" dt="2018-05-14T09:08:38.528" v="6660" actId="20577"/>
+        <pc:sldMkLst>
+          <pc:docMk/>
+          <pc:sldMk cId="3215589765" sldId="281"/>
+        </pc:sldMkLst>
+        <pc:spChg chg="mod">
+          <ac:chgData name="Bendik Witzoe" userId="ce85cca2b8f8d616" providerId="LiveId" clId="{8B2FBA32-CEF5-4480-9AF0-F662507A973F}" dt="2018-05-14T08:59:16.633" v="6193" actId="20577"/>
+          <ac:spMkLst>
+            <pc:docMk/>
+            <pc:sldMk cId="3215589765" sldId="281"/>
+            <ac:spMk id="2" creationId="{26A059C6-8719-4611-8585-BC5099955381}"/>
+          </ac:spMkLst>
+        </pc:spChg>
+        <pc:spChg chg="mod">
+          <ac:chgData name="Bendik Witzoe" userId="ce85cca2b8f8d616" providerId="LiveId" clId="{8B2FBA32-CEF5-4480-9AF0-F662507A973F}" dt="2018-05-14T09:08:38.528" v="6660" actId="20577"/>
+          <ac:spMkLst>
+            <pc:docMk/>
+            <pc:sldMk cId="3215589765" sldId="281"/>
+            <ac:spMk id="3" creationId="{6E6286F7-D90B-45B4-92B8-059EE811E5CD}"/>
+          </ac:spMkLst>
+        </pc:spChg>
+      </pc:sldChg>
+      <pc:sldChg chg="addSp delSp modSp add ord">
+        <pc:chgData name="Bendik Witzoe" userId="ce85cca2b8f8d616" providerId="LiveId" clId="{8B2FBA32-CEF5-4480-9AF0-F662507A973F}" dt="2018-05-14T09:57:27.908" v="8052" actId="20577"/>
+        <pc:sldMkLst>
+          <pc:docMk/>
+          <pc:sldMk cId="3610515560" sldId="282"/>
+        </pc:sldMkLst>
+        <pc:spChg chg="mod">
+          <ac:chgData name="Bendik Witzoe" userId="ce85cca2b8f8d616" providerId="LiveId" clId="{8B2FBA32-CEF5-4480-9AF0-F662507A973F}" dt="2018-05-14T09:46:40.808" v="7333" actId="20577"/>
+          <ac:spMkLst>
+            <pc:docMk/>
+            <pc:sldMk cId="3610515560" sldId="282"/>
+            <ac:spMk id="2" creationId="{F0E4BC85-3F24-48FC-A120-2E9870309BAF}"/>
+          </ac:spMkLst>
+        </pc:spChg>
+        <pc:spChg chg="mod">
+          <ac:chgData name="Bendik Witzoe" userId="ce85cca2b8f8d616" providerId="LiveId" clId="{8B2FBA32-CEF5-4480-9AF0-F662507A973F}" dt="2018-05-14T09:57:27.908" v="8052" actId="20577"/>
+          <ac:spMkLst>
+            <pc:docMk/>
+            <pc:sldMk cId="3610515560" sldId="282"/>
+            <ac:spMk id="3" creationId="{F947932A-F6F3-426F-AA4F-70A0C4E9569D}"/>
+          </ac:spMkLst>
+        </pc:spChg>
+        <pc:spChg chg="add mod">
+          <ac:chgData name="Bendik Witzoe" userId="ce85cca2b8f8d616" providerId="LiveId" clId="{8B2FBA32-CEF5-4480-9AF0-F662507A973F}" dt="2018-05-14T09:47:22.764" v="7353" actId="1038"/>
+          <ac:spMkLst>
+            <pc:docMk/>
+            <pc:sldMk cId="3610515560" sldId="282"/>
+            <ac:spMk id="24" creationId="{1601AC00-91FF-4305-B857-42639C08D0F4}"/>
+          </ac:spMkLst>
+        </pc:spChg>
+        <pc:picChg chg="add del mod">
+          <ac:chgData name="Bendik Witzoe" userId="ce85cca2b8f8d616" providerId="LiveId" clId="{8B2FBA32-CEF5-4480-9AF0-F662507A973F}" dt="2018-05-14T09:42:17.234" v="7293" actId="478"/>
+          <ac:picMkLst>
+            <pc:docMk/>
+            <pc:sldMk cId="3610515560" sldId="282"/>
+            <ac:picMk id="5" creationId="{D816D076-5FFD-4A89-A194-6D9C81ECBF4C}"/>
+          </ac:picMkLst>
+        </pc:picChg>
+        <pc:picChg chg="add del mod">
+          <ac:chgData name="Bendik Witzoe" userId="ce85cca2b8f8d616" providerId="LiveId" clId="{8B2FBA32-CEF5-4480-9AF0-F662507A973F}" dt="2018-05-14T09:42:17.234" v="7293" actId="478"/>
+          <ac:picMkLst>
+            <pc:docMk/>
+            <pc:sldMk cId="3610515560" sldId="282"/>
+            <ac:picMk id="7" creationId="{ACA8AA51-94F8-4EC9-8594-1E33EBFB24B1}"/>
+          </ac:picMkLst>
+        </pc:picChg>
+        <pc:picChg chg="add del mod">
+          <ac:chgData name="Bendik Witzoe" userId="ce85cca2b8f8d616" providerId="LiveId" clId="{8B2FBA32-CEF5-4480-9AF0-F662507A973F}" dt="2018-05-14T09:42:17.234" v="7293" actId="478"/>
+          <ac:picMkLst>
+            <pc:docMk/>
+            <pc:sldMk cId="3610515560" sldId="282"/>
+            <ac:picMk id="9" creationId="{DAC44E7B-D581-4D9B-9872-E2401209D2D8}"/>
+          </ac:picMkLst>
+        </pc:picChg>
+        <pc:picChg chg="add del mod">
+          <ac:chgData name="Bendik Witzoe" userId="ce85cca2b8f8d616" providerId="LiveId" clId="{8B2FBA32-CEF5-4480-9AF0-F662507A973F}" dt="2018-05-14T09:42:17.234" v="7293" actId="478"/>
+          <ac:picMkLst>
+            <pc:docMk/>
+            <pc:sldMk cId="3610515560" sldId="282"/>
+            <ac:picMk id="11" creationId="{C4211A71-1FBD-4018-8A33-9A1F54235FC2}"/>
+          </ac:picMkLst>
+        </pc:picChg>
+        <pc:picChg chg="add mod">
+          <ac:chgData name="Bendik Witzoe" userId="ce85cca2b8f8d616" providerId="LiveId" clId="{8B2FBA32-CEF5-4480-9AF0-F662507A973F}" dt="2018-05-14T09:45:59.545" v="7309" actId="1076"/>
+          <ac:picMkLst>
+            <pc:docMk/>
+            <pc:sldMk cId="3610515560" sldId="282"/>
+            <ac:picMk id="13" creationId="{3915D239-3FC8-47A6-8788-88A3860A5B3B}"/>
+          </ac:picMkLst>
+        </pc:picChg>
+        <pc:picChg chg="add mod">
+          <ac:chgData name="Bendik Witzoe" userId="ce85cca2b8f8d616" providerId="LiveId" clId="{8B2FBA32-CEF5-4480-9AF0-F662507A973F}" dt="2018-05-14T09:45:59.545" v="7309" actId="1076"/>
+          <ac:picMkLst>
+            <pc:docMk/>
+            <pc:sldMk cId="3610515560" sldId="282"/>
+            <ac:picMk id="15" creationId="{A3A98D95-79C3-490E-A253-5BA080231BDA}"/>
+          </ac:picMkLst>
+        </pc:picChg>
+        <pc:picChg chg="add mod">
+          <ac:chgData name="Bendik Witzoe" userId="ce85cca2b8f8d616" providerId="LiveId" clId="{8B2FBA32-CEF5-4480-9AF0-F662507A973F}" dt="2018-05-14T09:45:59.545" v="7309" actId="1076"/>
+          <ac:picMkLst>
+            <pc:docMk/>
+            <pc:sldMk cId="3610515560" sldId="282"/>
+            <ac:picMk id="17" creationId="{39276AFE-F97A-4D98-8903-A14071575CBC}"/>
+          </ac:picMkLst>
+        </pc:picChg>
+        <pc:picChg chg="add del mod">
+          <ac:chgData name="Bendik Witzoe" userId="ce85cca2b8f8d616" providerId="LiveId" clId="{8B2FBA32-CEF5-4480-9AF0-F662507A973F}" dt="2018-05-14T09:45:33.883" v="7305" actId="478"/>
+          <ac:picMkLst>
+            <pc:docMk/>
+            <pc:sldMk cId="3610515560" sldId="282"/>
+            <ac:picMk id="19" creationId="{CBA4FEE7-9FEB-41AF-A5B7-634F2100FA60}"/>
+          </ac:picMkLst>
+        </pc:picChg>
+        <pc:picChg chg="add del mod">
+          <ac:chgData name="Bendik Witzoe" userId="ce85cca2b8f8d616" providerId="LiveId" clId="{8B2FBA32-CEF5-4480-9AF0-F662507A973F}" dt="2018-05-14T09:45:14.068" v="7302" actId="478"/>
+          <ac:picMkLst>
+            <pc:docMk/>
+            <pc:sldMk cId="3610515560" sldId="282"/>
+            <ac:picMk id="21" creationId="{7822EBAE-8688-40AE-BA69-4ABFE276D9BC}"/>
+          </ac:picMkLst>
+        </pc:picChg>
+        <pc:picChg chg="add mod">
+          <ac:chgData name="Bendik Witzoe" userId="ce85cca2b8f8d616" providerId="LiveId" clId="{8B2FBA32-CEF5-4480-9AF0-F662507A973F}" dt="2018-05-14T09:45:59.545" v="7309" actId="1076"/>
+          <ac:picMkLst>
+            <pc:docMk/>
+            <pc:sldMk cId="3610515560" sldId="282"/>
+            <ac:picMk id="23" creationId="{0E7002C5-FA1C-4BA8-AF37-791F6480915E}"/>
+          </ac:picMkLst>
+        </pc:picChg>
+      </pc:sldChg>
     </pc:docChg>
   </pc:docChgLst>
 </pc:chgInfo>
+</file>
+
+<file path=ppt/charts/chart1.xml><?xml version="1.0" encoding="utf-8"?>
+<c:chartSpace xmlns:c="http://schemas.openxmlformats.org/drawingml/2006/chart" xmlns:a="http://schemas.openxmlformats.org/drawingml/2006/main" xmlns:r="http://schemas.openxmlformats.org/officeDocument/2006/relationships" xmlns:c16r2="http://schemas.microsoft.com/office/drawing/2015/06/chart">
+  <c:date1904 val="0"/>
+  <c:lang val="en-US"/>
+  <c:roundedCorners val="0"/>
+  <mc:AlternateContent xmlns:mc="http://schemas.openxmlformats.org/markup-compatibility/2006">
+    <mc:Choice xmlns:c14="http://schemas.microsoft.com/office/drawing/2007/8/2/chart" Requires="c14">
+      <c14:style val="102"/>
+    </mc:Choice>
+    <mc:Fallback>
+      <c:style val="2"/>
+    </mc:Fallback>
+  </mc:AlternateContent>
+  <c:chart>
+    <c:title>
+      <c:tx>
+        <c:rich>
+          <a:bodyPr rot="0" spcFirstLastPara="1" vertOverflow="ellipsis" vert="horz" wrap="square" anchor="ctr" anchorCtr="1"/>
+          <a:lstStyle/>
+          <a:p>
+            <a:pPr>
+              <a:defRPr sz="1400" b="0" i="0" u="none" strike="noStrike" kern="1200" spc="0" baseline="0">
+                <a:solidFill>
+                  <a:schemeClr val="tx1">
+                    <a:lumMod val="65000"/>
+                    <a:lumOff val="35000"/>
+                  </a:schemeClr>
+                </a:solidFill>
+                <a:latin typeface="+mn-lt"/>
+                <a:ea typeface="+mn-ea"/>
+                <a:cs typeface="+mn-cs"/>
+              </a:defRPr>
+            </a:pPr>
+            <a:r>
+              <a:rPr lang="en-US"/>
+              <a:t>Objective Value,</a:t>
+            </a:r>
+            <a:r>
+              <a:rPr lang="en-US" baseline="0"/>
+              <a:t> Average</a:t>
+            </a:r>
+            <a:endParaRPr lang="en-US"/>
+          </a:p>
+        </c:rich>
+      </c:tx>
+      <c:overlay val="0"/>
+      <c:spPr>
+        <a:noFill/>
+        <a:ln>
+          <a:noFill/>
+        </a:ln>
+        <a:effectLst/>
+      </c:spPr>
+      <c:txPr>
+        <a:bodyPr rot="0" spcFirstLastPara="1" vertOverflow="ellipsis" vert="horz" wrap="square" anchor="ctr" anchorCtr="1"/>
+        <a:lstStyle/>
+        <a:p>
+          <a:pPr>
+            <a:defRPr sz="1400" b="0" i="0" u="none" strike="noStrike" kern="1200" spc="0" baseline="0">
+              <a:solidFill>
+                <a:schemeClr val="tx1">
+                  <a:lumMod val="65000"/>
+                  <a:lumOff val="35000"/>
+                </a:schemeClr>
+              </a:solidFill>
+              <a:latin typeface="+mn-lt"/>
+              <a:ea typeface="+mn-ea"/>
+              <a:cs typeface="+mn-cs"/>
+            </a:defRPr>
+          </a:pPr>
+          <a:endParaRPr lang="en-US"/>
+        </a:p>
+      </c:txPr>
+    </c:title>
+    <c:autoTitleDeleted val="0"/>
+    <c:plotArea>
+      <c:layout/>
+      <c:lineChart>
+        <c:grouping val="standard"/>
+        <c:varyColors val="0"/>
+        <c:ser>
+          <c:idx val="1"/>
+          <c:order val="0"/>
+          <c:spPr>
+            <a:ln w="28575" cap="rnd">
+              <a:solidFill>
+                <a:schemeClr val="accent2"/>
+              </a:solidFill>
+              <a:round/>
+            </a:ln>
+            <a:effectLst/>
+          </c:spPr>
+          <c:marker>
+            <c:symbol val="none"/>
+          </c:marker>
+          <c:cat>
+            <c:strRef>
+              <c:f>'[results w1-w3-off.xlsx]data'!$A$2:$A$9</c:f>
+              <c:strCache>
+                <c:ptCount val="8"/>
+                <c:pt idx="0">
+                  <c:v>EEV</c:v>
+                </c:pt>
+                <c:pt idx="1">
+                  <c:v>11</c:v>
+                </c:pt>
+                <c:pt idx="2">
+                  <c:v>15</c:v>
+                </c:pt>
+                <c:pt idx="3">
+                  <c:v>20</c:v>
+                </c:pt>
+                <c:pt idx="4">
+                  <c:v>30</c:v>
+                </c:pt>
+                <c:pt idx="5">
+                  <c:v>100</c:v>
+                </c:pt>
+                <c:pt idx="6">
+                  <c:v>150</c:v>
+                </c:pt>
+                <c:pt idx="7">
+                  <c:v>200</c:v>
+                </c:pt>
+              </c:strCache>
+            </c:strRef>
+          </c:cat>
+          <c:val>
+            <c:numRef>
+              <c:f>'[results w1-w3-off.xlsx]data'!$C$2:$C$9</c:f>
+              <c:numCache>
+                <c:formatCode>General</c:formatCode>
+                <c:ptCount val="8"/>
+                <c:pt idx="0">
+                  <c:v>98.888747931927156</c:v>
+                </c:pt>
+                <c:pt idx="1">
+                  <c:v>97.894872906258854</c:v>
+                </c:pt>
+                <c:pt idx="2">
+                  <c:v>94.270257823475532</c:v>
+                </c:pt>
+                <c:pt idx="3">
+                  <c:v>94.825116139617009</c:v>
+                </c:pt>
+                <c:pt idx="4">
+                  <c:v>94.252021236247231</c:v>
+                </c:pt>
+                <c:pt idx="5">
+                  <c:v>94.47660979360144</c:v>
+                </c:pt>
+                <c:pt idx="6">
+                  <c:v>94.252255558128184</c:v>
+                </c:pt>
+                <c:pt idx="7">
+                  <c:v>94.340013210829653</c:v>
+                </c:pt>
+              </c:numCache>
+            </c:numRef>
+          </c:val>
+          <c:smooth val="0"/>
+          <c:extLst>
+            <c:ext xmlns:c16="http://schemas.microsoft.com/office/drawing/2014/chart" uri="{C3380CC4-5D6E-409C-BE32-E72D297353CC}">
+              <c16:uniqueId val="{00000000-6FD9-4CD0-B2C3-6003796802EE}"/>
+            </c:ext>
+          </c:extLst>
+        </c:ser>
+        <c:dLbls>
+          <c:showLegendKey val="0"/>
+          <c:showVal val="0"/>
+          <c:showCatName val="0"/>
+          <c:showSerName val="0"/>
+          <c:showPercent val="0"/>
+          <c:showBubbleSize val="0"/>
+        </c:dLbls>
+        <c:smooth val="0"/>
+        <c:axId val="659833704"/>
+        <c:axId val="659834032"/>
+      </c:lineChart>
+      <c:catAx>
+        <c:axId val="659833704"/>
+        <c:scaling>
+          <c:orientation val="minMax"/>
+        </c:scaling>
+        <c:delete val="0"/>
+        <c:axPos val="b"/>
+        <c:title>
+          <c:tx>
+            <c:rich>
+              <a:bodyPr rot="0" spcFirstLastPara="1" vertOverflow="ellipsis" vert="horz" wrap="square" anchor="ctr" anchorCtr="1"/>
+              <a:lstStyle/>
+              <a:p>
+                <a:pPr>
+                  <a:defRPr sz="1000" b="0" i="0" u="none" strike="noStrike" kern="1200" baseline="0">
+                    <a:solidFill>
+                      <a:schemeClr val="tx1">
+                        <a:lumMod val="65000"/>
+                        <a:lumOff val="35000"/>
+                      </a:schemeClr>
+                    </a:solidFill>
+                    <a:latin typeface="+mn-lt"/>
+                    <a:ea typeface="+mn-ea"/>
+                    <a:cs typeface="+mn-cs"/>
+                  </a:defRPr>
+                </a:pPr>
+                <a:r>
+                  <a:rPr lang="en-US"/>
+                  <a:t>Scenarios</a:t>
+                </a:r>
+              </a:p>
+            </c:rich>
+          </c:tx>
+          <c:overlay val="0"/>
+          <c:spPr>
+            <a:noFill/>
+            <a:ln>
+              <a:noFill/>
+            </a:ln>
+            <a:effectLst/>
+          </c:spPr>
+          <c:txPr>
+            <a:bodyPr rot="0" spcFirstLastPara="1" vertOverflow="ellipsis" vert="horz" wrap="square" anchor="ctr" anchorCtr="1"/>
+            <a:lstStyle/>
+            <a:p>
+              <a:pPr>
+                <a:defRPr sz="1000" b="0" i="0" u="none" strike="noStrike" kern="1200" baseline="0">
+                  <a:solidFill>
+                    <a:schemeClr val="tx1">
+                      <a:lumMod val="65000"/>
+                      <a:lumOff val="35000"/>
+                    </a:schemeClr>
+                  </a:solidFill>
+                  <a:latin typeface="+mn-lt"/>
+                  <a:ea typeface="+mn-ea"/>
+                  <a:cs typeface="+mn-cs"/>
+                </a:defRPr>
+              </a:pPr>
+              <a:endParaRPr lang="en-US"/>
+            </a:p>
+          </c:txPr>
+        </c:title>
+        <c:numFmt formatCode="General" sourceLinked="1"/>
+        <c:majorTickMark val="none"/>
+        <c:minorTickMark val="none"/>
+        <c:tickLblPos val="nextTo"/>
+        <c:spPr>
+          <a:noFill/>
+          <a:ln w="9525" cap="flat" cmpd="sng" algn="ctr">
+            <a:solidFill>
+              <a:schemeClr val="tx1">
+                <a:lumMod val="15000"/>
+                <a:lumOff val="85000"/>
+              </a:schemeClr>
+            </a:solidFill>
+            <a:round/>
+          </a:ln>
+          <a:effectLst/>
+        </c:spPr>
+        <c:txPr>
+          <a:bodyPr rot="-60000000" spcFirstLastPara="1" vertOverflow="ellipsis" vert="horz" wrap="square" anchor="ctr" anchorCtr="1"/>
+          <a:lstStyle/>
+          <a:p>
+            <a:pPr>
+              <a:defRPr sz="900" b="0" i="0" u="none" strike="noStrike" kern="1200" baseline="0">
+                <a:solidFill>
+                  <a:schemeClr val="tx1">
+                    <a:lumMod val="65000"/>
+                    <a:lumOff val="35000"/>
+                  </a:schemeClr>
+                </a:solidFill>
+                <a:latin typeface="+mn-lt"/>
+                <a:ea typeface="+mn-ea"/>
+                <a:cs typeface="+mn-cs"/>
+              </a:defRPr>
+            </a:pPr>
+            <a:endParaRPr lang="en-US"/>
+          </a:p>
+        </c:txPr>
+        <c:crossAx val="659834032"/>
+        <c:crosses val="autoZero"/>
+        <c:auto val="1"/>
+        <c:lblAlgn val="ctr"/>
+        <c:lblOffset val="100"/>
+        <c:noMultiLvlLbl val="0"/>
+      </c:catAx>
+      <c:valAx>
+        <c:axId val="659834032"/>
+        <c:scaling>
+          <c:orientation val="minMax"/>
+          <c:min val="94"/>
+        </c:scaling>
+        <c:delete val="0"/>
+        <c:axPos val="l"/>
+        <c:majorGridlines>
+          <c:spPr>
+            <a:ln w="9525" cap="flat" cmpd="sng" algn="ctr">
+              <a:solidFill>
+                <a:schemeClr val="tx1">
+                  <a:lumMod val="15000"/>
+                  <a:lumOff val="85000"/>
+                </a:schemeClr>
+              </a:solidFill>
+              <a:round/>
+            </a:ln>
+            <a:effectLst/>
+          </c:spPr>
+        </c:majorGridlines>
+        <c:title>
+          <c:tx>
+            <c:rich>
+              <a:bodyPr rot="-5400000" spcFirstLastPara="1" vertOverflow="ellipsis" vert="horz" wrap="square" anchor="ctr" anchorCtr="1"/>
+              <a:lstStyle/>
+              <a:p>
+                <a:pPr>
+                  <a:defRPr sz="1000" b="0" i="0" u="none" strike="noStrike" kern="1200" baseline="0">
+                    <a:solidFill>
+                      <a:schemeClr val="tx1">
+                        <a:lumMod val="65000"/>
+                        <a:lumOff val="35000"/>
+                      </a:schemeClr>
+                    </a:solidFill>
+                    <a:latin typeface="+mn-lt"/>
+                    <a:ea typeface="+mn-ea"/>
+                    <a:cs typeface="+mn-cs"/>
+                  </a:defRPr>
+                </a:pPr>
+                <a:r>
+                  <a:rPr lang="en-US"/>
+                  <a:t>Average Obj. Value</a:t>
+                </a:r>
+              </a:p>
+            </c:rich>
+          </c:tx>
+          <c:overlay val="0"/>
+          <c:spPr>
+            <a:noFill/>
+            <a:ln>
+              <a:noFill/>
+            </a:ln>
+            <a:effectLst/>
+          </c:spPr>
+          <c:txPr>
+            <a:bodyPr rot="-5400000" spcFirstLastPara="1" vertOverflow="ellipsis" vert="horz" wrap="square" anchor="ctr" anchorCtr="1"/>
+            <a:lstStyle/>
+            <a:p>
+              <a:pPr>
+                <a:defRPr sz="1000" b="0" i="0" u="none" strike="noStrike" kern="1200" baseline="0">
+                  <a:solidFill>
+                    <a:schemeClr val="tx1">
+                      <a:lumMod val="65000"/>
+                      <a:lumOff val="35000"/>
+                    </a:schemeClr>
+                  </a:solidFill>
+                  <a:latin typeface="+mn-lt"/>
+                  <a:ea typeface="+mn-ea"/>
+                  <a:cs typeface="+mn-cs"/>
+                </a:defRPr>
+              </a:pPr>
+              <a:endParaRPr lang="en-US"/>
+            </a:p>
+          </c:txPr>
+        </c:title>
+        <c:numFmt formatCode="General" sourceLinked="1"/>
+        <c:majorTickMark val="none"/>
+        <c:minorTickMark val="none"/>
+        <c:tickLblPos val="nextTo"/>
+        <c:spPr>
+          <a:noFill/>
+          <a:ln>
+            <a:noFill/>
+          </a:ln>
+          <a:effectLst/>
+        </c:spPr>
+        <c:txPr>
+          <a:bodyPr rot="-60000000" spcFirstLastPara="1" vertOverflow="ellipsis" vert="horz" wrap="square" anchor="ctr" anchorCtr="1"/>
+          <a:lstStyle/>
+          <a:p>
+            <a:pPr>
+              <a:defRPr sz="900" b="0" i="0" u="none" strike="noStrike" kern="1200" baseline="0">
+                <a:solidFill>
+                  <a:schemeClr val="tx1">
+                    <a:lumMod val="65000"/>
+                    <a:lumOff val="35000"/>
+                  </a:schemeClr>
+                </a:solidFill>
+                <a:latin typeface="+mn-lt"/>
+                <a:ea typeface="+mn-ea"/>
+                <a:cs typeface="+mn-cs"/>
+              </a:defRPr>
+            </a:pPr>
+            <a:endParaRPr lang="en-US"/>
+          </a:p>
+        </c:txPr>
+        <c:crossAx val="659833704"/>
+        <c:crosses val="autoZero"/>
+        <c:crossBetween val="between"/>
+      </c:valAx>
+      <c:spPr>
+        <a:noFill/>
+        <a:ln>
+          <a:noFill/>
+        </a:ln>
+        <a:effectLst/>
+      </c:spPr>
+    </c:plotArea>
+    <c:plotVisOnly val="1"/>
+    <c:dispBlanksAs val="gap"/>
+    <c:showDLblsOverMax val="0"/>
+  </c:chart>
+  <c:spPr>
+    <a:noFill/>
+    <a:ln>
+      <a:noFill/>
+    </a:ln>
+    <a:effectLst/>
+  </c:spPr>
+  <c:txPr>
+    <a:bodyPr/>
+    <a:lstStyle/>
+    <a:p>
+      <a:pPr>
+        <a:defRPr/>
+      </a:pPr>
+      <a:endParaRPr lang="en-US"/>
+    </a:p>
+  </c:txPr>
+  <c:externalData r:id="rId3">
+    <c:autoUpdate val="0"/>
+  </c:externalData>
+</c:chartSpace>
+</file>
+
+<file path=ppt/charts/chart2.xml><?xml version="1.0" encoding="utf-8"?>
+<c:chartSpace xmlns:c="http://schemas.openxmlformats.org/drawingml/2006/chart" xmlns:a="http://schemas.openxmlformats.org/drawingml/2006/main" xmlns:r="http://schemas.openxmlformats.org/officeDocument/2006/relationships" xmlns:c16r2="http://schemas.microsoft.com/office/drawing/2015/06/chart">
+  <c:date1904 val="0"/>
+  <c:lang val="en-US"/>
+  <c:roundedCorners val="0"/>
+  <mc:AlternateContent xmlns:mc="http://schemas.openxmlformats.org/markup-compatibility/2006">
+    <mc:Choice xmlns:c14="http://schemas.microsoft.com/office/drawing/2007/8/2/chart" Requires="c14">
+      <c14:style val="102"/>
+    </mc:Choice>
+    <mc:Fallback>
+      <c:style val="2"/>
+    </mc:Fallback>
+  </mc:AlternateContent>
+  <c:chart>
+    <c:title>
+      <c:tx>
+        <c:rich>
+          <a:bodyPr rot="0" spcFirstLastPara="1" vertOverflow="ellipsis" vert="horz" wrap="square" anchor="ctr" anchorCtr="1"/>
+          <a:lstStyle/>
+          <a:p>
+            <a:pPr>
+              <a:defRPr sz="1400" b="0" i="0" u="none" strike="noStrike" kern="1200" spc="0" baseline="0">
+                <a:solidFill>
+                  <a:schemeClr val="tx1">
+                    <a:lumMod val="65000"/>
+                    <a:lumOff val="35000"/>
+                  </a:schemeClr>
+                </a:solidFill>
+                <a:latin typeface="+mn-lt"/>
+                <a:ea typeface="+mn-ea"/>
+                <a:cs typeface="+mn-cs"/>
+              </a:defRPr>
+            </a:pPr>
+            <a:r>
+              <a:rPr lang="en-US"/>
+              <a:t>Infeasible Solutions</a:t>
+            </a:r>
+          </a:p>
+        </c:rich>
+      </c:tx>
+      <c:overlay val="0"/>
+      <c:spPr>
+        <a:noFill/>
+        <a:ln>
+          <a:noFill/>
+        </a:ln>
+        <a:effectLst/>
+      </c:spPr>
+      <c:txPr>
+        <a:bodyPr rot="0" spcFirstLastPara="1" vertOverflow="ellipsis" vert="horz" wrap="square" anchor="ctr" anchorCtr="1"/>
+        <a:lstStyle/>
+        <a:p>
+          <a:pPr>
+            <a:defRPr sz="1400" b="0" i="0" u="none" strike="noStrike" kern="1200" spc="0" baseline="0">
+              <a:solidFill>
+                <a:schemeClr val="tx1">
+                  <a:lumMod val="65000"/>
+                  <a:lumOff val="35000"/>
+                </a:schemeClr>
+              </a:solidFill>
+              <a:latin typeface="+mn-lt"/>
+              <a:ea typeface="+mn-ea"/>
+              <a:cs typeface="+mn-cs"/>
+            </a:defRPr>
+          </a:pPr>
+          <a:endParaRPr lang="en-US"/>
+        </a:p>
+      </c:txPr>
+    </c:title>
+    <c:autoTitleDeleted val="0"/>
+    <c:plotArea>
+      <c:layout/>
+      <c:lineChart>
+        <c:grouping val="standard"/>
+        <c:varyColors val="0"/>
+        <c:ser>
+          <c:idx val="1"/>
+          <c:order val="0"/>
+          <c:tx>
+            <c:strRef>
+              <c:f>'[results w1-w3-off.xlsx]data'!$B$1</c:f>
+              <c:strCache>
+                <c:ptCount val="1"/>
+                <c:pt idx="0">
+                  <c:v>Infeasible count</c:v>
+                </c:pt>
+              </c:strCache>
+            </c:strRef>
+          </c:tx>
+          <c:spPr>
+            <a:ln w="28575" cap="rnd">
+              <a:solidFill>
+                <a:schemeClr val="accent2"/>
+              </a:solidFill>
+              <a:round/>
+            </a:ln>
+            <a:effectLst/>
+          </c:spPr>
+          <c:marker>
+            <c:symbol val="none"/>
+          </c:marker>
+          <c:cat>
+            <c:strRef>
+              <c:f>'[results w1-w3-off.xlsx]data'!$A$2:$A$9</c:f>
+              <c:strCache>
+                <c:ptCount val="8"/>
+                <c:pt idx="0">
+                  <c:v>EEV</c:v>
+                </c:pt>
+                <c:pt idx="1">
+                  <c:v>11</c:v>
+                </c:pt>
+                <c:pt idx="2">
+                  <c:v>15</c:v>
+                </c:pt>
+                <c:pt idx="3">
+                  <c:v>20</c:v>
+                </c:pt>
+                <c:pt idx="4">
+                  <c:v>30</c:v>
+                </c:pt>
+                <c:pt idx="5">
+                  <c:v>100</c:v>
+                </c:pt>
+                <c:pt idx="6">
+                  <c:v>150</c:v>
+                </c:pt>
+                <c:pt idx="7">
+                  <c:v>200</c:v>
+                </c:pt>
+              </c:strCache>
+            </c:strRef>
+          </c:cat>
+          <c:val>
+            <c:numRef>
+              <c:f>'[results w1-w3-off.xlsx]data'!$B$2:$B$9</c:f>
+              <c:numCache>
+                <c:formatCode>General</c:formatCode>
+                <c:ptCount val="8"/>
+                <c:pt idx="0">
+                  <c:v>10</c:v>
+                </c:pt>
+                <c:pt idx="1">
+                  <c:v>9</c:v>
+                </c:pt>
+                <c:pt idx="2">
+                  <c:v>0</c:v>
+                </c:pt>
+                <c:pt idx="3">
+                  <c:v>0</c:v>
+                </c:pt>
+                <c:pt idx="4">
+                  <c:v>0</c:v>
+                </c:pt>
+                <c:pt idx="5">
+                  <c:v>0</c:v>
+                </c:pt>
+                <c:pt idx="6">
+                  <c:v>0</c:v>
+                </c:pt>
+                <c:pt idx="7">
+                  <c:v>0</c:v>
+                </c:pt>
+              </c:numCache>
+            </c:numRef>
+          </c:val>
+          <c:smooth val="0"/>
+          <c:extLst>
+            <c:ext xmlns:c16="http://schemas.microsoft.com/office/drawing/2014/chart" uri="{C3380CC4-5D6E-409C-BE32-E72D297353CC}">
+              <c16:uniqueId val="{00000000-ABDC-490E-B2EA-86FA203D6501}"/>
+            </c:ext>
+          </c:extLst>
+        </c:ser>
+        <c:dLbls>
+          <c:showLegendKey val="0"/>
+          <c:showVal val="0"/>
+          <c:showCatName val="0"/>
+          <c:showSerName val="0"/>
+          <c:showPercent val="0"/>
+          <c:showBubbleSize val="0"/>
+        </c:dLbls>
+        <c:smooth val="0"/>
+        <c:axId val="1084500136"/>
+        <c:axId val="1084500464"/>
+      </c:lineChart>
+      <c:catAx>
+        <c:axId val="1084500136"/>
+        <c:scaling>
+          <c:orientation val="minMax"/>
+        </c:scaling>
+        <c:delete val="0"/>
+        <c:axPos val="b"/>
+        <c:title>
+          <c:tx>
+            <c:rich>
+              <a:bodyPr rot="0" spcFirstLastPara="1" vertOverflow="ellipsis" vert="horz" wrap="square" anchor="ctr" anchorCtr="1"/>
+              <a:lstStyle/>
+              <a:p>
+                <a:pPr>
+                  <a:defRPr sz="1000" b="0" i="0" u="none" strike="noStrike" kern="1200" baseline="0">
+                    <a:solidFill>
+                      <a:schemeClr val="tx1">
+                        <a:lumMod val="65000"/>
+                        <a:lumOff val="35000"/>
+                      </a:schemeClr>
+                    </a:solidFill>
+                    <a:latin typeface="+mn-lt"/>
+                    <a:ea typeface="+mn-ea"/>
+                    <a:cs typeface="+mn-cs"/>
+                  </a:defRPr>
+                </a:pPr>
+                <a:r>
+                  <a:rPr lang="en-US"/>
+                  <a:t>Scenarios</a:t>
+                </a:r>
+              </a:p>
+            </c:rich>
+          </c:tx>
+          <c:overlay val="0"/>
+          <c:spPr>
+            <a:noFill/>
+            <a:ln>
+              <a:noFill/>
+            </a:ln>
+            <a:effectLst/>
+          </c:spPr>
+          <c:txPr>
+            <a:bodyPr rot="0" spcFirstLastPara="1" vertOverflow="ellipsis" vert="horz" wrap="square" anchor="ctr" anchorCtr="1"/>
+            <a:lstStyle/>
+            <a:p>
+              <a:pPr>
+                <a:defRPr sz="1000" b="0" i="0" u="none" strike="noStrike" kern="1200" baseline="0">
+                  <a:solidFill>
+                    <a:schemeClr val="tx1">
+                      <a:lumMod val="65000"/>
+                      <a:lumOff val="35000"/>
+                    </a:schemeClr>
+                  </a:solidFill>
+                  <a:latin typeface="+mn-lt"/>
+                  <a:ea typeface="+mn-ea"/>
+                  <a:cs typeface="+mn-cs"/>
+                </a:defRPr>
+              </a:pPr>
+              <a:endParaRPr lang="en-US"/>
+            </a:p>
+          </c:txPr>
+        </c:title>
+        <c:numFmt formatCode="General" sourceLinked="1"/>
+        <c:majorTickMark val="none"/>
+        <c:minorTickMark val="none"/>
+        <c:tickLblPos val="nextTo"/>
+        <c:spPr>
+          <a:noFill/>
+          <a:ln w="9525" cap="flat" cmpd="sng" algn="ctr">
+            <a:solidFill>
+              <a:schemeClr val="tx1">
+                <a:lumMod val="15000"/>
+                <a:lumOff val="85000"/>
+              </a:schemeClr>
+            </a:solidFill>
+            <a:round/>
+          </a:ln>
+          <a:effectLst/>
+        </c:spPr>
+        <c:txPr>
+          <a:bodyPr rot="-60000000" spcFirstLastPara="1" vertOverflow="ellipsis" vert="horz" wrap="square" anchor="ctr" anchorCtr="1"/>
+          <a:lstStyle/>
+          <a:p>
+            <a:pPr>
+              <a:defRPr sz="900" b="0" i="0" u="none" strike="noStrike" kern="1200" baseline="0">
+                <a:solidFill>
+                  <a:schemeClr val="tx1">
+                    <a:lumMod val="65000"/>
+                    <a:lumOff val="35000"/>
+                  </a:schemeClr>
+                </a:solidFill>
+                <a:latin typeface="+mn-lt"/>
+                <a:ea typeface="+mn-ea"/>
+                <a:cs typeface="+mn-cs"/>
+              </a:defRPr>
+            </a:pPr>
+            <a:endParaRPr lang="en-US"/>
+          </a:p>
+        </c:txPr>
+        <c:crossAx val="1084500464"/>
+        <c:crosses val="autoZero"/>
+        <c:auto val="1"/>
+        <c:lblAlgn val="ctr"/>
+        <c:lblOffset val="100"/>
+        <c:noMultiLvlLbl val="0"/>
+      </c:catAx>
+      <c:valAx>
+        <c:axId val="1084500464"/>
+        <c:scaling>
+          <c:orientation val="minMax"/>
+        </c:scaling>
+        <c:delete val="0"/>
+        <c:axPos val="l"/>
+        <c:majorGridlines>
+          <c:spPr>
+            <a:ln w="9525" cap="flat" cmpd="sng" algn="ctr">
+              <a:solidFill>
+                <a:schemeClr val="tx1">
+                  <a:lumMod val="15000"/>
+                  <a:lumOff val="85000"/>
+                </a:schemeClr>
+              </a:solidFill>
+              <a:round/>
+            </a:ln>
+            <a:effectLst/>
+          </c:spPr>
+        </c:majorGridlines>
+        <c:title>
+          <c:tx>
+            <c:rich>
+              <a:bodyPr rot="-5400000" spcFirstLastPara="1" vertOverflow="ellipsis" vert="horz" wrap="square" anchor="ctr" anchorCtr="1"/>
+              <a:lstStyle/>
+              <a:p>
+                <a:pPr>
+                  <a:defRPr sz="1000" b="0" i="0" u="none" strike="noStrike" kern="1200" baseline="0">
+                    <a:solidFill>
+                      <a:schemeClr val="tx1">
+                        <a:lumMod val="65000"/>
+                        <a:lumOff val="35000"/>
+                      </a:schemeClr>
+                    </a:solidFill>
+                    <a:latin typeface="+mn-lt"/>
+                    <a:ea typeface="+mn-ea"/>
+                    <a:cs typeface="+mn-cs"/>
+                  </a:defRPr>
+                </a:pPr>
+                <a:r>
+                  <a:rPr lang="en-US"/>
+                  <a:t>Infeasible Count</a:t>
+                </a:r>
+              </a:p>
+            </c:rich>
+          </c:tx>
+          <c:overlay val="0"/>
+          <c:spPr>
+            <a:noFill/>
+            <a:ln>
+              <a:noFill/>
+            </a:ln>
+            <a:effectLst/>
+          </c:spPr>
+          <c:txPr>
+            <a:bodyPr rot="-5400000" spcFirstLastPara="1" vertOverflow="ellipsis" vert="horz" wrap="square" anchor="ctr" anchorCtr="1"/>
+            <a:lstStyle/>
+            <a:p>
+              <a:pPr>
+                <a:defRPr sz="1000" b="0" i="0" u="none" strike="noStrike" kern="1200" baseline="0">
+                  <a:solidFill>
+                    <a:schemeClr val="tx1">
+                      <a:lumMod val="65000"/>
+                      <a:lumOff val="35000"/>
+                    </a:schemeClr>
+                  </a:solidFill>
+                  <a:latin typeface="+mn-lt"/>
+                  <a:ea typeface="+mn-ea"/>
+                  <a:cs typeface="+mn-cs"/>
+                </a:defRPr>
+              </a:pPr>
+              <a:endParaRPr lang="en-US"/>
+            </a:p>
+          </c:txPr>
+        </c:title>
+        <c:numFmt formatCode="General" sourceLinked="1"/>
+        <c:majorTickMark val="none"/>
+        <c:minorTickMark val="none"/>
+        <c:tickLblPos val="nextTo"/>
+        <c:spPr>
+          <a:noFill/>
+          <a:ln>
+            <a:noFill/>
+          </a:ln>
+          <a:effectLst/>
+        </c:spPr>
+        <c:txPr>
+          <a:bodyPr rot="-60000000" spcFirstLastPara="1" vertOverflow="ellipsis" vert="horz" wrap="square" anchor="ctr" anchorCtr="1"/>
+          <a:lstStyle/>
+          <a:p>
+            <a:pPr>
+              <a:defRPr sz="900" b="0" i="0" u="none" strike="noStrike" kern="1200" baseline="0">
+                <a:solidFill>
+                  <a:schemeClr val="tx1">
+                    <a:lumMod val="65000"/>
+                    <a:lumOff val="35000"/>
+                  </a:schemeClr>
+                </a:solidFill>
+                <a:latin typeface="+mn-lt"/>
+                <a:ea typeface="+mn-ea"/>
+                <a:cs typeface="+mn-cs"/>
+              </a:defRPr>
+            </a:pPr>
+            <a:endParaRPr lang="en-US"/>
+          </a:p>
+        </c:txPr>
+        <c:crossAx val="1084500136"/>
+        <c:crosses val="autoZero"/>
+        <c:crossBetween val="between"/>
+      </c:valAx>
+      <c:spPr>
+        <a:noFill/>
+        <a:ln>
+          <a:noFill/>
+        </a:ln>
+        <a:effectLst/>
+      </c:spPr>
+    </c:plotArea>
+    <c:plotVisOnly val="1"/>
+    <c:dispBlanksAs val="gap"/>
+    <c:showDLblsOverMax val="0"/>
+  </c:chart>
+  <c:spPr>
+    <a:noFill/>
+    <a:ln>
+      <a:noFill/>
+    </a:ln>
+    <a:effectLst/>
+  </c:spPr>
+  <c:txPr>
+    <a:bodyPr/>
+    <a:lstStyle/>
+    <a:p>
+      <a:pPr>
+        <a:defRPr/>
+      </a:pPr>
+      <a:endParaRPr lang="en-US"/>
+    </a:p>
+  </c:txPr>
+  <c:externalData r:id="rId3">
+    <c:autoUpdate val="0"/>
+  </c:externalData>
+</c:chartSpace>
+</file>
+
+<file path=ppt/charts/colors1.xml><?xml version="1.0" encoding="utf-8"?>
+<cs:colorStyle xmlns:cs="http://schemas.microsoft.com/office/drawing/2012/chartStyle" xmlns:a="http://schemas.openxmlformats.org/drawingml/2006/main" meth="cycle" id="10">
+  <a:schemeClr val="accent1"/>
+  <a:schemeClr val="accent2"/>
+  <a:schemeClr val="accent3"/>
+  <a:schemeClr val="accent4"/>
+  <a:schemeClr val="accent5"/>
+  <a:schemeClr val="accent6"/>
+  <cs:variation/>
+  <cs:variation>
+    <a:lumMod val="60000"/>
+  </cs:variation>
+  <cs:variation>
+    <a:lumMod val="80000"/>
+    <a:lumOff val="20000"/>
+  </cs:variation>
+  <cs:variation>
+    <a:lumMod val="80000"/>
+  </cs:variation>
+  <cs:variation>
+    <a:lumMod val="60000"/>
+    <a:lumOff val="40000"/>
+  </cs:variation>
+  <cs:variation>
+    <a:lumMod val="50000"/>
+  </cs:variation>
+  <cs:variation>
+    <a:lumMod val="70000"/>
+    <a:lumOff val="30000"/>
+  </cs:variation>
+  <cs:variation>
+    <a:lumMod val="70000"/>
+  </cs:variation>
+  <cs:variation>
+    <a:lumMod val="50000"/>
+    <a:lumOff val="50000"/>
+  </cs:variation>
+</cs:colorStyle>
+</file>
+
+<file path=ppt/charts/colors2.xml><?xml version="1.0" encoding="utf-8"?>
+<cs:colorStyle xmlns:cs="http://schemas.microsoft.com/office/drawing/2012/chartStyle" xmlns:a="http://schemas.openxmlformats.org/drawingml/2006/main" meth="cycle" id="10">
+  <a:schemeClr val="accent1"/>
+  <a:schemeClr val="accent2"/>
+  <a:schemeClr val="accent3"/>
+  <a:schemeClr val="accent4"/>
+  <a:schemeClr val="accent5"/>
+  <a:schemeClr val="accent6"/>
+  <cs:variation/>
+  <cs:variation>
+    <a:lumMod val="60000"/>
+  </cs:variation>
+  <cs:variation>
+    <a:lumMod val="80000"/>
+    <a:lumOff val="20000"/>
+  </cs:variation>
+  <cs:variation>
+    <a:lumMod val="80000"/>
+  </cs:variation>
+  <cs:variation>
+    <a:lumMod val="60000"/>
+    <a:lumOff val="40000"/>
+  </cs:variation>
+  <cs:variation>
+    <a:lumMod val="50000"/>
+  </cs:variation>
+  <cs:variation>
+    <a:lumMod val="70000"/>
+    <a:lumOff val="30000"/>
+  </cs:variation>
+  <cs:variation>
+    <a:lumMod val="70000"/>
+  </cs:variation>
+  <cs:variation>
+    <a:lumMod val="50000"/>
+    <a:lumOff val="50000"/>
+  </cs:variation>
+</cs:colorStyle>
+</file>
+
+<file path=ppt/charts/style1.xml><?xml version="1.0" encoding="utf-8"?>
+<cs:chartStyle xmlns:cs="http://schemas.microsoft.com/office/drawing/2012/chartStyle" xmlns:a="http://schemas.openxmlformats.org/drawingml/2006/main" id="227">
+  <cs:axisTitle>
+    <cs:lnRef idx="0"/>
+    <cs:fillRef idx="0"/>
+    <cs:effectRef idx="0"/>
+    <cs:fontRef idx="minor">
+      <a:schemeClr val="tx1">
+        <a:lumMod val="65000"/>
+        <a:lumOff val="35000"/>
+      </a:schemeClr>
+    </cs:fontRef>
+    <cs:defRPr sz="1000" kern="1200"/>
+  </cs:axisTitle>
+  <cs:categoryAxis>
+    <cs:lnRef idx="0"/>
+    <cs:fillRef idx="0"/>
+    <cs:effectRef idx="0"/>
+    <cs:fontRef idx="minor">
+      <a:schemeClr val="tx1">
+        <a:lumMod val="65000"/>
+        <a:lumOff val="35000"/>
+      </a:schemeClr>
+    </cs:fontRef>
+    <cs:spPr>
+      <a:ln w="9525" cap="flat" cmpd="sng" algn="ctr">
+        <a:solidFill>
+          <a:schemeClr val="tx1">
+            <a:lumMod val="15000"/>
+            <a:lumOff val="85000"/>
+          </a:schemeClr>
+        </a:solidFill>
+        <a:round/>
+      </a:ln>
+    </cs:spPr>
+    <cs:defRPr sz="900" kern="1200"/>
+  </cs:categoryAxis>
+  <cs:chartArea mods="allowNoFillOverride allowNoLineOverride">
+    <cs:lnRef idx="0"/>
+    <cs:fillRef idx="0"/>
+    <cs:effectRef idx="0"/>
+    <cs:fontRef idx="minor">
+      <a:schemeClr val="tx1"/>
+    </cs:fontRef>
+    <cs:spPr>
+      <a:solidFill>
+        <a:schemeClr val="bg1"/>
+      </a:solidFill>
+      <a:ln w="9525" cap="flat" cmpd="sng" algn="ctr">
+        <a:solidFill>
+          <a:schemeClr val="tx1">
+            <a:lumMod val="15000"/>
+            <a:lumOff val="85000"/>
+          </a:schemeClr>
+        </a:solidFill>
+        <a:round/>
+      </a:ln>
+    </cs:spPr>
+    <cs:defRPr sz="1000" kern="1200"/>
+  </cs:chartArea>
+  <cs:dataLabel>
+    <cs:lnRef idx="0"/>
+    <cs:fillRef idx="0"/>
+    <cs:effectRef idx="0"/>
+    <cs:fontRef idx="minor">
+      <a:schemeClr val="tx1">
+        <a:lumMod val="75000"/>
+        <a:lumOff val="25000"/>
+      </a:schemeClr>
+    </cs:fontRef>
+    <cs:defRPr sz="900" kern="1200"/>
+  </cs:dataLabel>
+  <cs:dataLabelCallout>
+    <cs:lnRef idx="0"/>
+    <cs:fillRef idx="0"/>
+    <cs:effectRef idx="0"/>
+    <cs:fontRef idx="minor">
+      <a:schemeClr val="dk1">
+        <a:lumMod val="65000"/>
+        <a:lumOff val="35000"/>
+      </a:schemeClr>
+    </cs:fontRef>
+    <cs:spPr>
+      <a:solidFill>
+        <a:schemeClr val="lt1"/>
+      </a:solidFill>
+      <a:ln>
+        <a:solidFill>
+          <a:schemeClr val="dk1">
+            <a:lumMod val="25000"/>
+            <a:lumOff val="75000"/>
+          </a:schemeClr>
+        </a:solidFill>
+      </a:ln>
+    </cs:spPr>
+    <cs:defRPr sz="900" kern="1200"/>
+    <cs:bodyPr rot="0" spcFirstLastPara="1" vertOverflow="clip" horzOverflow="clip" vert="horz" wrap="square" lIns="36576" tIns="18288" rIns="36576" bIns="18288" anchor="ctr" anchorCtr="1">
+      <a:spAutoFit/>
+    </cs:bodyPr>
+  </cs:dataLabelCallout>
+  <cs:dataPoint>
+    <cs:lnRef idx="0"/>
+    <cs:fillRef idx="1">
+      <cs:styleClr val="auto"/>
+    </cs:fillRef>
+    <cs:effectRef idx="0"/>
+    <cs:fontRef idx="minor">
+      <a:schemeClr val="tx1"/>
+    </cs:fontRef>
+    <cs:spPr>
+      <a:solidFill>
+        <a:schemeClr val="phClr"/>
+      </a:solidFill>
+    </cs:spPr>
+  </cs:dataPoint>
+  <cs:dataPoint3D>
+    <cs:lnRef idx="0"/>
+    <cs:fillRef idx="1">
+      <cs:styleClr val="auto"/>
+    </cs:fillRef>
+    <cs:effectRef idx="0"/>
+    <cs:fontRef idx="minor">
+      <a:schemeClr val="tx1"/>
+    </cs:fontRef>
+    <cs:spPr>
+      <a:solidFill>
+        <a:schemeClr val="phClr"/>
+      </a:solidFill>
+    </cs:spPr>
+  </cs:dataPoint3D>
+  <cs:dataPointLine>
+    <cs:lnRef idx="0">
+      <cs:styleClr val="auto"/>
+    </cs:lnRef>
+    <cs:fillRef idx="1"/>
+    <cs:effectRef idx="0"/>
+    <cs:fontRef idx="minor">
+      <a:schemeClr val="tx1"/>
+    </cs:fontRef>
+    <cs:spPr>
+      <a:ln w="28575" cap="rnd">
+        <a:solidFill>
+          <a:schemeClr val="phClr"/>
+        </a:solidFill>
+        <a:round/>
+      </a:ln>
+    </cs:spPr>
+  </cs:dataPointLine>
+  <cs:dataPointMarker>
+    <cs:lnRef idx="0">
+      <cs:styleClr val="auto"/>
+    </cs:lnRef>
+    <cs:fillRef idx="1">
+      <cs:styleClr val="auto"/>
+    </cs:fillRef>
+    <cs:effectRef idx="0"/>
+    <cs:fontRef idx="minor">
+      <a:schemeClr val="tx1"/>
+    </cs:fontRef>
+    <cs:spPr>
+      <a:solidFill>
+        <a:schemeClr val="phClr"/>
+      </a:solidFill>
+      <a:ln w="9525">
+        <a:solidFill>
+          <a:schemeClr val="phClr"/>
+        </a:solidFill>
+      </a:ln>
+    </cs:spPr>
+  </cs:dataPointMarker>
+  <cs:dataPointMarkerLayout symbol="circle" size="5"/>
+  <cs:dataPointWireframe>
+    <cs:lnRef idx="0">
+      <cs:styleClr val="auto"/>
+    </cs:lnRef>
+    <cs:fillRef idx="1"/>
+    <cs:effectRef idx="0"/>
+    <cs:fontRef idx="minor">
+      <a:schemeClr val="tx1"/>
+    </cs:fontRef>
+    <cs:spPr>
+      <a:ln w="9525" cap="rnd">
+        <a:solidFill>
+          <a:schemeClr val="phClr"/>
+        </a:solidFill>
+        <a:round/>
+      </a:ln>
+    </cs:spPr>
+  </cs:dataPointWireframe>
+  <cs:dataTable>
+    <cs:lnRef idx="0"/>
+    <cs:fillRef idx="0"/>
+    <cs:effectRef idx="0"/>
+    <cs:fontRef idx="minor">
+      <a:schemeClr val="tx1">
+        <a:lumMod val="65000"/>
+        <a:lumOff val="35000"/>
+      </a:schemeClr>
+    </cs:fontRef>
+    <cs:spPr>
+      <a:noFill/>
+      <a:ln w="9525" cap="flat" cmpd="sng" algn="ctr">
+        <a:solidFill>
+          <a:schemeClr val="tx1">
+            <a:lumMod val="15000"/>
+            <a:lumOff val="85000"/>
+          </a:schemeClr>
+        </a:solidFill>
+        <a:round/>
+      </a:ln>
+    </cs:spPr>
+    <cs:defRPr sz="900" kern="1200"/>
+  </cs:dataTable>
+  <cs:downBar>
+    <cs:lnRef idx="0"/>
+    <cs:fillRef idx="0"/>
+    <cs:effectRef idx="0"/>
+    <cs:fontRef idx="minor">
+      <a:schemeClr val="dk1"/>
+    </cs:fontRef>
+    <cs:spPr>
+      <a:solidFill>
+        <a:schemeClr val="dk1">
+          <a:lumMod val="65000"/>
+          <a:lumOff val="35000"/>
+        </a:schemeClr>
+      </a:solidFill>
+      <a:ln w="9525">
+        <a:solidFill>
+          <a:schemeClr val="tx1">
+            <a:lumMod val="65000"/>
+            <a:lumOff val="35000"/>
+          </a:schemeClr>
+        </a:solidFill>
+      </a:ln>
+    </cs:spPr>
+  </cs:downBar>
+  <cs:dropLine>
+    <cs:lnRef idx="0"/>
+    <cs:fillRef idx="0"/>
+    <cs:effectRef idx="0"/>
+    <cs:fontRef idx="minor">
+      <a:schemeClr val="tx1"/>
+    </cs:fontRef>
+    <cs:spPr>
+      <a:ln w="9525" cap="flat" cmpd="sng" algn="ctr">
+        <a:solidFill>
+          <a:schemeClr val="tx1">
+            <a:lumMod val="35000"/>
+            <a:lumOff val="65000"/>
+          </a:schemeClr>
+        </a:solidFill>
+        <a:round/>
+      </a:ln>
+    </cs:spPr>
+  </cs:dropLine>
+  <cs:errorBar>
+    <cs:lnRef idx="0"/>
+    <cs:fillRef idx="0"/>
+    <cs:effectRef idx="0"/>
+    <cs:fontRef idx="minor">
+      <a:schemeClr val="tx1"/>
+    </cs:fontRef>
+    <cs:spPr>
+      <a:ln w="9525" cap="flat" cmpd="sng" algn="ctr">
+        <a:solidFill>
+          <a:schemeClr val="tx1">
+            <a:lumMod val="65000"/>
+            <a:lumOff val="35000"/>
+          </a:schemeClr>
+        </a:solidFill>
+        <a:round/>
+      </a:ln>
+    </cs:spPr>
+  </cs:errorBar>
+  <cs:floor>
+    <cs:lnRef idx="0"/>
+    <cs:fillRef idx="0"/>
+    <cs:effectRef idx="0"/>
+    <cs:fontRef idx="minor">
+      <a:schemeClr val="tx1"/>
+    </cs:fontRef>
+    <cs:spPr>
+      <a:noFill/>
+      <a:ln>
+        <a:noFill/>
+      </a:ln>
+    </cs:spPr>
+  </cs:floor>
+  <cs:gridlineMajor>
+    <cs:lnRef idx="0"/>
+    <cs:fillRef idx="0"/>
+    <cs:effectRef idx="0"/>
+    <cs:fontRef idx="minor">
+      <a:schemeClr val="tx1"/>
+    </cs:fontRef>
+    <cs:spPr>
+      <a:ln w="9525" cap="flat" cmpd="sng" algn="ctr">
+        <a:solidFill>
+          <a:schemeClr val="tx1">
+            <a:lumMod val="15000"/>
+            <a:lumOff val="85000"/>
+          </a:schemeClr>
+        </a:solidFill>
+        <a:round/>
+      </a:ln>
+    </cs:spPr>
+  </cs:gridlineMajor>
+  <cs:gridlineMinor>
+    <cs:lnRef idx="0"/>
+    <cs:fillRef idx="0"/>
+    <cs:effectRef idx="0"/>
+    <cs:fontRef idx="minor">
+      <a:schemeClr val="tx1"/>
+    </cs:fontRef>
+    <cs:spPr>
+      <a:ln w="9525" cap="flat" cmpd="sng" algn="ctr">
+        <a:solidFill>
+          <a:schemeClr val="tx1">
+            <a:lumMod val="5000"/>
+            <a:lumOff val="95000"/>
+          </a:schemeClr>
+        </a:solidFill>
+        <a:round/>
+      </a:ln>
+    </cs:spPr>
+  </cs:gridlineMinor>
+  <cs:hiLoLine>
+    <cs:lnRef idx="0"/>
+    <cs:fillRef idx="0"/>
+    <cs:effectRef idx="0"/>
+    <cs:fontRef idx="minor">
+      <a:schemeClr val="tx1"/>
+    </cs:fontRef>
+    <cs:spPr>
+      <a:ln w="9525" cap="flat" cmpd="sng" algn="ctr">
+        <a:solidFill>
+          <a:schemeClr val="tx1">
+            <a:lumMod val="75000"/>
+            <a:lumOff val="25000"/>
+          </a:schemeClr>
+        </a:solidFill>
+        <a:round/>
+      </a:ln>
+    </cs:spPr>
+  </cs:hiLoLine>
+  <cs:leaderLine>
+    <cs:lnRef idx="0"/>
+    <cs:fillRef idx="0"/>
+    <cs:effectRef idx="0"/>
+    <cs:fontRef idx="minor">
+      <a:schemeClr val="tx1"/>
+    </cs:fontRef>
+    <cs:spPr>
+      <a:ln w="9525" cap="flat" cmpd="sng" algn="ctr">
+        <a:solidFill>
+          <a:schemeClr val="tx1">
+            <a:lumMod val="35000"/>
+            <a:lumOff val="65000"/>
+          </a:schemeClr>
+        </a:solidFill>
+        <a:round/>
+      </a:ln>
+    </cs:spPr>
+  </cs:leaderLine>
+  <cs:legend>
+    <cs:lnRef idx="0"/>
+    <cs:fillRef idx="0"/>
+    <cs:effectRef idx="0"/>
+    <cs:fontRef idx="minor">
+      <a:schemeClr val="tx1">
+        <a:lumMod val="65000"/>
+        <a:lumOff val="35000"/>
+      </a:schemeClr>
+    </cs:fontRef>
+    <cs:defRPr sz="900" kern="1200"/>
+  </cs:legend>
+  <cs:plotArea mods="allowNoFillOverride allowNoLineOverride">
+    <cs:lnRef idx="0"/>
+    <cs:fillRef idx="0"/>
+    <cs:effectRef idx="0"/>
+    <cs:fontRef idx="minor">
+      <a:schemeClr val="tx1"/>
+    </cs:fontRef>
+  </cs:plotArea>
+  <cs:plotArea3D mods="allowNoFillOverride allowNoLineOverride">
+    <cs:lnRef idx="0"/>
+    <cs:fillRef idx="0"/>
+    <cs:effectRef idx="0"/>
+    <cs:fontRef idx="minor">
+      <a:schemeClr val="tx1"/>
+    </cs:fontRef>
+  </cs:plotArea3D>
+  <cs:seriesAxis>
+    <cs:lnRef idx="0"/>
+    <cs:fillRef idx="0"/>
+    <cs:effectRef idx="0"/>
+    <cs:fontRef idx="minor">
+      <a:schemeClr val="tx1">
+        <a:lumMod val="65000"/>
+        <a:lumOff val="35000"/>
+      </a:schemeClr>
+    </cs:fontRef>
+    <cs:defRPr sz="900" kern="1200"/>
+  </cs:seriesAxis>
+  <cs:seriesLine>
+    <cs:lnRef idx="0"/>
+    <cs:fillRef idx="0"/>
+    <cs:effectRef idx="0"/>
+    <cs:fontRef idx="minor">
+      <a:schemeClr val="tx1"/>
+    </cs:fontRef>
+    <cs:spPr>
+      <a:ln w="9525" cap="flat" cmpd="sng" algn="ctr">
+        <a:solidFill>
+          <a:schemeClr val="tx1">
+            <a:lumMod val="35000"/>
+            <a:lumOff val="65000"/>
+          </a:schemeClr>
+        </a:solidFill>
+        <a:round/>
+      </a:ln>
+    </cs:spPr>
+  </cs:seriesLine>
+  <cs:title>
+    <cs:lnRef idx="0"/>
+    <cs:fillRef idx="0"/>
+    <cs:effectRef idx="0"/>
+    <cs:fontRef idx="minor">
+      <a:schemeClr val="tx1">
+        <a:lumMod val="65000"/>
+        <a:lumOff val="35000"/>
+      </a:schemeClr>
+    </cs:fontRef>
+    <cs:defRPr sz="1400" b="0" kern="1200" spc="0" baseline="0"/>
+  </cs:title>
+  <cs:trendline>
+    <cs:lnRef idx="0">
+      <cs:styleClr val="auto"/>
+    </cs:lnRef>
+    <cs:fillRef idx="0"/>
+    <cs:effectRef idx="0"/>
+    <cs:fontRef idx="minor">
+      <a:schemeClr val="tx1"/>
+    </cs:fontRef>
+    <cs:spPr>
+      <a:ln w="19050" cap="rnd">
+        <a:solidFill>
+          <a:schemeClr val="phClr"/>
+        </a:solidFill>
+        <a:prstDash val="sysDot"/>
+      </a:ln>
+    </cs:spPr>
+  </cs:trendline>
+  <cs:trendlineLabel>
+    <cs:lnRef idx="0"/>
+    <cs:fillRef idx="0"/>
+    <cs:effectRef idx="0"/>
+    <cs:fontRef idx="minor">
+      <a:schemeClr val="tx1">
+        <a:lumMod val="65000"/>
+        <a:lumOff val="35000"/>
+      </a:schemeClr>
+    </cs:fontRef>
+    <cs:defRPr sz="900" kern="1200"/>
+  </cs:trendlineLabel>
+  <cs:upBar>
+    <cs:lnRef idx="0"/>
+    <cs:fillRef idx="0"/>
+    <cs:effectRef idx="0"/>
+    <cs:fontRef idx="minor">
+      <a:schemeClr val="dk1"/>
+    </cs:fontRef>
+    <cs:spPr>
+      <a:solidFill>
+        <a:schemeClr val="lt1"/>
+      </a:solidFill>
+      <a:ln w="9525">
+        <a:solidFill>
+          <a:schemeClr val="tx1">
+            <a:lumMod val="15000"/>
+            <a:lumOff val="85000"/>
+          </a:schemeClr>
+        </a:solidFill>
+      </a:ln>
+    </cs:spPr>
+  </cs:upBar>
+  <cs:valueAxis>
+    <cs:lnRef idx="0"/>
+    <cs:fillRef idx="0"/>
+    <cs:effectRef idx="0"/>
+    <cs:fontRef idx="minor">
+      <a:schemeClr val="tx1">
+        <a:lumMod val="65000"/>
+        <a:lumOff val="35000"/>
+      </a:schemeClr>
+    </cs:fontRef>
+    <cs:defRPr sz="900" kern="1200"/>
+  </cs:valueAxis>
+  <cs:wall>
+    <cs:lnRef idx="0"/>
+    <cs:fillRef idx="0"/>
+    <cs:effectRef idx="0"/>
+    <cs:fontRef idx="minor">
+      <a:schemeClr val="tx1"/>
+    </cs:fontRef>
+    <cs:spPr>
+      <a:noFill/>
+      <a:ln>
+        <a:noFill/>
+      </a:ln>
+    </cs:spPr>
+  </cs:wall>
+</cs:chartStyle>
+</file>
+
+<file path=ppt/charts/style2.xml><?xml version="1.0" encoding="utf-8"?>
+<cs:chartStyle xmlns:cs="http://schemas.microsoft.com/office/drawing/2012/chartStyle" xmlns:a="http://schemas.openxmlformats.org/drawingml/2006/main" id="227">
+  <cs:axisTitle>
+    <cs:lnRef idx="0"/>
+    <cs:fillRef idx="0"/>
+    <cs:effectRef idx="0"/>
+    <cs:fontRef idx="minor">
+      <a:schemeClr val="tx1">
+        <a:lumMod val="65000"/>
+        <a:lumOff val="35000"/>
+      </a:schemeClr>
+    </cs:fontRef>
+    <cs:defRPr sz="1000" kern="1200"/>
+  </cs:axisTitle>
+  <cs:categoryAxis>
+    <cs:lnRef idx="0"/>
+    <cs:fillRef idx="0"/>
+    <cs:effectRef idx="0"/>
+    <cs:fontRef idx="minor">
+      <a:schemeClr val="tx1">
+        <a:lumMod val="65000"/>
+        <a:lumOff val="35000"/>
+      </a:schemeClr>
+    </cs:fontRef>
+    <cs:spPr>
+      <a:ln w="9525" cap="flat" cmpd="sng" algn="ctr">
+        <a:solidFill>
+          <a:schemeClr val="tx1">
+            <a:lumMod val="15000"/>
+            <a:lumOff val="85000"/>
+          </a:schemeClr>
+        </a:solidFill>
+        <a:round/>
+      </a:ln>
+    </cs:spPr>
+    <cs:defRPr sz="900" kern="1200"/>
+  </cs:categoryAxis>
+  <cs:chartArea mods="allowNoFillOverride allowNoLineOverride">
+    <cs:lnRef idx="0"/>
+    <cs:fillRef idx="0"/>
+    <cs:effectRef idx="0"/>
+    <cs:fontRef idx="minor">
+      <a:schemeClr val="tx1"/>
+    </cs:fontRef>
+    <cs:spPr>
+      <a:solidFill>
+        <a:schemeClr val="bg1"/>
+      </a:solidFill>
+      <a:ln w="9525" cap="flat" cmpd="sng" algn="ctr">
+        <a:solidFill>
+          <a:schemeClr val="tx1">
+            <a:lumMod val="15000"/>
+            <a:lumOff val="85000"/>
+          </a:schemeClr>
+        </a:solidFill>
+        <a:round/>
+      </a:ln>
+    </cs:spPr>
+    <cs:defRPr sz="1000" kern="1200"/>
+  </cs:chartArea>
+  <cs:dataLabel>
+    <cs:lnRef idx="0"/>
+    <cs:fillRef idx="0"/>
+    <cs:effectRef idx="0"/>
+    <cs:fontRef idx="minor">
+      <a:schemeClr val="tx1">
+        <a:lumMod val="75000"/>
+        <a:lumOff val="25000"/>
+      </a:schemeClr>
+    </cs:fontRef>
+    <cs:defRPr sz="900" kern="1200"/>
+  </cs:dataLabel>
+  <cs:dataLabelCallout>
+    <cs:lnRef idx="0"/>
+    <cs:fillRef idx="0"/>
+    <cs:effectRef idx="0"/>
+    <cs:fontRef idx="minor">
+      <a:schemeClr val="dk1">
+        <a:lumMod val="65000"/>
+        <a:lumOff val="35000"/>
+      </a:schemeClr>
+    </cs:fontRef>
+    <cs:spPr>
+      <a:solidFill>
+        <a:schemeClr val="lt1"/>
+      </a:solidFill>
+      <a:ln>
+        <a:solidFill>
+          <a:schemeClr val="dk1">
+            <a:lumMod val="25000"/>
+            <a:lumOff val="75000"/>
+          </a:schemeClr>
+        </a:solidFill>
+      </a:ln>
+    </cs:spPr>
+    <cs:defRPr sz="900" kern="1200"/>
+    <cs:bodyPr rot="0" spcFirstLastPara="1" vertOverflow="clip" horzOverflow="clip" vert="horz" wrap="square" lIns="36576" tIns="18288" rIns="36576" bIns="18288" anchor="ctr" anchorCtr="1">
+      <a:spAutoFit/>
+    </cs:bodyPr>
+  </cs:dataLabelCallout>
+  <cs:dataPoint>
+    <cs:lnRef idx="0"/>
+    <cs:fillRef idx="1">
+      <cs:styleClr val="auto"/>
+    </cs:fillRef>
+    <cs:effectRef idx="0"/>
+    <cs:fontRef idx="minor">
+      <a:schemeClr val="tx1"/>
+    </cs:fontRef>
+    <cs:spPr>
+      <a:solidFill>
+        <a:schemeClr val="phClr"/>
+      </a:solidFill>
+    </cs:spPr>
+  </cs:dataPoint>
+  <cs:dataPoint3D>
+    <cs:lnRef idx="0"/>
+    <cs:fillRef idx="1">
+      <cs:styleClr val="auto"/>
+    </cs:fillRef>
+    <cs:effectRef idx="0"/>
+    <cs:fontRef idx="minor">
+      <a:schemeClr val="tx1"/>
+    </cs:fontRef>
+    <cs:spPr>
+      <a:solidFill>
+        <a:schemeClr val="phClr"/>
+      </a:solidFill>
+    </cs:spPr>
+  </cs:dataPoint3D>
+  <cs:dataPointLine>
+    <cs:lnRef idx="0">
+      <cs:styleClr val="auto"/>
+    </cs:lnRef>
+    <cs:fillRef idx="1"/>
+    <cs:effectRef idx="0"/>
+    <cs:fontRef idx="minor">
+      <a:schemeClr val="tx1"/>
+    </cs:fontRef>
+    <cs:spPr>
+      <a:ln w="28575" cap="rnd">
+        <a:solidFill>
+          <a:schemeClr val="phClr"/>
+        </a:solidFill>
+        <a:round/>
+      </a:ln>
+    </cs:spPr>
+  </cs:dataPointLine>
+  <cs:dataPointMarker>
+    <cs:lnRef idx="0">
+      <cs:styleClr val="auto"/>
+    </cs:lnRef>
+    <cs:fillRef idx="1">
+      <cs:styleClr val="auto"/>
+    </cs:fillRef>
+    <cs:effectRef idx="0"/>
+    <cs:fontRef idx="minor">
+      <a:schemeClr val="tx1"/>
+    </cs:fontRef>
+    <cs:spPr>
+      <a:solidFill>
+        <a:schemeClr val="phClr"/>
+      </a:solidFill>
+      <a:ln w="9525">
+        <a:solidFill>
+          <a:schemeClr val="phClr"/>
+        </a:solidFill>
+      </a:ln>
+    </cs:spPr>
+  </cs:dataPointMarker>
+  <cs:dataPointMarkerLayout symbol="circle" size="5"/>
+  <cs:dataPointWireframe>
+    <cs:lnRef idx="0">
+      <cs:styleClr val="auto"/>
+    </cs:lnRef>
+    <cs:fillRef idx="1"/>
+    <cs:effectRef idx="0"/>
+    <cs:fontRef idx="minor">
+      <a:schemeClr val="tx1"/>
+    </cs:fontRef>
+    <cs:spPr>
+      <a:ln w="9525" cap="rnd">
+        <a:solidFill>
+          <a:schemeClr val="phClr"/>
+        </a:solidFill>
+        <a:round/>
+      </a:ln>
+    </cs:spPr>
+  </cs:dataPointWireframe>
+  <cs:dataTable>
+    <cs:lnRef idx="0"/>
+    <cs:fillRef idx="0"/>
+    <cs:effectRef idx="0"/>
+    <cs:fontRef idx="minor">
+      <a:schemeClr val="tx1">
+        <a:lumMod val="65000"/>
+        <a:lumOff val="35000"/>
+      </a:schemeClr>
+    </cs:fontRef>
+    <cs:spPr>
+      <a:noFill/>
+      <a:ln w="9525" cap="flat" cmpd="sng" algn="ctr">
+        <a:solidFill>
+          <a:schemeClr val="tx1">
+            <a:lumMod val="15000"/>
+            <a:lumOff val="85000"/>
+          </a:schemeClr>
+        </a:solidFill>
+        <a:round/>
+      </a:ln>
+    </cs:spPr>
+    <cs:defRPr sz="900" kern="1200"/>
+  </cs:dataTable>
+  <cs:downBar>
+    <cs:lnRef idx="0"/>
+    <cs:fillRef idx="0"/>
+    <cs:effectRef idx="0"/>
+    <cs:fontRef idx="minor">
+      <a:schemeClr val="dk1"/>
+    </cs:fontRef>
+    <cs:spPr>
+      <a:solidFill>
+        <a:schemeClr val="dk1">
+          <a:lumMod val="65000"/>
+          <a:lumOff val="35000"/>
+        </a:schemeClr>
+      </a:solidFill>
+      <a:ln w="9525">
+        <a:solidFill>
+          <a:schemeClr val="tx1">
+            <a:lumMod val="65000"/>
+            <a:lumOff val="35000"/>
+          </a:schemeClr>
+        </a:solidFill>
+      </a:ln>
+    </cs:spPr>
+  </cs:downBar>
+  <cs:dropLine>
+    <cs:lnRef idx="0"/>
+    <cs:fillRef idx="0"/>
+    <cs:effectRef idx="0"/>
+    <cs:fontRef idx="minor">
+      <a:schemeClr val="tx1"/>
+    </cs:fontRef>
+    <cs:spPr>
+      <a:ln w="9525" cap="flat" cmpd="sng" algn="ctr">
+        <a:solidFill>
+          <a:schemeClr val="tx1">
+            <a:lumMod val="35000"/>
+            <a:lumOff val="65000"/>
+          </a:schemeClr>
+        </a:solidFill>
+        <a:round/>
+      </a:ln>
+    </cs:spPr>
+  </cs:dropLine>
+  <cs:errorBar>
+    <cs:lnRef idx="0"/>
+    <cs:fillRef idx="0"/>
+    <cs:effectRef idx="0"/>
+    <cs:fontRef idx="minor">
+      <a:schemeClr val="tx1"/>
+    </cs:fontRef>
+    <cs:spPr>
+      <a:ln w="9525" cap="flat" cmpd="sng" algn="ctr">
+        <a:solidFill>
+          <a:schemeClr val="tx1">
+            <a:lumMod val="65000"/>
+            <a:lumOff val="35000"/>
+          </a:schemeClr>
+        </a:solidFill>
+        <a:round/>
+      </a:ln>
+    </cs:spPr>
+  </cs:errorBar>
+  <cs:floor>
+    <cs:lnRef idx="0"/>
+    <cs:fillRef idx="0"/>
+    <cs:effectRef idx="0"/>
+    <cs:fontRef idx="minor">
+      <a:schemeClr val="tx1"/>
+    </cs:fontRef>
+    <cs:spPr>
+      <a:noFill/>
+      <a:ln>
+        <a:noFill/>
+      </a:ln>
+    </cs:spPr>
+  </cs:floor>
+  <cs:gridlineMajor>
+    <cs:lnRef idx="0"/>
+    <cs:fillRef idx="0"/>
+    <cs:effectRef idx="0"/>
+    <cs:fontRef idx="minor">
+      <a:schemeClr val="tx1"/>
+    </cs:fontRef>
+    <cs:spPr>
+      <a:ln w="9525" cap="flat" cmpd="sng" algn="ctr">
+        <a:solidFill>
+          <a:schemeClr val="tx1">
+            <a:lumMod val="15000"/>
+            <a:lumOff val="85000"/>
+          </a:schemeClr>
+        </a:solidFill>
+        <a:round/>
+      </a:ln>
+    </cs:spPr>
+  </cs:gridlineMajor>
+  <cs:gridlineMinor>
+    <cs:lnRef idx="0"/>
+    <cs:fillRef idx="0"/>
+    <cs:effectRef idx="0"/>
+    <cs:fontRef idx="minor">
+      <a:schemeClr val="tx1"/>
+    </cs:fontRef>
+    <cs:spPr>
+      <a:ln w="9525" cap="flat" cmpd="sng" algn="ctr">
+        <a:solidFill>
+          <a:schemeClr val="tx1">
+            <a:lumMod val="5000"/>
+            <a:lumOff val="95000"/>
+          </a:schemeClr>
+        </a:solidFill>
+        <a:round/>
+      </a:ln>
+    </cs:spPr>
+  </cs:gridlineMinor>
+  <cs:hiLoLine>
+    <cs:lnRef idx="0"/>
+    <cs:fillRef idx="0"/>
+    <cs:effectRef idx="0"/>
+    <cs:fontRef idx="minor">
+      <a:schemeClr val="tx1"/>
+    </cs:fontRef>
+    <cs:spPr>
+      <a:ln w="9525" cap="flat" cmpd="sng" algn="ctr">
+        <a:solidFill>
+          <a:schemeClr val="tx1">
+            <a:lumMod val="75000"/>
+            <a:lumOff val="25000"/>
+          </a:schemeClr>
+        </a:solidFill>
+        <a:round/>
+      </a:ln>
+    </cs:spPr>
+  </cs:hiLoLine>
+  <cs:leaderLine>
+    <cs:lnRef idx="0"/>
+    <cs:fillRef idx="0"/>
+    <cs:effectRef idx="0"/>
+    <cs:fontRef idx="minor">
+      <a:schemeClr val="tx1"/>
+    </cs:fontRef>
+    <cs:spPr>
+      <a:ln w="9525" cap="flat" cmpd="sng" algn="ctr">
+        <a:solidFill>
+          <a:schemeClr val="tx1">
+            <a:lumMod val="35000"/>
+            <a:lumOff val="65000"/>
+          </a:schemeClr>
+        </a:solidFill>
+        <a:round/>
+      </a:ln>
+    </cs:spPr>
+  </cs:leaderLine>
+  <cs:legend>
+    <cs:lnRef idx="0"/>
+    <cs:fillRef idx="0"/>
+    <cs:effectRef idx="0"/>
+    <cs:fontRef idx="minor">
+      <a:schemeClr val="tx1">
+        <a:lumMod val="65000"/>
+        <a:lumOff val="35000"/>
+      </a:schemeClr>
+    </cs:fontRef>
+    <cs:defRPr sz="900" kern="1200"/>
+  </cs:legend>
+  <cs:plotArea mods="allowNoFillOverride allowNoLineOverride">
+    <cs:lnRef idx="0"/>
+    <cs:fillRef idx="0"/>
+    <cs:effectRef idx="0"/>
+    <cs:fontRef idx="minor">
+      <a:schemeClr val="tx1"/>
+    </cs:fontRef>
+  </cs:plotArea>
+  <cs:plotArea3D mods="allowNoFillOverride allowNoLineOverride">
+    <cs:lnRef idx="0"/>
+    <cs:fillRef idx="0"/>
+    <cs:effectRef idx="0"/>
+    <cs:fontRef idx="minor">
+      <a:schemeClr val="tx1"/>
+    </cs:fontRef>
+  </cs:plotArea3D>
+  <cs:seriesAxis>
+    <cs:lnRef idx="0"/>
+    <cs:fillRef idx="0"/>
+    <cs:effectRef idx="0"/>
+    <cs:fontRef idx="minor">
+      <a:schemeClr val="tx1">
+        <a:lumMod val="65000"/>
+        <a:lumOff val="35000"/>
+      </a:schemeClr>
+    </cs:fontRef>
+    <cs:defRPr sz="900" kern="1200"/>
+  </cs:seriesAxis>
+  <cs:seriesLine>
+    <cs:lnRef idx="0"/>
+    <cs:fillRef idx="0"/>
+    <cs:effectRef idx="0"/>
+    <cs:fontRef idx="minor">
+      <a:schemeClr val="tx1"/>
+    </cs:fontRef>
+    <cs:spPr>
+      <a:ln w="9525" cap="flat" cmpd="sng" algn="ctr">
+        <a:solidFill>
+          <a:schemeClr val="tx1">
+            <a:lumMod val="35000"/>
+            <a:lumOff val="65000"/>
+          </a:schemeClr>
+        </a:solidFill>
+        <a:round/>
+      </a:ln>
+    </cs:spPr>
+  </cs:seriesLine>
+  <cs:title>
+    <cs:lnRef idx="0"/>
+    <cs:fillRef idx="0"/>
+    <cs:effectRef idx="0"/>
+    <cs:fontRef idx="minor">
+      <a:schemeClr val="tx1">
+        <a:lumMod val="65000"/>
+        <a:lumOff val="35000"/>
+      </a:schemeClr>
+    </cs:fontRef>
+    <cs:defRPr sz="1400" b="0" kern="1200" spc="0" baseline="0"/>
+  </cs:title>
+  <cs:trendline>
+    <cs:lnRef idx="0">
+      <cs:styleClr val="auto"/>
+    </cs:lnRef>
+    <cs:fillRef idx="0"/>
+    <cs:effectRef idx="0"/>
+    <cs:fontRef idx="minor">
+      <a:schemeClr val="tx1"/>
+    </cs:fontRef>
+    <cs:spPr>
+      <a:ln w="19050" cap="rnd">
+        <a:solidFill>
+          <a:schemeClr val="phClr"/>
+        </a:solidFill>
+        <a:prstDash val="sysDot"/>
+      </a:ln>
+    </cs:spPr>
+  </cs:trendline>
+  <cs:trendlineLabel>
+    <cs:lnRef idx="0"/>
+    <cs:fillRef idx="0"/>
+    <cs:effectRef idx="0"/>
+    <cs:fontRef idx="minor">
+      <a:schemeClr val="tx1">
+        <a:lumMod val="65000"/>
+        <a:lumOff val="35000"/>
+      </a:schemeClr>
+    </cs:fontRef>
+    <cs:defRPr sz="900" kern="1200"/>
+  </cs:trendlineLabel>
+  <cs:upBar>
+    <cs:lnRef idx="0"/>
+    <cs:fillRef idx="0"/>
+    <cs:effectRef idx="0"/>
+    <cs:fontRef idx="minor">
+      <a:schemeClr val="dk1"/>
+    </cs:fontRef>
+    <cs:spPr>
+      <a:solidFill>
+        <a:schemeClr val="lt1"/>
+      </a:solidFill>
+      <a:ln w="9525">
+        <a:solidFill>
+          <a:schemeClr val="tx1">
+            <a:lumMod val="15000"/>
+            <a:lumOff val="85000"/>
+          </a:schemeClr>
+        </a:solidFill>
+      </a:ln>
+    </cs:spPr>
+  </cs:upBar>
+  <cs:valueAxis>
+    <cs:lnRef idx="0"/>
+    <cs:fillRef idx="0"/>
+    <cs:effectRef idx="0"/>
+    <cs:fontRef idx="minor">
+      <a:schemeClr val="tx1">
+        <a:lumMod val="65000"/>
+        <a:lumOff val="35000"/>
+      </a:schemeClr>
+    </cs:fontRef>
+    <cs:defRPr sz="900" kern="1200"/>
+  </cs:valueAxis>
+  <cs:wall>
+    <cs:lnRef idx="0"/>
+    <cs:fillRef idx="0"/>
+    <cs:effectRef idx="0"/>
+    <cs:fontRef idx="minor">
+      <a:schemeClr val="tx1"/>
+    </cs:fontRef>
+    <cs:spPr>
+      <a:noFill/>
+      <a:ln>
+        <a:noFill/>
+      </a:ln>
+    </cs:spPr>
+  </cs:wall>
+</cs:chartStyle>
 </file>
 
 <file path=ppt/slideLayouts/slideLayout1.xml><?xml version="1.0" encoding="utf-8"?>
@@ -553,7 +3111,7 @@
           <a:p>
             <a:fld id="{23FB0741-427B-426A-BBEB-9E6698F86A84}" type="datetimeFigureOut">
               <a:rPr lang="en-US" smtClean="0"/>
-              <a:t>5/13/2018</a:t>
+              <a:t>5/14/2018</a:t>
             </a:fld>
             <a:endParaRPr lang="en-US"/>
           </a:p>
@@ -751,7 +3309,7 @@
           <a:p>
             <a:fld id="{23FB0741-427B-426A-BBEB-9E6698F86A84}" type="datetimeFigureOut">
               <a:rPr lang="en-US" smtClean="0"/>
-              <a:t>5/13/2018</a:t>
+              <a:t>5/14/2018</a:t>
             </a:fld>
             <a:endParaRPr lang="en-US"/>
           </a:p>
@@ -959,7 +3517,7 @@
           <a:p>
             <a:fld id="{23FB0741-427B-426A-BBEB-9E6698F86A84}" type="datetimeFigureOut">
               <a:rPr lang="en-US" smtClean="0"/>
-              <a:t>5/13/2018</a:t>
+              <a:t>5/14/2018</a:t>
             </a:fld>
             <a:endParaRPr lang="en-US"/>
           </a:p>
@@ -1157,7 +3715,7 @@
           <a:p>
             <a:fld id="{23FB0741-427B-426A-BBEB-9E6698F86A84}" type="datetimeFigureOut">
               <a:rPr lang="en-US" smtClean="0"/>
-              <a:t>5/13/2018</a:t>
+              <a:t>5/14/2018</a:t>
             </a:fld>
             <a:endParaRPr lang="en-US"/>
           </a:p>
@@ -1432,7 +3990,7 @@
           <a:p>
             <a:fld id="{23FB0741-427B-426A-BBEB-9E6698F86A84}" type="datetimeFigureOut">
               <a:rPr lang="en-US" smtClean="0"/>
-              <a:t>5/13/2018</a:t>
+              <a:t>5/14/2018</a:t>
             </a:fld>
             <a:endParaRPr lang="en-US"/>
           </a:p>
@@ -1697,7 +4255,7 @@
           <a:p>
             <a:fld id="{23FB0741-427B-426A-BBEB-9E6698F86A84}" type="datetimeFigureOut">
               <a:rPr lang="en-US" smtClean="0"/>
-              <a:t>5/13/2018</a:t>
+              <a:t>5/14/2018</a:t>
             </a:fld>
             <a:endParaRPr lang="en-US"/>
           </a:p>
@@ -2109,7 +4667,7 @@
           <a:p>
             <a:fld id="{23FB0741-427B-426A-BBEB-9E6698F86A84}" type="datetimeFigureOut">
               <a:rPr lang="en-US" smtClean="0"/>
-              <a:t>5/13/2018</a:t>
+              <a:t>5/14/2018</a:t>
             </a:fld>
             <a:endParaRPr lang="en-US"/>
           </a:p>
@@ -2250,7 +4808,7 @@
           <a:p>
             <a:fld id="{23FB0741-427B-426A-BBEB-9E6698F86A84}" type="datetimeFigureOut">
               <a:rPr lang="en-US" smtClean="0"/>
-              <a:t>5/13/2018</a:t>
+              <a:t>5/14/2018</a:t>
             </a:fld>
             <a:endParaRPr lang="en-US"/>
           </a:p>
@@ -2363,7 +4921,7 @@
           <a:p>
             <a:fld id="{23FB0741-427B-426A-BBEB-9E6698F86A84}" type="datetimeFigureOut">
               <a:rPr lang="en-US" smtClean="0"/>
-              <a:t>5/13/2018</a:t>
+              <a:t>5/14/2018</a:t>
             </a:fld>
             <a:endParaRPr lang="en-US"/>
           </a:p>
@@ -2674,7 +5232,7 @@
           <a:p>
             <a:fld id="{23FB0741-427B-426A-BBEB-9E6698F86A84}" type="datetimeFigureOut">
               <a:rPr lang="en-US" smtClean="0"/>
-              <a:t>5/13/2018</a:t>
+              <a:t>5/14/2018</a:t>
             </a:fld>
             <a:endParaRPr lang="en-US"/>
           </a:p>
@@ -2962,7 +5520,7 @@
           <a:p>
             <a:fld id="{23FB0741-427B-426A-BBEB-9E6698F86A84}" type="datetimeFigureOut">
               <a:rPr lang="en-US" smtClean="0"/>
-              <a:t>5/13/2018</a:t>
+              <a:t>5/14/2018</a:t>
             </a:fld>
             <a:endParaRPr lang="en-US"/>
           </a:p>
@@ -3203,7 +5761,7 @@
           <a:p>
             <a:fld id="{23FB0741-427B-426A-BBEB-9E6698F86A84}" type="datetimeFigureOut">
               <a:rPr lang="en-US" smtClean="0"/>
-              <a:t>5/13/2018</a:t>
+              <a:t>5/14/2018</a:t>
             </a:fld>
             <a:endParaRPr lang="en-US"/>
           </a:p>
@@ -3763,7 +6321,9 @@
             </p:nvSpPr>
             <p:spPr/>
             <p:txBody>
-              <a:bodyPr/>
+              <a:bodyPr>
+                <a:normAutofit lnSpcReduction="10000"/>
+              </a:bodyPr>
               <a:lstStyle/>
               <a:p>
                 <a:r>
@@ -3928,7 +6488,15 @@
                 </a:r>
                 <a:r>
                   <a:rPr lang="en-US" dirty="0"/>
-                  <a:t> both our desired properties are present</a:t>
+                  <a:t> both our desired properties are present. Also possible to weight the last </a:t>
+                </a:r>
+                <a:r>
+                  <a:rPr lang="en-US" i="1" dirty="0"/>
+                  <a:t>n</a:t>
+                </a:r>
+                <a:r>
+                  <a:rPr lang="en-US" dirty="0"/>
+                  <a:t> points instead of just the last 1</a:t>
                 </a:r>
               </a:p>
             </p:txBody>
@@ -3955,7 +6523,7 @@
               <a:blipFill>
                 <a:blip r:embed="rId2"/>
                 <a:stretch>
-                  <a:fillRect l="-1043" t="-2241" r="-812"/>
+                  <a:fillRect l="-1043" t="-3081" r="-812"/>
                 </a:stretch>
               </a:blipFill>
             </p:spPr>
@@ -4049,12 +6617,64 @@
             <p:ph idx="1"/>
           </p:nvPr>
         </p:nvSpPr>
-        <p:spPr/>
+        <p:spPr>
+          <a:xfrm>
+            <a:off x="838200" y="1825625"/>
+            <a:ext cx="10239703" cy="4764361"/>
+          </a:xfrm>
+        </p:spPr>
         <p:txBody>
-          <a:bodyPr/>
+          <a:bodyPr>
+            <a:normAutofit lnSpcReduction="10000"/>
+          </a:bodyPr>
           <a:lstStyle/>
           <a:p>
-            <a:endParaRPr lang="en-US" dirty="0"/>
+            <a:r>
+              <a:rPr lang="nb-NO" dirty="0"/>
+              <a:t>Tunable parameters: Weighting and sampling density along x-axis</a:t>
+            </a:r>
+          </a:p>
+          <a:p>
+            <a:endParaRPr lang="nb-NO" dirty="0"/>
+          </a:p>
+          <a:p>
+            <a:r>
+              <a:rPr lang="nb-NO" dirty="0"/>
+              <a:t>Green dashed line represents generated scenario</a:t>
+            </a:r>
+          </a:p>
+          <a:p>
+            <a:endParaRPr lang="nb-NO" dirty="0"/>
+          </a:p>
+          <a:p>
+            <a:r>
+              <a:rPr lang="nb-NO" dirty="0"/>
+              <a:t>Black solid line represents the mean</a:t>
+            </a:r>
+          </a:p>
+          <a:p>
+            <a:endParaRPr lang="nb-NO" dirty="0"/>
+          </a:p>
+          <a:p>
+            <a:r>
+              <a:rPr lang="nb-NO" dirty="0"/>
+              <a:t>Each shade of blue corresponds to 1 standard deviation</a:t>
+            </a:r>
+          </a:p>
+          <a:p>
+            <a:endParaRPr lang="nb-NO" dirty="0"/>
+          </a:p>
+          <a:p>
+            <a:r>
+              <a:rPr lang="nb-NO" dirty="0"/>
+              <a:t>Note: Choke values on x-axis are incorrect, should be interpreted as 0-100</a:t>
+            </a:r>
+          </a:p>
+          <a:p>
+            <a:endParaRPr lang="nb-NO" dirty="0"/>
+          </a:p>
+          <a:p>
+            <a:endParaRPr lang="nb-NO" dirty="0"/>
           </a:p>
         </p:txBody>
       </p:sp>
@@ -4088,12 +6708,47 @@
           <a:chExt cx="0" cy="0"/>
         </a:xfrm>
       </p:grpSpPr>
+      <p:pic>
+        <p:nvPicPr>
+          <p:cNvPr id="6" name="Content Placeholder 5">
+            <a:extLst>
+              <a:ext uri="{FF2B5EF4-FFF2-40B4-BE49-F238E27FC236}">
+                <a16:creationId xmlns:a16="http://schemas.microsoft.com/office/drawing/2014/main" id="{B3635BDD-1842-46E8-A5A7-35D0CEF794BB}"/>
+              </a:ext>
+            </a:extLst>
+          </p:cNvPr>
+          <p:cNvPicPr>
+            <a:picLocks noGrp="1" noChangeAspect="1"/>
+          </p:cNvPicPr>
+          <p:nvPr>
+            <p:ph idx="1"/>
+          </p:nvPr>
+        </p:nvPicPr>
+        <p:blipFill>
+          <a:blip r:embed="rId2">
+            <a:extLst>
+              <a:ext uri="{28A0092B-C50C-407E-A947-70E740481C1C}">
+                <a14:useLocalDpi xmlns:a14="http://schemas.microsoft.com/office/drawing/2010/main" val="0"/>
+              </a:ext>
+            </a:extLst>
+          </a:blip>
+          <a:stretch>
+            <a:fillRect/>
+          </a:stretch>
+        </p:blipFill>
+        <p:spPr>
+          <a:xfrm>
+            <a:off x="2161869" y="1136755"/>
+            <a:ext cx="7868262" cy="5729078"/>
+          </a:xfrm>
+        </p:spPr>
+      </p:pic>
       <p:sp>
         <p:nvSpPr>
           <p:cNvPr id="2" name="Title 1">
             <a:extLst>
               <a:ext uri="{FF2B5EF4-FFF2-40B4-BE49-F238E27FC236}">
-                <a16:creationId xmlns:a16="http://schemas.microsoft.com/office/drawing/2014/main" id="{59089C09-29BA-4299-9C59-855A4C970C72}"/>
+                <a16:creationId xmlns:a16="http://schemas.microsoft.com/office/drawing/2014/main" id="{DB8C7F42-D906-4F5E-90AE-8A2B9115A9E3}"/>
               </a:ext>
             </a:extLst>
           </p:cNvPr>
@@ -4111,7 +6766,442 @@
           <a:p>
             <a:r>
               <a:rPr lang="nb-NO" dirty="0"/>
-              <a:t>Scenario Generation Model – Discussion Points</a:t>
+              <a:t>Varying the Weight Parameter – w = 0.0</a:t>
+            </a:r>
+            <a:endParaRPr lang="en-US" dirty="0"/>
+          </a:p>
+        </p:txBody>
+      </p:sp>
+    </p:spTree>
+    <p:extLst>
+      <p:ext uri="{BB962C8B-B14F-4D97-AF65-F5344CB8AC3E}">
+        <p14:creationId xmlns:p14="http://schemas.microsoft.com/office/powerpoint/2010/main" val="3112249150"/>
+      </p:ext>
+    </p:extLst>
+  </p:cSld>
+  <p:clrMapOvr>
+    <a:masterClrMapping/>
+  </p:clrMapOvr>
+</p:sld>
+</file>
+
+<file path=ppt/slides/slide13.xml><?xml version="1.0" encoding="utf-8"?>
+<p:sld xmlns:a="http://schemas.openxmlformats.org/drawingml/2006/main" xmlns:r="http://schemas.openxmlformats.org/officeDocument/2006/relationships" xmlns:p="http://schemas.openxmlformats.org/presentationml/2006/main">
+  <p:cSld>
+    <p:spTree>
+      <p:nvGrpSpPr>
+        <p:cNvPr id="1" name=""/>
+        <p:cNvGrpSpPr/>
+        <p:nvPr/>
+      </p:nvGrpSpPr>
+      <p:grpSpPr>
+        <a:xfrm>
+          <a:off x="0" y="0"/>
+          <a:ext cx="0" cy="0"/>
+          <a:chOff x="0" y="0"/>
+          <a:chExt cx="0" cy="0"/>
+        </a:xfrm>
+      </p:grpSpPr>
+      <p:pic>
+        <p:nvPicPr>
+          <p:cNvPr id="6" name="Content Placeholder 5">
+            <a:extLst>
+              <a:ext uri="{FF2B5EF4-FFF2-40B4-BE49-F238E27FC236}">
+                <a16:creationId xmlns:a16="http://schemas.microsoft.com/office/drawing/2014/main" id="{B3635BDD-1842-46E8-A5A7-35D0CEF794BB}"/>
+              </a:ext>
+            </a:extLst>
+          </p:cNvPr>
+          <p:cNvPicPr>
+            <a:picLocks noGrp="1" noChangeAspect="1"/>
+          </p:cNvPicPr>
+          <p:nvPr>
+            <p:ph idx="1"/>
+          </p:nvPr>
+        </p:nvPicPr>
+        <p:blipFill>
+          <a:blip r:embed="rId2">
+            <a:extLst>
+              <a:ext uri="{28A0092B-C50C-407E-A947-70E740481C1C}">
+                <a14:useLocalDpi xmlns:a14="http://schemas.microsoft.com/office/drawing/2010/main" val="0"/>
+              </a:ext>
+            </a:extLst>
+          </a:blip>
+          <a:stretch>
+            <a:fillRect/>
+          </a:stretch>
+        </p:blipFill>
+        <p:spPr>
+          <a:xfrm>
+            <a:off x="2161869" y="1136755"/>
+            <a:ext cx="7868261" cy="5729077"/>
+          </a:xfrm>
+        </p:spPr>
+      </p:pic>
+      <p:sp>
+        <p:nvSpPr>
+          <p:cNvPr id="2" name="Title 1">
+            <a:extLst>
+              <a:ext uri="{FF2B5EF4-FFF2-40B4-BE49-F238E27FC236}">
+                <a16:creationId xmlns:a16="http://schemas.microsoft.com/office/drawing/2014/main" id="{DB8C7F42-D906-4F5E-90AE-8A2B9115A9E3}"/>
+              </a:ext>
+            </a:extLst>
+          </p:cNvPr>
+          <p:cNvSpPr>
+            <a:spLocks noGrp="1"/>
+          </p:cNvSpPr>
+          <p:nvPr>
+            <p:ph type="title"/>
+          </p:nvPr>
+        </p:nvSpPr>
+        <p:spPr/>
+        <p:txBody>
+          <a:bodyPr/>
+          <a:lstStyle/>
+          <a:p>
+            <a:r>
+              <a:rPr lang="nb-NO" dirty="0"/>
+              <a:t>Varying the Weight Parameter – w = 0.3</a:t>
+            </a:r>
+            <a:endParaRPr lang="en-US" dirty="0"/>
+          </a:p>
+        </p:txBody>
+      </p:sp>
+    </p:spTree>
+    <p:extLst>
+      <p:ext uri="{BB962C8B-B14F-4D97-AF65-F5344CB8AC3E}">
+        <p14:creationId xmlns:p14="http://schemas.microsoft.com/office/powerpoint/2010/main" val="2719017998"/>
+      </p:ext>
+    </p:extLst>
+  </p:cSld>
+  <p:clrMapOvr>
+    <a:masterClrMapping/>
+  </p:clrMapOvr>
+</p:sld>
+</file>
+
+<file path=ppt/slides/slide14.xml><?xml version="1.0" encoding="utf-8"?>
+<p:sld xmlns:a="http://schemas.openxmlformats.org/drawingml/2006/main" xmlns:r="http://schemas.openxmlformats.org/officeDocument/2006/relationships" xmlns:p="http://schemas.openxmlformats.org/presentationml/2006/main">
+  <p:cSld>
+    <p:spTree>
+      <p:nvGrpSpPr>
+        <p:cNvPr id="1" name=""/>
+        <p:cNvGrpSpPr/>
+        <p:nvPr/>
+      </p:nvGrpSpPr>
+      <p:grpSpPr>
+        <a:xfrm>
+          <a:off x="0" y="0"/>
+          <a:ext cx="0" cy="0"/>
+          <a:chOff x="0" y="0"/>
+          <a:chExt cx="0" cy="0"/>
+        </a:xfrm>
+      </p:grpSpPr>
+      <p:pic>
+        <p:nvPicPr>
+          <p:cNvPr id="6" name="Content Placeholder 5">
+            <a:extLst>
+              <a:ext uri="{FF2B5EF4-FFF2-40B4-BE49-F238E27FC236}">
+                <a16:creationId xmlns:a16="http://schemas.microsoft.com/office/drawing/2014/main" id="{B3635BDD-1842-46E8-A5A7-35D0CEF794BB}"/>
+              </a:ext>
+            </a:extLst>
+          </p:cNvPr>
+          <p:cNvPicPr>
+            <a:picLocks noGrp="1" noChangeAspect="1"/>
+          </p:cNvPicPr>
+          <p:nvPr>
+            <p:ph idx="1"/>
+          </p:nvPr>
+        </p:nvPicPr>
+        <p:blipFill>
+          <a:blip r:embed="rId2">
+            <a:extLst>
+              <a:ext uri="{28A0092B-C50C-407E-A947-70E740481C1C}">
+                <a14:useLocalDpi xmlns:a14="http://schemas.microsoft.com/office/drawing/2010/main" val="0"/>
+              </a:ext>
+            </a:extLst>
+          </a:blip>
+          <a:stretch>
+            <a:fillRect/>
+          </a:stretch>
+        </p:blipFill>
+        <p:spPr>
+          <a:xfrm>
+            <a:off x="2161869" y="1136755"/>
+            <a:ext cx="7868261" cy="5729077"/>
+          </a:xfrm>
+        </p:spPr>
+      </p:pic>
+      <p:sp>
+        <p:nvSpPr>
+          <p:cNvPr id="2" name="Title 1">
+            <a:extLst>
+              <a:ext uri="{FF2B5EF4-FFF2-40B4-BE49-F238E27FC236}">
+                <a16:creationId xmlns:a16="http://schemas.microsoft.com/office/drawing/2014/main" id="{DB8C7F42-D906-4F5E-90AE-8A2B9115A9E3}"/>
+              </a:ext>
+            </a:extLst>
+          </p:cNvPr>
+          <p:cNvSpPr>
+            <a:spLocks noGrp="1"/>
+          </p:cNvSpPr>
+          <p:nvPr>
+            <p:ph type="title"/>
+          </p:nvPr>
+        </p:nvSpPr>
+        <p:spPr/>
+        <p:txBody>
+          <a:bodyPr/>
+          <a:lstStyle/>
+          <a:p>
+            <a:r>
+              <a:rPr lang="nb-NO" dirty="0"/>
+              <a:t>Varying the Weight Parameter – w = 0.5</a:t>
+            </a:r>
+            <a:endParaRPr lang="en-US" dirty="0"/>
+          </a:p>
+        </p:txBody>
+      </p:sp>
+    </p:spTree>
+    <p:extLst>
+      <p:ext uri="{BB962C8B-B14F-4D97-AF65-F5344CB8AC3E}">
+        <p14:creationId xmlns:p14="http://schemas.microsoft.com/office/powerpoint/2010/main" val="2649271701"/>
+      </p:ext>
+    </p:extLst>
+  </p:cSld>
+  <p:clrMapOvr>
+    <a:masterClrMapping/>
+  </p:clrMapOvr>
+</p:sld>
+</file>
+
+<file path=ppt/slides/slide15.xml><?xml version="1.0" encoding="utf-8"?>
+<p:sld xmlns:a="http://schemas.openxmlformats.org/drawingml/2006/main" xmlns:r="http://schemas.openxmlformats.org/officeDocument/2006/relationships" xmlns:p="http://schemas.openxmlformats.org/presentationml/2006/main">
+  <p:cSld>
+    <p:spTree>
+      <p:nvGrpSpPr>
+        <p:cNvPr id="1" name=""/>
+        <p:cNvGrpSpPr/>
+        <p:nvPr/>
+      </p:nvGrpSpPr>
+      <p:grpSpPr>
+        <a:xfrm>
+          <a:off x="0" y="0"/>
+          <a:ext cx="0" cy="0"/>
+          <a:chOff x="0" y="0"/>
+          <a:chExt cx="0" cy="0"/>
+        </a:xfrm>
+      </p:grpSpPr>
+      <p:pic>
+        <p:nvPicPr>
+          <p:cNvPr id="6" name="Content Placeholder 5">
+            <a:extLst>
+              <a:ext uri="{FF2B5EF4-FFF2-40B4-BE49-F238E27FC236}">
+                <a16:creationId xmlns:a16="http://schemas.microsoft.com/office/drawing/2014/main" id="{B3635BDD-1842-46E8-A5A7-35D0CEF794BB}"/>
+              </a:ext>
+            </a:extLst>
+          </p:cNvPr>
+          <p:cNvPicPr>
+            <a:picLocks noGrp="1" noChangeAspect="1"/>
+          </p:cNvPicPr>
+          <p:nvPr>
+            <p:ph idx="1"/>
+          </p:nvPr>
+        </p:nvPicPr>
+        <p:blipFill>
+          <a:blip r:embed="rId2">
+            <a:extLst>
+              <a:ext uri="{28A0092B-C50C-407E-A947-70E740481C1C}">
+                <a14:useLocalDpi xmlns:a14="http://schemas.microsoft.com/office/drawing/2010/main" val="0"/>
+              </a:ext>
+            </a:extLst>
+          </a:blip>
+          <a:stretch>
+            <a:fillRect/>
+          </a:stretch>
+        </p:blipFill>
+        <p:spPr>
+          <a:xfrm>
+            <a:off x="2161869" y="1136755"/>
+            <a:ext cx="7868261" cy="5729077"/>
+          </a:xfrm>
+        </p:spPr>
+      </p:pic>
+      <p:sp>
+        <p:nvSpPr>
+          <p:cNvPr id="2" name="Title 1">
+            <a:extLst>
+              <a:ext uri="{FF2B5EF4-FFF2-40B4-BE49-F238E27FC236}">
+                <a16:creationId xmlns:a16="http://schemas.microsoft.com/office/drawing/2014/main" id="{DB8C7F42-D906-4F5E-90AE-8A2B9115A9E3}"/>
+              </a:ext>
+            </a:extLst>
+          </p:cNvPr>
+          <p:cNvSpPr>
+            <a:spLocks noGrp="1"/>
+          </p:cNvSpPr>
+          <p:nvPr>
+            <p:ph type="title"/>
+          </p:nvPr>
+        </p:nvSpPr>
+        <p:spPr/>
+        <p:txBody>
+          <a:bodyPr/>
+          <a:lstStyle/>
+          <a:p>
+            <a:r>
+              <a:rPr lang="nb-NO" dirty="0"/>
+              <a:t>Varying the Weight Parameter – w = 0.6</a:t>
+            </a:r>
+            <a:endParaRPr lang="en-US" dirty="0"/>
+          </a:p>
+        </p:txBody>
+      </p:sp>
+    </p:spTree>
+    <p:extLst>
+      <p:ext uri="{BB962C8B-B14F-4D97-AF65-F5344CB8AC3E}">
+        <p14:creationId xmlns:p14="http://schemas.microsoft.com/office/powerpoint/2010/main" val="3013284252"/>
+      </p:ext>
+    </p:extLst>
+  </p:cSld>
+  <p:clrMapOvr>
+    <a:masterClrMapping/>
+  </p:clrMapOvr>
+</p:sld>
+</file>
+
+<file path=ppt/slides/slide16.xml><?xml version="1.0" encoding="utf-8"?>
+<p:sld xmlns:a="http://schemas.openxmlformats.org/drawingml/2006/main" xmlns:r="http://schemas.openxmlformats.org/officeDocument/2006/relationships" xmlns:p="http://schemas.openxmlformats.org/presentationml/2006/main">
+  <p:cSld>
+    <p:spTree>
+      <p:nvGrpSpPr>
+        <p:cNvPr id="1" name=""/>
+        <p:cNvGrpSpPr/>
+        <p:nvPr/>
+      </p:nvGrpSpPr>
+      <p:grpSpPr>
+        <a:xfrm>
+          <a:off x="0" y="0"/>
+          <a:ext cx="0" cy="0"/>
+          <a:chOff x="0" y="0"/>
+          <a:chExt cx="0" cy="0"/>
+        </a:xfrm>
+      </p:grpSpPr>
+      <p:pic>
+        <p:nvPicPr>
+          <p:cNvPr id="6" name="Content Placeholder 5">
+            <a:extLst>
+              <a:ext uri="{FF2B5EF4-FFF2-40B4-BE49-F238E27FC236}">
+                <a16:creationId xmlns:a16="http://schemas.microsoft.com/office/drawing/2014/main" id="{B3635BDD-1842-46E8-A5A7-35D0CEF794BB}"/>
+              </a:ext>
+            </a:extLst>
+          </p:cNvPr>
+          <p:cNvPicPr>
+            <a:picLocks noGrp="1" noChangeAspect="1"/>
+          </p:cNvPicPr>
+          <p:nvPr>
+            <p:ph idx="1"/>
+          </p:nvPr>
+        </p:nvPicPr>
+        <p:blipFill>
+          <a:blip r:embed="rId2">
+            <a:extLst>
+              <a:ext uri="{28A0092B-C50C-407E-A947-70E740481C1C}">
+                <a14:useLocalDpi xmlns:a14="http://schemas.microsoft.com/office/drawing/2010/main" val="0"/>
+              </a:ext>
+            </a:extLst>
+          </a:blip>
+          <a:stretch>
+            <a:fillRect/>
+          </a:stretch>
+        </p:blipFill>
+        <p:spPr>
+          <a:xfrm>
+            <a:off x="2161869" y="1136755"/>
+            <a:ext cx="7868261" cy="5729077"/>
+          </a:xfrm>
+        </p:spPr>
+      </p:pic>
+      <p:sp>
+        <p:nvSpPr>
+          <p:cNvPr id="2" name="Title 1">
+            <a:extLst>
+              <a:ext uri="{FF2B5EF4-FFF2-40B4-BE49-F238E27FC236}">
+                <a16:creationId xmlns:a16="http://schemas.microsoft.com/office/drawing/2014/main" id="{DB8C7F42-D906-4F5E-90AE-8A2B9115A9E3}"/>
+              </a:ext>
+            </a:extLst>
+          </p:cNvPr>
+          <p:cNvSpPr>
+            <a:spLocks noGrp="1"/>
+          </p:cNvSpPr>
+          <p:nvPr>
+            <p:ph type="title"/>
+          </p:nvPr>
+        </p:nvSpPr>
+        <p:spPr/>
+        <p:txBody>
+          <a:bodyPr/>
+          <a:lstStyle/>
+          <a:p>
+            <a:r>
+              <a:rPr lang="nb-NO" dirty="0"/>
+              <a:t>Varying the Weight Parameter – w = 1.0</a:t>
+            </a:r>
+            <a:endParaRPr lang="en-US" dirty="0"/>
+          </a:p>
+        </p:txBody>
+      </p:sp>
+    </p:spTree>
+    <p:extLst>
+      <p:ext uri="{BB962C8B-B14F-4D97-AF65-F5344CB8AC3E}">
+        <p14:creationId xmlns:p14="http://schemas.microsoft.com/office/powerpoint/2010/main" val="3443474125"/>
+      </p:ext>
+    </p:extLst>
+  </p:cSld>
+  <p:clrMapOvr>
+    <a:masterClrMapping/>
+  </p:clrMapOvr>
+</p:sld>
+</file>
+
+<file path=ppt/slides/slide17.xml><?xml version="1.0" encoding="utf-8"?>
+<p:sld xmlns:a="http://schemas.openxmlformats.org/drawingml/2006/main" xmlns:r="http://schemas.openxmlformats.org/officeDocument/2006/relationships" xmlns:p="http://schemas.openxmlformats.org/presentationml/2006/main">
+  <p:cSld>
+    <p:spTree>
+      <p:nvGrpSpPr>
+        <p:cNvPr id="1" name=""/>
+        <p:cNvGrpSpPr/>
+        <p:nvPr/>
+      </p:nvGrpSpPr>
+      <p:grpSpPr>
+        <a:xfrm>
+          <a:off x="0" y="0"/>
+          <a:ext cx="0" cy="0"/>
+          <a:chOff x="0" y="0"/>
+          <a:chExt cx="0" cy="0"/>
+        </a:xfrm>
+      </p:grpSpPr>
+      <p:sp>
+        <p:nvSpPr>
+          <p:cNvPr id="2" name="Title 1">
+            <a:extLst>
+              <a:ext uri="{FF2B5EF4-FFF2-40B4-BE49-F238E27FC236}">
+                <a16:creationId xmlns:a16="http://schemas.microsoft.com/office/drawing/2014/main" id="{156A6762-6E1D-4316-B416-5314EA8918DC}"/>
+              </a:ext>
+            </a:extLst>
+          </p:cNvPr>
+          <p:cNvSpPr>
+            <a:spLocks noGrp="1"/>
+          </p:cNvSpPr>
+          <p:nvPr>
+            <p:ph type="title"/>
+          </p:nvPr>
+        </p:nvSpPr>
+        <p:spPr/>
+        <p:txBody>
+          <a:bodyPr/>
+          <a:lstStyle/>
+          <a:p>
+            <a:r>
+              <a:rPr lang="nb-NO" dirty="0"/>
+              <a:t>Varying the Weight Parameter</a:t>
             </a:r>
             <a:endParaRPr lang="en-US" dirty="0"/>
           </a:p>
@@ -4122,7 +7212,7 @@
           <p:cNvPr id="3" name="Content Placeholder 2">
             <a:extLst>
               <a:ext uri="{FF2B5EF4-FFF2-40B4-BE49-F238E27FC236}">
-                <a16:creationId xmlns:a16="http://schemas.microsoft.com/office/drawing/2014/main" id="{FB5D6B7E-E0FB-4D4C-BB55-55C40E09AE07}"/>
+                <a16:creationId xmlns:a16="http://schemas.microsoft.com/office/drawing/2014/main" id="{9575A4E6-B92C-4258-AD73-3215C7C152DC}"/>
               </a:ext>
             </a:extLst>
           </p:cNvPr>
@@ -4140,7 +7230,7 @@
           <a:p>
             <a:r>
               <a:rPr lang="nb-NO" dirty="0"/>
-              <a:t>It is still necessary to train new networks to apply the new scenario generation procedure. Probably quickly becomes intractable</a:t>
+              <a:t>Increasing the weight of the random draw yields more erratic curves</a:t>
             </a:r>
           </a:p>
           <a:p>
@@ -4149,25 +7239,209 @@
           <a:p>
             <a:r>
               <a:rPr lang="nb-NO" dirty="0"/>
-              <a:t>Alternatively, one may use SOS2. This will however scale very poorly with higher dimensional inputs</a:t>
-            </a:r>
-          </a:p>
-          <a:p>
+              <a:t>For w = 0.0, the shift from the mean is constant along the entire curve</a:t>
+            </a:r>
+          </a:p>
+          <a:p>
+            <a:pPr marL="0" indent="0">
+              <a:buNone/>
+            </a:pPr>
             <a:endParaRPr lang="nb-NO" dirty="0"/>
-          </a:p>
-          <a:p>
-            <a:r>
-              <a:rPr lang="nb-NO" dirty="0"/>
-              <a:t>Possible approach: Feasibility study, how does solution time scale with number of scenarios?</a:t>
-            </a:r>
-            <a:endParaRPr lang="en-US" dirty="0"/>
           </a:p>
         </p:txBody>
       </p:sp>
     </p:spTree>
     <p:extLst>
       <p:ext uri="{BB962C8B-B14F-4D97-AF65-F5344CB8AC3E}">
-        <p14:creationId xmlns:p14="http://schemas.microsoft.com/office/powerpoint/2010/main" val="2863017654"/>
+        <p14:creationId xmlns:p14="http://schemas.microsoft.com/office/powerpoint/2010/main" val="247376529"/>
+      </p:ext>
+    </p:extLst>
+  </p:cSld>
+  <p:clrMapOvr>
+    <a:masterClrMapping/>
+  </p:clrMapOvr>
+</p:sld>
+</file>
+
+<file path=ppt/slides/slide18.xml><?xml version="1.0" encoding="utf-8"?>
+<p:sld xmlns:a="http://schemas.openxmlformats.org/drawingml/2006/main" xmlns:r="http://schemas.openxmlformats.org/officeDocument/2006/relationships" xmlns:p="http://schemas.openxmlformats.org/presentationml/2006/main">
+  <p:cSld>
+    <p:spTree>
+      <p:nvGrpSpPr>
+        <p:cNvPr id="1" name=""/>
+        <p:cNvGrpSpPr/>
+        <p:nvPr/>
+      </p:nvGrpSpPr>
+      <p:grpSpPr>
+        <a:xfrm>
+          <a:off x="0" y="0"/>
+          <a:ext cx="0" cy="0"/>
+          <a:chOff x="0" y="0"/>
+          <a:chExt cx="0" cy="0"/>
+        </a:xfrm>
+      </p:grpSpPr>
+      <p:pic>
+        <p:nvPicPr>
+          <p:cNvPr id="6" name="Content Placeholder 5">
+            <a:extLst>
+              <a:ext uri="{FF2B5EF4-FFF2-40B4-BE49-F238E27FC236}">
+                <a16:creationId xmlns:a16="http://schemas.microsoft.com/office/drawing/2014/main" id="{B3635BDD-1842-46E8-A5A7-35D0CEF794BB}"/>
+              </a:ext>
+            </a:extLst>
+          </p:cNvPr>
+          <p:cNvPicPr>
+            <a:picLocks noGrp="1" noChangeAspect="1"/>
+          </p:cNvPicPr>
+          <p:nvPr>
+            <p:ph idx="1"/>
+          </p:nvPr>
+        </p:nvPicPr>
+        <p:blipFill>
+          <a:blip r:embed="rId2">
+            <a:extLst>
+              <a:ext uri="{28A0092B-C50C-407E-A947-70E740481C1C}">
+                <a14:useLocalDpi xmlns:a14="http://schemas.microsoft.com/office/drawing/2010/main" val="0"/>
+              </a:ext>
+            </a:extLst>
+          </a:blip>
+          <a:stretch>
+            <a:fillRect/>
+          </a:stretch>
+        </p:blipFill>
+        <p:spPr>
+          <a:xfrm>
+            <a:off x="2161869" y="1136755"/>
+            <a:ext cx="7868262" cy="5729078"/>
+          </a:xfrm>
+        </p:spPr>
+      </p:pic>
+      <p:sp>
+        <p:nvSpPr>
+          <p:cNvPr id="2" name="Title 1">
+            <a:extLst>
+              <a:ext uri="{FF2B5EF4-FFF2-40B4-BE49-F238E27FC236}">
+                <a16:creationId xmlns:a16="http://schemas.microsoft.com/office/drawing/2014/main" id="{DB8C7F42-D906-4F5E-90AE-8A2B9115A9E3}"/>
+              </a:ext>
+            </a:extLst>
+          </p:cNvPr>
+          <p:cNvSpPr>
+            <a:spLocks noGrp="1"/>
+          </p:cNvSpPr>
+          <p:nvPr>
+            <p:ph type="title"/>
+          </p:nvPr>
+        </p:nvSpPr>
+        <p:spPr/>
+        <p:txBody>
+          <a:bodyPr/>
+          <a:lstStyle/>
+          <a:p>
+            <a:r>
+              <a:rPr lang="nb-NO" dirty="0"/>
+              <a:t>Varying the Amount of Points – points = 5</a:t>
+            </a:r>
+            <a:endParaRPr lang="en-US" dirty="0"/>
+          </a:p>
+        </p:txBody>
+      </p:sp>
+    </p:spTree>
+    <p:extLst>
+      <p:ext uri="{BB962C8B-B14F-4D97-AF65-F5344CB8AC3E}">
+        <p14:creationId xmlns:p14="http://schemas.microsoft.com/office/powerpoint/2010/main" val="384358251"/>
+      </p:ext>
+    </p:extLst>
+  </p:cSld>
+  <p:clrMapOvr>
+    <a:masterClrMapping/>
+  </p:clrMapOvr>
+</p:sld>
+</file>
+
+<file path=ppt/slides/slide19.xml><?xml version="1.0" encoding="utf-8"?>
+<p:sld xmlns:a="http://schemas.openxmlformats.org/drawingml/2006/main" xmlns:r="http://schemas.openxmlformats.org/officeDocument/2006/relationships" xmlns:p="http://schemas.openxmlformats.org/presentationml/2006/main">
+  <p:cSld>
+    <p:spTree>
+      <p:nvGrpSpPr>
+        <p:cNvPr id="1" name=""/>
+        <p:cNvGrpSpPr/>
+        <p:nvPr/>
+      </p:nvGrpSpPr>
+      <p:grpSpPr>
+        <a:xfrm>
+          <a:off x="0" y="0"/>
+          <a:ext cx="0" cy="0"/>
+          <a:chOff x="0" y="0"/>
+          <a:chExt cx="0" cy="0"/>
+        </a:xfrm>
+      </p:grpSpPr>
+      <p:pic>
+        <p:nvPicPr>
+          <p:cNvPr id="6" name="Content Placeholder 5">
+            <a:extLst>
+              <a:ext uri="{FF2B5EF4-FFF2-40B4-BE49-F238E27FC236}">
+                <a16:creationId xmlns:a16="http://schemas.microsoft.com/office/drawing/2014/main" id="{B3635BDD-1842-46E8-A5A7-35D0CEF794BB}"/>
+              </a:ext>
+            </a:extLst>
+          </p:cNvPr>
+          <p:cNvPicPr>
+            <a:picLocks noGrp="1" noChangeAspect="1"/>
+          </p:cNvPicPr>
+          <p:nvPr>
+            <p:ph idx="1"/>
+          </p:nvPr>
+        </p:nvPicPr>
+        <p:blipFill>
+          <a:blip r:embed="rId2">
+            <a:extLst>
+              <a:ext uri="{28A0092B-C50C-407E-A947-70E740481C1C}">
+                <a14:useLocalDpi xmlns:a14="http://schemas.microsoft.com/office/drawing/2010/main" val="0"/>
+              </a:ext>
+            </a:extLst>
+          </a:blip>
+          <a:stretch>
+            <a:fillRect/>
+          </a:stretch>
+        </p:blipFill>
+        <p:spPr>
+          <a:xfrm>
+            <a:off x="2161869" y="1136755"/>
+            <a:ext cx="7868262" cy="5729077"/>
+          </a:xfrm>
+        </p:spPr>
+      </p:pic>
+      <p:sp>
+        <p:nvSpPr>
+          <p:cNvPr id="2" name="Title 1">
+            <a:extLst>
+              <a:ext uri="{FF2B5EF4-FFF2-40B4-BE49-F238E27FC236}">
+                <a16:creationId xmlns:a16="http://schemas.microsoft.com/office/drawing/2014/main" id="{DB8C7F42-D906-4F5E-90AE-8A2B9115A9E3}"/>
+              </a:ext>
+            </a:extLst>
+          </p:cNvPr>
+          <p:cNvSpPr>
+            <a:spLocks noGrp="1"/>
+          </p:cNvSpPr>
+          <p:nvPr>
+            <p:ph type="title"/>
+          </p:nvPr>
+        </p:nvSpPr>
+        <p:spPr/>
+        <p:txBody>
+          <a:bodyPr/>
+          <a:lstStyle/>
+          <a:p>
+            <a:r>
+              <a:rPr lang="nb-NO" dirty="0"/>
+              <a:t>Varying the Amount of Points – points = 10</a:t>
+            </a:r>
+            <a:endParaRPr lang="en-US" dirty="0"/>
+          </a:p>
+        </p:txBody>
+      </p:sp>
+    </p:spTree>
+    <p:extLst>
+      <p:ext uri="{BB962C8B-B14F-4D97-AF65-F5344CB8AC3E}">
+        <p14:creationId xmlns:p14="http://schemas.microsoft.com/office/powerpoint/2010/main" val="2132822157"/>
       </p:ext>
     </p:extLst>
   </p:cSld>
@@ -4267,6 +7541,820 @@
     <p:extLst>
       <p:ext uri="{BB962C8B-B14F-4D97-AF65-F5344CB8AC3E}">
         <p14:creationId xmlns:p14="http://schemas.microsoft.com/office/powerpoint/2010/main" val="158366554"/>
+      </p:ext>
+    </p:extLst>
+  </p:cSld>
+  <p:clrMapOvr>
+    <a:masterClrMapping/>
+  </p:clrMapOvr>
+</p:sld>
+</file>
+
+<file path=ppt/slides/slide20.xml><?xml version="1.0" encoding="utf-8"?>
+<p:sld xmlns:a="http://schemas.openxmlformats.org/drawingml/2006/main" xmlns:r="http://schemas.openxmlformats.org/officeDocument/2006/relationships" xmlns:p="http://schemas.openxmlformats.org/presentationml/2006/main">
+  <p:cSld>
+    <p:spTree>
+      <p:nvGrpSpPr>
+        <p:cNvPr id="1" name=""/>
+        <p:cNvGrpSpPr/>
+        <p:nvPr/>
+      </p:nvGrpSpPr>
+      <p:grpSpPr>
+        <a:xfrm>
+          <a:off x="0" y="0"/>
+          <a:ext cx="0" cy="0"/>
+          <a:chOff x="0" y="0"/>
+          <a:chExt cx="0" cy="0"/>
+        </a:xfrm>
+      </p:grpSpPr>
+      <p:pic>
+        <p:nvPicPr>
+          <p:cNvPr id="6" name="Content Placeholder 5">
+            <a:extLst>
+              <a:ext uri="{FF2B5EF4-FFF2-40B4-BE49-F238E27FC236}">
+                <a16:creationId xmlns:a16="http://schemas.microsoft.com/office/drawing/2014/main" id="{B3635BDD-1842-46E8-A5A7-35D0CEF794BB}"/>
+              </a:ext>
+            </a:extLst>
+          </p:cNvPr>
+          <p:cNvPicPr>
+            <a:picLocks noGrp="1" noChangeAspect="1"/>
+          </p:cNvPicPr>
+          <p:nvPr>
+            <p:ph idx="1"/>
+          </p:nvPr>
+        </p:nvPicPr>
+        <p:blipFill>
+          <a:blip r:embed="rId2">
+            <a:extLst>
+              <a:ext uri="{28A0092B-C50C-407E-A947-70E740481C1C}">
+                <a14:useLocalDpi xmlns:a14="http://schemas.microsoft.com/office/drawing/2010/main" val="0"/>
+              </a:ext>
+            </a:extLst>
+          </a:blip>
+          <a:stretch>
+            <a:fillRect/>
+          </a:stretch>
+        </p:blipFill>
+        <p:spPr>
+          <a:xfrm>
+            <a:off x="2161869" y="1136755"/>
+            <a:ext cx="7868262" cy="5729077"/>
+          </a:xfrm>
+        </p:spPr>
+      </p:pic>
+      <p:sp>
+        <p:nvSpPr>
+          <p:cNvPr id="2" name="Title 1">
+            <a:extLst>
+              <a:ext uri="{FF2B5EF4-FFF2-40B4-BE49-F238E27FC236}">
+                <a16:creationId xmlns:a16="http://schemas.microsoft.com/office/drawing/2014/main" id="{DB8C7F42-D906-4F5E-90AE-8A2B9115A9E3}"/>
+              </a:ext>
+            </a:extLst>
+          </p:cNvPr>
+          <p:cNvSpPr>
+            <a:spLocks noGrp="1"/>
+          </p:cNvSpPr>
+          <p:nvPr>
+            <p:ph type="title"/>
+          </p:nvPr>
+        </p:nvSpPr>
+        <p:spPr/>
+        <p:txBody>
+          <a:bodyPr/>
+          <a:lstStyle/>
+          <a:p>
+            <a:r>
+              <a:rPr lang="nb-NO" dirty="0"/>
+              <a:t>Varying the Amount of Points – points = 25</a:t>
+            </a:r>
+            <a:endParaRPr lang="en-US" dirty="0"/>
+          </a:p>
+        </p:txBody>
+      </p:sp>
+    </p:spTree>
+    <p:extLst>
+      <p:ext uri="{BB962C8B-B14F-4D97-AF65-F5344CB8AC3E}">
+        <p14:creationId xmlns:p14="http://schemas.microsoft.com/office/powerpoint/2010/main" val="2924728271"/>
+      </p:ext>
+    </p:extLst>
+  </p:cSld>
+  <p:clrMapOvr>
+    <a:masterClrMapping/>
+  </p:clrMapOvr>
+</p:sld>
+</file>
+
+<file path=ppt/slides/slide21.xml><?xml version="1.0" encoding="utf-8"?>
+<p:sld xmlns:a="http://schemas.openxmlformats.org/drawingml/2006/main" xmlns:r="http://schemas.openxmlformats.org/officeDocument/2006/relationships" xmlns:p="http://schemas.openxmlformats.org/presentationml/2006/main">
+  <p:cSld>
+    <p:spTree>
+      <p:nvGrpSpPr>
+        <p:cNvPr id="1" name=""/>
+        <p:cNvGrpSpPr/>
+        <p:nvPr/>
+      </p:nvGrpSpPr>
+      <p:grpSpPr>
+        <a:xfrm>
+          <a:off x="0" y="0"/>
+          <a:ext cx="0" cy="0"/>
+          <a:chOff x="0" y="0"/>
+          <a:chExt cx="0" cy="0"/>
+        </a:xfrm>
+      </p:grpSpPr>
+      <p:pic>
+        <p:nvPicPr>
+          <p:cNvPr id="6" name="Content Placeholder 5">
+            <a:extLst>
+              <a:ext uri="{FF2B5EF4-FFF2-40B4-BE49-F238E27FC236}">
+                <a16:creationId xmlns:a16="http://schemas.microsoft.com/office/drawing/2014/main" id="{B3635BDD-1842-46E8-A5A7-35D0CEF794BB}"/>
+              </a:ext>
+            </a:extLst>
+          </p:cNvPr>
+          <p:cNvPicPr>
+            <a:picLocks noGrp="1" noChangeAspect="1"/>
+          </p:cNvPicPr>
+          <p:nvPr>
+            <p:ph idx="1"/>
+          </p:nvPr>
+        </p:nvPicPr>
+        <p:blipFill>
+          <a:blip r:embed="rId2">
+            <a:extLst>
+              <a:ext uri="{28A0092B-C50C-407E-A947-70E740481C1C}">
+                <a14:useLocalDpi xmlns:a14="http://schemas.microsoft.com/office/drawing/2010/main" val="0"/>
+              </a:ext>
+            </a:extLst>
+          </a:blip>
+          <a:stretch>
+            <a:fillRect/>
+          </a:stretch>
+        </p:blipFill>
+        <p:spPr>
+          <a:xfrm>
+            <a:off x="2161869" y="1136755"/>
+            <a:ext cx="7868262" cy="5729077"/>
+          </a:xfrm>
+        </p:spPr>
+      </p:pic>
+      <p:sp>
+        <p:nvSpPr>
+          <p:cNvPr id="2" name="Title 1">
+            <a:extLst>
+              <a:ext uri="{FF2B5EF4-FFF2-40B4-BE49-F238E27FC236}">
+                <a16:creationId xmlns:a16="http://schemas.microsoft.com/office/drawing/2014/main" id="{DB8C7F42-D906-4F5E-90AE-8A2B9115A9E3}"/>
+              </a:ext>
+            </a:extLst>
+          </p:cNvPr>
+          <p:cNvSpPr>
+            <a:spLocks noGrp="1"/>
+          </p:cNvSpPr>
+          <p:nvPr>
+            <p:ph type="title"/>
+          </p:nvPr>
+        </p:nvSpPr>
+        <p:spPr/>
+        <p:txBody>
+          <a:bodyPr/>
+          <a:lstStyle/>
+          <a:p>
+            <a:r>
+              <a:rPr lang="nb-NO" dirty="0"/>
+              <a:t>Varying the Amount of Points – points = 50</a:t>
+            </a:r>
+            <a:endParaRPr lang="en-US" dirty="0"/>
+          </a:p>
+        </p:txBody>
+      </p:sp>
+    </p:spTree>
+    <p:extLst>
+      <p:ext uri="{BB962C8B-B14F-4D97-AF65-F5344CB8AC3E}">
+        <p14:creationId xmlns:p14="http://schemas.microsoft.com/office/powerpoint/2010/main" val="3771506423"/>
+      </p:ext>
+    </p:extLst>
+  </p:cSld>
+  <p:clrMapOvr>
+    <a:masterClrMapping/>
+  </p:clrMapOvr>
+</p:sld>
+</file>
+
+<file path=ppt/slides/slide22.xml><?xml version="1.0" encoding="utf-8"?>
+<p:sld xmlns:a="http://schemas.openxmlformats.org/drawingml/2006/main" xmlns:r="http://schemas.openxmlformats.org/officeDocument/2006/relationships" xmlns:p="http://schemas.openxmlformats.org/presentationml/2006/main">
+  <p:cSld>
+    <p:spTree>
+      <p:nvGrpSpPr>
+        <p:cNvPr id="1" name=""/>
+        <p:cNvGrpSpPr/>
+        <p:nvPr/>
+      </p:nvGrpSpPr>
+      <p:grpSpPr>
+        <a:xfrm>
+          <a:off x="0" y="0"/>
+          <a:ext cx="0" cy="0"/>
+          <a:chOff x="0" y="0"/>
+          <a:chExt cx="0" cy="0"/>
+        </a:xfrm>
+      </p:grpSpPr>
+      <p:pic>
+        <p:nvPicPr>
+          <p:cNvPr id="6" name="Content Placeholder 5">
+            <a:extLst>
+              <a:ext uri="{FF2B5EF4-FFF2-40B4-BE49-F238E27FC236}">
+                <a16:creationId xmlns:a16="http://schemas.microsoft.com/office/drawing/2014/main" id="{B3635BDD-1842-46E8-A5A7-35D0CEF794BB}"/>
+              </a:ext>
+            </a:extLst>
+          </p:cNvPr>
+          <p:cNvPicPr>
+            <a:picLocks noGrp="1" noChangeAspect="1"/>
+          </p:cNvPicPr>
+          <p:nvPr>
+            <p:ph idx="1"/>
+          </p:nvPr>
+        </p:nvPicPr>
+        <p:blipFill>
+          <a:blip r:embed="rId2">
+            <a:extLst>
+              <a:ext uri="{28A0092B-C50C-407E-A947-70E740481C1C}">
+                <a14:useLocalDpi xmlns:a14="http://schemas.microsoft.com/office/drawing/2010/main" val="0"/>
+              </a:ext>
+            </a:extLst>
+          </a:blip>
+          <a:stretch>
+            <a:fillRect/>
+          </a:stretch>
+        </p:blipFill>
+        <p:spPr>
+          <a:xfrm>
+            <a:off x="2161869" y="1228961"/>
+            <a:ext cx="7868262" cy="5544665"/>
+          </a:xfrm>
+        </p:spPr>
+      </p:pic>
+      <p:sp>
+        <p:nvSpPr>
+          <p:cNvPr id="2" name="Title 1">
+            <a:extLst>
+              <a:ext uri="{FF2B5EF4-FFF2-40B4-BE49-F238E27FC236}">
+                <a16:creationId xmlns:a16="http://schemas.microsoft.com/office/drawing/2014/main" id="{DB8C7F42-D906-4F5E-90AE-8A2B9115A9E3}"/>
+              </a:ext>
+            </a:extLst>
+          </p:cNvPr>
+          <p:cNvSpPr>
+            <a:spLocks noGrp="1"/>
+          </p:cNvSpPr>
+          <p:nvPr>
+            <p:ph type="title"/>
+          </p:nvPr>
+        </p:nvSpPr>
+        <p:spPr/>
+        <p:txBody>
+          <a:bodyPr/>
+          <a:lstStyle/>
+          <a:p>
+            <a:r>
+              <a:rPr lang="nb-NO" dirty="0"/>
+              <a:t>Varying the Amount of Points – points = 100</a:t>
+            </a:r>
+            <a:endParaRPr lang="en-US" dirty="0"/>
+          </a:p>
+        </p:txBody>
+      </p:sp>
+    </p:spTree>
+    <p:extLst>
+      <p:ext uri="{BB962C8B-B14F-4D97-AF65-F5344CB8AC3E}">
+        <p14:creationId xmlns:p14="http://schemas.microsoft.com/office/powerpoint/2010/main" val="555580048"/>
+      </p:ext>
+    </p:extLst>
+  </p:cSld>
+  <p:clrMapOvr>
+    <a:masterClrMapping/>
+  </p:clrMapOvr>
+</p:sld>
+</file>
+
+<file path=ppt/slides/slide23.xml><?xml version="1.0" encoding="utf-8"?>
+<p:sld xmlns:a="http://schemas.openxmlformats.org/drawingml/2006/main" xmlns:r="http://schemas.openxmlformats.org/officeDocument/2006/relationships" xmlns:p="http://schemas.openxmlformats.org/presentationml/2006/main">
+  <p:cSld>
+    <p:spTree>
+      <p:nvGrpSpPr>
+        <p:cNvPr id="1" name=""/>
+        <p:cNvGrpSpPr/>
+        <p:nvPr/>
+      </p:nvGrpSpPr>
+      <p:grpSpPr>
+        <a:xfrm>
+          <a:off x="0" y="0"/>
+          <a:ext cx="0" cy="0"/>
+          <a:chOff x="0" y="0"/>
+          <a:chExt cx="0" cy="0"/>
+        </a:xfrm>
+      </p:grpSpPr>
+      <p:sp>
+        <p:nvSpPr>
+          <p:cNvPr id="2" name="Title 1">
+            <a:extLst>
+              <a:ext uri="{FF2B5EF4-FFF2-40B4-BE49-F238E27FC236}">
+                <a16:creationId xmlns:a16="http://schemas.microsoft.com/office/drawing/2014/main" id="{26A059C6-8719-4611-8585-BC5099955381}"/>
+              </a:ext>
+            </a:extLst>
+          </p:cNvPr>
+          <p:cNvSpPr>
+            <a:spLocks noGrp="1"/>
+          </p:cNvSpPr>
+          <p:nvPr>
+            <p:ph type="title"/>
+          </p:nvPr>
+        </p:nvSpPr>
+        <p:spPr/>
+        <p:txBody>
+          <a:bodyPr/>
+          <a:lstStyle/>
+          <a:p>
+            <a:r>
+              <a:rPr lang="nb-NO" dirty="0"/>
+              <a:t>Varying the Amount of Points</a:t>
+            </a:r>
+            <a:endParaRPr lang="en-US" dirty="0"/>
+          </a:p>
+        </p:txBody>
+      </p:sp>
+      <p:sp>
+        <p:nvSpPr>
+          <p:cNvPr id="3" name="Content Placeholder 2">
+            <a:extLst>
+              <a:ext uri="{FF2B5EF4-FFF2-40B4-BE49-F238E27FC236}">
+                <a16:creationId xmlns:a16="http://schemas.microsoft.com/office/drawing/2014/main" id="{6E6286F7-D90B-45B4-92B8-059EE811E5CD}"/>
+              </a:ext>
+            </a:extLst>
+          </p:cNvPr>
+          <p:cNvSpPr>
+            <a:spLocks noGrp="1"/>
+          </p:cNvSpPr>
+          <p:nvPr>
+            <p:ph idx="1"/>
+          </p:nvPr>
+        </p:nvSpPr>
+        <p:spPr/>
+        <p:txBody>
+          <a:bodyPr/>
+          <a:lstStyle/>
+          <a:p>
+            <a:r>
+              <a:rPr lang="nb-NO" dirty="0"/>
+              <a:t>Fewer points create smoother curves</a:t>
+            </a:r>
+          </a:p>
+          <a:p>
+            <a:endParaRPr lang="nb-NO" dirty="0"/>
+          </a:p>
+          <a:p>
+            <a:r>
+              <a:rPr lang="nb-NO" dirty="0"/>
+              <a:t>More points means the curve can vary more over short regions</a:t>
+            </a:r>
+          </a:p>
+          <a:p>
+            <a:endParaRPr lang="nb-NO" dirty="0"/>
+          </a:p>
+          <a:p>
+            <a:r>
+              <a:rPr lang="nb-NO" dirty="0"/>
+              <a:t>Somewhere around 10-20 may be a compromise if we are to fit a neural network to the new curve</a:t>
+            </a:r>
+          </a:p>
+          <a:p>
+            <a:endParaRPr lang="nb-NO" dirty="0"/>
+          </a:p>
+          <a:p>
+            <a:endParaRPr lang="en-US" dirty="0"/>
+          </a:p>
+        </p:txBody>
+      </p:sp>
+    </p:spTree>
+    <p:extLst>
+      <p:ext uri="{BB962C8B-B14F-4D97-AF65-F5344CB8AC3E}">
+        <p14:creationId xmlns:p14="http://schemas.microsoft.com/office/powerpoint/2010/main" val="3215589765"/>
+      </p:ext>
+    </p:extLst>
+  </p:cSld>
+  <p:clrMapOvr>
+    <a:masterClrMapping/>
+  </p:clrMapOvr>
+</p:sld>
+</file>
+
+<file path=ppt/slides/slide24.xml><?xml version="1.0" encoding="utf-8"?>
+<p:sld xmlns:a="http://schemas.openxmlformats.org/drawingml/2006/main" xmlns:r="http://schemas.openxmlformats.org/officeDocument/2006/relationships" xmlns:p="http://schemas.openxmlformats.org/presentationml/2006/main">
+  <p:cSld>
+    <p:spTree>
+      <p:nvGrpSpPr>
+        <p:cNvPr id="1" name=""/>
+        <p:cNvGrpSpPr/>
+        <p:nvPr/>
+      </p:nvGrpSpPr>
+      <p:grpSpPr>
+        <a:xfrm>
+          <a:off x="0" y="0"/>
+          <a:ext cx="0" cy="0"/>
+          <a:chOff x="0" y="0"/>
+          <a:chExt cx="0" cy="0"/>
+        </a:xfrm>
+      </p:grpSpPr>
+      <p:sp>
+        <p:nvSpPr>
+          <p:cNvPr id="2" name="Title 1">
+            <a:extLst>
+              <a:ext uri="{FF2B5EF4-FFF2-40B4-BE49-F238E27FC236}">
+                <a16:creationId xmlns:a16="http://schemas.microsoft.com/office/drawing/2014/main" id="{F0E4BC85-3F24-48FC-A120-2E9870309BAF}"/>
+              </a:ext>
+            </a:extLst>
+          </p:cNvPr>
+          <p:cNvSpPr>
+            <a:spLocks noGrp="1"/>
+          </p:cNvSpPr>
+          <p:nvPr>
+            <p:ph type="title"/>
+          </p:nvPr>
+        </p:nvSpPr>
+        <p:spPr/>
+        <p:txBody>
+          <a:bodyPr/>
+          <a:lstStyle/>
+          <a:p>
+            <a:r>
+              <a:rPr lang="nb-NO" dirty="0"/>
+              <a:t>Specifying a Known Point, 4 Examples</a:t>
+            </a:r>
+            <a:endParaRPr lang="en-US" dirty="0"/>
+          </a:p>
+        </p:txBody>
+      </p:sp>
+      <p:sp>
+        <p:nvSpPr>
+          <p:cNvPr id="3" name="Content Placeholder 2">
+            <a:extLst>
+              <a:ext uri="{FF2B5EF4-FFF2-40B4-BE49-F238E27FC236}">
+                <a16:creationId xmlns:a16="http://schemas.microsoft.com/office/drawing/2014/main" id="{F947932A-F6F3-426F-AA4F-70A0C4E9569D}"/>
+              </a:ext>
+            </a:extLst>
+          </p:cNvPr>
+          <p:cNvSpPr>
+            <a:spLocks noGrp="1"/>
+          </p:cNvSpPr>
+          <p:nvPr>
+            <p:ph idx="1"/>
+          </p:nvPr>
+        </p:nvSpPr>
+        <p:spPr>
+          <a:xfrm>
+            <a:off x="9275641" y="3799294"/>
+            <a:ext cx="4156318" cy="857765"/>
+          </a:xfrm>
+        </p:spPr>
+        <p:txBody>
+          <a:bodyPr>
+            <a:normAutofit/>
+          </a:bodyPr>
+          <a:lstStyle/>
+          <a:p>
+            <a:pPr marL="0" indent="0">
+              <a:buNone/>
+            </a:pPr>
+            <a:r>
+              <a:rPr lang="nb-NO" sz="1800" dirty="0"/>
+              <a:t>(x*, y*) = (50, 35000)</a:t>
+            </a:r>
+          </a:p>
+          <a:p>
+            <a:pPr marL="0" indent="0">
+              <a:buNone/>
+            </a:pPr>
+            <a:r>
+              <a:rPr lang="nb-NO" sz="1800" i="1" dirty="0"/>
+              <a:t>(choke, gas output)</a:t>
+            </a:r>
+            <a:endParaRPr lang="en-US" sz="1800" i="1" dirty="0"/>
+          </a:p>
+        </p:txBody>
+      </p:sp>
+      <p:pic>
+        <p:nvPicPr>
+          <p:cNvPr id="13" name="Picture 12">
+            <a:extLst>
+              <a:ext uri="{FF2B5EF4-FFF2-40B4-BE49-F238E27FC236}">
+                <a16:creationId xmlns:a16="http://schemas.microsoft.com/office/drawing/2014/main" id="{3915D239-3FC8-47A6-8788-88A3860A5B3B}"/>
+              </a:ext>
+            </a:extLst>
+          </p:cNvPr>
+          <p:cNvPicPr>
+            <a:picLocks noChangeAspect="1"/>
+          </p:cNvPicPr>
+          <p:nvPr/>
+        </p:nvPicPr>
+        <p:blipFill>
+          <a:blip r:embed="rId2">
+            <a:extLst>
+              <a:ext uri="{28A0092B-C50C-407E-A947-70E740481C1C}">
+                <a14:useLocalDpi xmlns:a14="http://schemas.microsoft.com/office/drawing/2010/main" val="0"/>
+              </a:ext>
+            </a:extLst>
+          </a:blip>
+          <a:stretch>
+            <a:fillRect/>
+          </a:stretch>
+        </p:blipFill>
+        <p:spPr>
+          <a:xfrm>
+            <a:off x="441957" y="1392080"/>
+            <a:ext cx="3589818" cy="2613836"/>
+          </a:xfrm>
+          <a:prstGeom prst="rect">
+            <a:avLst/>
+          </a:prstGeom>
+        </p:spPr>
+      </p:pic>
+      <p:pic>
+        <p:nvPicPr>
+          <p:cNvPr id="15" name="Picture 14">
+            <a:extLst>
+              <a:ext uri="{FF2B5EF4-FFF2-40B4-BE49-F238E27FC236}">
+                <a16:creationId xmlns:a16="http://schemas.microsoft.com/office/drawing/2014/main" id="{A3A98D95-79C3-490E-A253-5BA080231BDA}"/>
+              </a:ext>
+            </a:extLst>
+          </p:cNvPr>
+          <p:cNvPicPr>
+            <a:picLocks noChangeAspect="1"/>
+          </p:cNvPicPr>
+          <p:nvPr/>
+        </p:nvPicPr>
+        <p:blipFill>
+          <a:blip r:embed="rId3">
+            <a:extLst>
+              <a:ext uri="{28A0092B-C50C-407E-A947-70E740481C1C}">
+                <a14:useLocalDpi xmlns:a14="http://schemas.microsoft.com/office/drawing/2010/main" val="0"/>
+              </a:ext>
+            </a:extLst>
+          </a:blip>
+          <a:stretch>
+            <a:fillRect/>
+          </a:stretch>
+        </p:blipFill>
+        <p:spPr>
+          <a:xfrm>
+            <a:off x="4246611" y="1392080"/>
+            <a:ext cx="3589818" cy="2613836"/>
+          </a:xfrm>
+          <a:prstGeom prst="rect">
+            <a:avLst/>
+          </a:prstGeom>
+        </p:spPr>
+      </p:pic>
+      <p:pic>
+        <p:nvPicPr>
+          <p:cNvPr id="17" name="Picture 16">
+            <a:extLst>
+              <a:ext uri="{FF2B5EF4-FFF2-40B4-BE49-F238E27FC236}">
+                <a16:creationId xmlns:a16="http://schemas.microsoft.com/office/drawing/2014/main" id="{39276AFE-F97A-4D98-8903-A14071575CBC}"/>
+              </a:ext>
+            </a:extLst>
+          </p:cNvPr>
+          <p:cNvPicPr>
+            <a:picLocks noChangeAspect="1"/>
+          </p:cNvPicPr>
+          <p:nvPr/>
+        </p:nvPicPr>
+        <p:blipFill>
+          <a:blip r:embed="rId4">
+            <a:extLst>
+              <a:ext uri="{28A0092B-C50C-407E-A947-70E740481C1C}">
+                <a14:useLocalDpi xmlns:a14="http://schemas.microsoft.com/office/drawing/2010/main" val="0"/>
+              </a:ext>
+            </a:extLst>
+          </a:blip>
+          <a:stretch>
+            <a:fillRect/>
+          </a:stretch>
+        </p:blipFill>
+        <p:spPr>
+          <a:xfrm>
+            <a:off x="4246611" y="4130247"/>
+            <a:ext cx="3589818" cy="2613836"/>
+          </a:xfrm>
+          <a:prstGeom prst="rect">
+            <a:avLst/>
+          </a:prstGeom>
+        </p:spPr>
+      </p:pic>
+      <p:pic>
+        <p:nvPicPr>
+          <p:cNvPr id="23" name="Picture 22">
+            <a:extLst>
+              <a:ext uri="{FF2B5EF4-FFF2-40B4-BE49-F238E27FC236}">
+                <a16:creationId xmlns:a16="http://schemas.microsoft.com/office/drawing/2014/main" id="{0E7002C5-FA1C-4BA8-AF37-791F6480915E}"/>
+              </a:ext>
+            </a:extLst>
+          </p:cNvPr>
+          <p:cNvPicPr>
+            <a:picLocks noChangeAspect="1"/>
+          </p:cNvPicPr>
+          <p:nvPr/>
+        </p:nvPicPr>
+        <p:blipFill>
+          <a:blip r:embed="rId5">
+            <a:extLst>
+              <a:ext uri="{28A0092B-C50C-407E-A947-70E740481C1C}">
+                <a14:useLocalDpi xmlns:a14="http://schemas.microsoft.com/office/drawing/2010/main" val="0"/>
+              </a:ext>
+            </a:extLst>
+          </a:blip>
+          <a:stretch>
+            <a:fillRect/>
+          </a:stretch>
+        </p:blipFill>
+        <p:spPr>
+          <a:xfrm>
+            <a:off x="441957" y="4130247"/>
+            <a:ext cx="3589818" cy="2613836"/>
+          </a:xfrm>
+          <a:prstGeom prst="rect">
+            <a:avLst/>
+          </a:prstGeom>
+        </p:spPr>
+      </p:pic>
+      <p:sp>
+        <p:nvSpPr>
+          <p:cNvPr id="24" name="Oval 23">
+            <a:extLst>
+              <a:ext uri="{FF2B5EF4-FFF2-40B4-BE49-F238E27FC236}">
+                <a16:creationId xmlns:a16="http://schemas.microsoft.com/office/drawing/2014/main" id="{1601AC00-91FF-4305-B857-42639C08D0F4}"/>
+              </a:ext>
+            </a:extLst>
+          </p:cNvPr>
+          <p:cNvSpPr/>
+          <p:nvPr/>
+        </p:nvSpPr>
+        <p:spPr>
+          <a:xfrm>
+            <a:off x="8973880" y="3880884"/>
+            <a:ext cx="191386" cy="191386"/>
+          </a:xfrm>
+          <a:prstGeom prst="ellipse">
+            <a:avLst/>
+          </a:prstGeom>
+          <a:solidFill>
+            <a:srgbClr val="FF0000"/>
+          </a:solidFill>
+        </p:spPr>
+        <p:style>
+          <a:lnRef idx="2">
+            <a:schemeClr val="accent1">
+              <a:shade val="50000"/>
+            </a:schemeClr>
+          </a:lnRef>
+          <a:fillRef idx="1">
+            <a:schemeClr val="accent1"/>
+          </a:fillRef>
+          <a:effectRef idx="0">
+            <a:schemeClr val="accent1"/>
+          </a:effectRef>
+          <a:fontRef idx="minor">
+            <a:schemeClr val="lt1"/>
+          </a:fontRef>
+        </p:style>
+        <p:txBody>
+          <a:bodyPr rtlCol="0" anchor="ctr"/>
+          <a:lstStyle/>
+          <a:p>
+            <a:pPr algn="ctr"/>
+            <a:endParaRPr lang="en-US"/>
+          </a:p>
+        </p:txBody>
+      </p:sp>
+    </p:spTree>
+    <p:extLst>
+      <p:ext uri="{BB962C8B-B14F-4D97-AF65-F5344CB8AC3E}">
+        <p14:creationId xmlns:p14="http://schemas.microsoft.com/office/powerpoint/2010/main" val="3610515560"/>
+      </p:ext>
+    </p:extLst>
+  </p:cSld>
+  <p:clrMapOvr>
+    <a:masterClrMapping/>
+  </p:clrMapOvr>
+</p:sld>
+</file>
+
+<file path=ppt/slides/slide25.xml><?xml version="1.0" encoding="utf-8"?>
+<p:sld xmlns:a="http://schemas.openxmlformats.org/drawingml/2006/main" xmlns:r="http://schemas.openxmlformats.org/officeDocument/2006/relationships" xmlns:p="http://schemas.openxmlformats.org/presentationml/2006/main">
+  <p:cSld>
+    <p:spTree>
+      <p:nvGrpSpPr>
+        <p:cNvPr id="1" name=""/>
+        <p:cNvGrpSpPr/>
+        <p:nvPr/>
+      </p:nvGrpSpPr>
+      <p:grpSpPr>
+        <a:xfrm>
+          <a:off x="0" y="0"/>
+          <a:ext cx="0" cy="0"/>
+          <a:chOff x="0" y="0"/>
+          <a:chExt cx="0" cy="0"/>
+        </a:xfrm>
+      </p:grpSpPr>
+      <p:sp>
+        <p:nvSpPr>
+          <p:cNvPr id="2" name="Title 1">
+            <a:extLst>
+              <a:ext uri="{FF2B5EF4-FFF2-40B4-BE49-F238E27FC236}">
+                <a16:creationId xmlns:a16="http://schemas.microsoft.com/office/drawing/2014/main" id="{59089C09-29BA-4299-9C59-855A4C970C72}"/>
+              </a:ext>
+            </a:extLst>
+          </p:cNvPr>
+          <p:cNvSpPr>
+            <a:spLocks noGrp="1"/>
+          </p:cNvSpPr>
+          <p:nvPr>
+            <p:ph type="title"/>
+          </p:nvPr>
+        </p:nvSpPr>
+        <p:spPr/>
+        <p:txBody>
+          <a:bodyPr/>
+          <a:lstStyle/>
+          <a:p>
+            <a:r>
+              <a:rPr lang="nb-NO" dirty="0"/>
+              <a:t>Scenario Generation Model – Discussion Points</a:t>
+            </a:r>
+            <a:endParaRPr lang="en-US" dirty="0"/>
+          </a:p>
+        </p:txBody>
+      </p:sp>
+      <p:sp>
+        <p:nvSpPr>
+          <p:cNvPr id="3" name="Content Placeholder 2">
+            <a:extLst>
+              <a:ext uri="{FF2B5EF4-FFF2-40B4-BE49-F238E27FC236}">
+                <a16:creationId xmlns:a16="http://schemas.microsoft.com/office/drawing/2014/main" id="{FB5D6B7E-E0FB-4D4C-BB55-55C40E09AE07}"/>
+              </a:ext>
+            </a:extLst>
+          </p:cNvPr>
+          <p:cNvSpPr>
+            <a:spLocks noGrp="1"/>
+          </p:cNvSpPr>
+          <p:nvPr>
+            <p:ph idx="1"/>
+          </p:nvPr>
+        </p:nvSpPr>
+        <p:spPr/>
+        <p:txBody>
+          <a:bodyPr>
+            <a:normAutofit fontScale="92500"/>
+          </a:bodyPr>
+          <a:lstStyle/>
+          <a:p>
+            <a:r>
+              <a:rPr lang="nb-NO" dirty="0"/>
+              <a:t>It is still necessary to train a new network per scenario, well to apply the new scenario generation procedure. Probably quickly becomes intractable</a:t>
+            </a:r>
+          </a:p>
+          <a:p>
+            <a:endParaRPr lang="nb-NO" dirty="0"/>
+          </a:p>
+          <a:p>
+            <a:r>
+              <a:rPr lang="nb-NO" dirty="0"/>
+              <a:t>Alternatively, one may use SOS2. This will however scale very poorly with higher dimensional inputs due to grid approximation issues. For neural networks, </a:t>
+            </a:r>
+            <a:r>
+              <a:rPr lang="nb-NO"/>
+              <a:t>adding input </a:t>
+            </a:r>
+            <a:r>
+              <a:rPr lang="nb-NO" dirty="0"/>
+              <a:t>dimension </a:t>
+            </a:r>
+            <a:r>
+              <a:rPr lang="nb-NO"/>
+              <a:t>is simple and avoids another approximation step</a:t>
+            </a:r>
+            <a:endParaRPr lang="nb-NO" dirty="0"/>
+          </a:p>
+          <a:p>
+            <a:endParaRPr lang="nb-NO" dirty="0"/>
+          </a:p>
+          <a:p>
+            <a:r>
+              <a:rPr lang="nb-NO" dirty="0"/>
+              <a:t>Possible approach: Feasibility study, how does solution time scale with number of scenarios/neural networks needed to represent them?</a:t>
+            </a:r>
+            <a:endParaRPr lang="en-US" dirty="0"/>
+          </a:p>
+        </p:txBody>
+      </p:sp>
+    </p:spTree>
+    <p:extLst>
+      <p:ext uri="{BB962C8B-B14F-4D97-AF65-F5344CB8AC3E}">
+        <p14:creationId xmlns:p14="http://schemas.microsoft.com/office/powerpoint/2010/main" val="2863017654"/>
       </p:ext>
     </p:extLst>
   </p:cSld>
@@ -4828,7 +8916,7 @@
         <p:spPr/>
         <p:txBody>
           <a:bodyPr>
-            <a:normAutofit lnSpcReduction="10000"/>
+            <a:normAutofit/>
           </a:bodyPr>
           <a:lstStyle/>
           <a:p>
@@ -4852,18 +8940,11 @@
           <a:p>
             <a:r>
               <a:rPr lang="nb-NO" dirty="0"/>
-              <a:t>For different robust optimization scenario set sizes, the algorithm was repeated 200 times</a:t>
+              <a:t>For different robust optimization scenario set sizes and the EEV approach, the algorithm was repeated 200 times</a:t>
             </a:r>
           </a:p>
           <a:p>
             <a:endParaRPr lang="nb-NO" dirty="0"/>
-          </a:p>
-          <a:p>
-            <a:r>
-              <a:rPr lang="nb-NO" dirty="0"/>
-              <a:t>We then compare this to the EEV</a:t>
-            </a:r>
-            <a:endParaRPr lang="en-US" dirty="0"/>
           </a:p>
         </p:txBody>
       </p:sp>
@@ -4942,15 +9023,98 @@
             <p:ph idx="1"/>
           </p:nvPr>
         </p:nvSpPr>
-        <p:spPr/>
+        <p:spPr>
+          <a:xfrm>
+            <a:off x="838200" y="1825625"/>
+            <a:ext cx="10515600" cy="867786"/>
+          </a:xfrm>
+        </p:spPr>
         <p:txBody>
-          <a:bodyPr/>
+          <a:bodyPr>
+            <a:normAutofit fontScale="55000" lnSpcReduction="20000"/>
+          </a:bodyPr>
           <a:lstStyle/>
           <a:p>
-            <a:endParaRPr lang="en-US"/>
+            <a:r>
+              <a:rPr lang="nb-NO" dirty="0"/>
+              <a:t>Initial scenario: Wells 1 and 3 shut off, rest producing</a:t>
+            </a:r>
+          </a:p>
+          <a:p>
+            <a:r>
+              <a:rPr lang="nb-NO" dirty="0"/>
+              <a:t>EEV produces 10/200 = 5% infeasible solutions, but reaches a higher average objective value</a:t>
+            </a:r>
+          </a:p>
+          <a:p>
+            <a:r>
+              <a:rPr lang="nb-NO" dirty="0"/>
+              <a:t>For &gt; 15 scenarios, we never reach infeasibility. Objective value stabilizes</a:t>
+            </a:r>
+            <a:endParaRPr lang="en-US" dirty="0"/>
           </a:p>
         </p:txBody>
       </p:sp>
+      <p:graphicFrame>
+        <p:nvGraphicFramePr>
+          <p:cNvPr id="5" name="Chart 4">
+            <a:extLst>
+              <a:ext uri="{FF2B5EF4-FFF2-40B4-BE49-F238E27FC236}">
+                <a16:creationId xmlns:a16="http://schemas.microsoft.com/office/drawing/2014/main" id="{5A7CE7D5-E6D7-49FA-9B9D-8690F61F00FF}"/>
+              </a:ext>
+            </a:extLst>
+          </p:cNvPr>
+          <p:cNvGraphicFramePr>
+            <a:graphicFrameLocks/>
+          </p:cNvGraphicFramePr>
+          <p:nvPr>
+            <p:extLst>
+              <p:ext uri="{D42A27DB-BD31-4B8C-83A1-F6EECF244321}">
+                <p14:modId xmlns:p14="http://schemas.microsoft.com/office/powerpoint/2010/main" val="1419391718"/>
+              </p:ext>
+            </p:extLst>
+          </p:nvPr>
+        </p:nvGraphicFramePr>
+        <p:xfrm>
+          <a:off x="336258" y="2693413"/>
+          <a:ext cx="6112098" cy="3667259"/>
+        </p:xfrm>
+        <a:graphic>
+          <a:graphicData uri="http://schemas.openxmlformats.org/drawingml/2006/chart">
+            <c:chart xmlns:c="http://schemas.openxmlformats.org/drawingml/2006/chart" xmlns:r="http://schemas.openxmlformats.org/officeDocument/2006/relationships" r:id="rId2"/>
+          </a:graphicData>
+        </a:graphic>
+      </p:graphicFrame>
+      <p:graphicFrame>
+        <p:nvGraphicFramePr>
+          <p:cNvPr id="6" name="Chart 5">
+            <a:extLst>
+              <a:ext uri="{FF2B5EF4-FFF2-40B4-BE49-F238E27FC236}">
+                <a16:creationId xmlns:a16="http://schemas.microsoft.com/office/drawing/2014/main" id="{9678F944-B648-49F9-9D02-952529043F45}"/>
+              </a:ext>
+            </a:extLst>
+          </p:cNvPr>
+          <p:cNvGraphicFramePr>
+            <a:graphicFrameLocks/>
+          </p:cNvGraphicFramePr>
+          <p:nvPr>
+            <p:extLst>
+              <p:ext uri="{D42A27DB-BD31-4B8C-83A1-F6EECF244321}">
+                <p14:modId xmlns:p14="http://schemas.microsoft.com/office/powerpoint/2010/main" val="2200577811"/>
+              </p:ext>
+            </p:extLst>
+          </p:nvPr>
+        </p:nvGraphicFramePr>
+        <p:xfrm>
+          <a:off x="6402603" y="2693412"/>
+          <a:ext cx="5453139" cy="3667259"/>
+        </p:xfrm>
+        <a:graphic>
+          <a:graphicData uri="http://schemas.openxmlformats.org/drawingml/2006/chart">
+            <c:chart xmlns:c="http://schemas.openxmlformats.org/drawingml/2006/chart" xmlns:r="http://schemas.openxmlformats.org/officeDocument/2006/relationships" r:id="rId3"/>
+          </a:graphicData>
+        </a:graphic>
+      </p:graphicFrame>
     </p:spTree>
     <p:extLst>
       <p:ext uri="{BB962C8B-B14F-4D97-AF65-F5344CB8AC3E}">
@@ -5034,6 +9198,15 @@
             <a:r>
               <a:rPr lang="nb-NO" dirty="0"/>
               <a:t>For wells that are already producing, we assume we know the entire scenario distribution. In reality, we only know what our scenario looks like for the current choke setting</a:t>
+            </a:r>
+          </a:p>
+          <a:p>
+            <a:endParaRPr lang="nb-NO" dirty="0"/>
+          </a:p>
+          <a:p>
+            <a:r>
+              <a:rPr lang="nb-NO" dirty="0"/>
+              <a:t>For the presented initial scenario, we avoided infeasibility with fairly few scenarios in the robust optimization. May need to explore different scenarios to see if this holds more generally</a:t>
             </a:r>
           </a:p>
           <a:p>
@@ -5133,7 +9306,7 @@
             </a:pPr>
             <a:r>
               <a:rPr lang="nb-NO" dirty="0"/>
-              <a:t>The scenario curve should be able to intersect a given (choke, output) point if specified, since we know our current production rate for wells that are already producing (but are uncertain about choke values)</a:t>
+              <a:t>The scenario curve should be able to intersect a given (choke, output) point if specified, since we know our current production rate for wells that are already producing (but are uncertain about other regions of the curve)</a:t>
             </a:r>
           </a:p>
           <a:p>
@@ -5150,7 +9323,7 @@
             </a:pPr>
             <a:r>
               <a:rPr lang="nb-NO" dirty="0"/>
-              <a:t>The scenario curve should be able to vary around the mean more freely than the constant variance term draw</a:t>
+              <a:t>The scenario curve should be able to vary around the mean more freely than the constant variance term drawing procedure</a:t>
             </a:r>
             <a:endParaRPr lang="en-US" dirty="0"/>
           </a:p>
@@ -5215,8 +9388,8 @@
           </a:p>
         </p:txBody>
       </p:sp>
-      <mc:AlternateContent xmlns:mc="http://schemas.openxmlformats.org/markup-compatibility/2006">
-        <mc:Choice xmlns:a14="http://schemas.microsoft.com/office/drawing/2010/main" Requires="a14">
+      <mc:AlternateContent xmlns:mc="http://schemas.openxmlformats.org/markup-compatibility/2006" xmlns:a14="http://schemas.microsoft.com/office/drawing/2010/main">
+        <mc:Choice Requires="a14">
           <p:sp>
             <p:nvSpPr>
               <p:cNvPr id="3" name="Content Placeholder 2">
@@ -5697,7 +9870,7 @@
             </p:txBody>
           </p:sp>
         </mc:Choice>
-        <mc:Fallback>
+        <mc:Fallback xmlns="">
           <p:sp>
             <p:nvSpPr>
               <p:cNvPr id="3" name="Content Placeholder 2">
